--- a/SLIDES/ndc-web-components.pptx
+++ b/SLIDES/ndc-web-components.pptx
@@ -162,11 +162,12 @@
     <p:ext uri="{521415D9-36F7-43E2-AB2F-B90AF26B5E84}">
       <p14:sectionLst xmlns:p14="http://schemas.microsoft.com/office/powerpoint/2010/main">
         <p14:section name="Welcome" id="{E75E278A-FF0E-49A4-B170-79828D63BBAD}">
-          <p14:sldIdLst/>
+          <p14:sldIdLst>
+            <p14:sldId id="286"/>
+          </p14:sldIdLst>
         </p14:section>
         <p14:section name="NDC" id="{B9B51309-D148-4332-87C2-07BE32FBCA3B}">
           <p14:sldIdLst>
-            <p14:sldId id="286"/>
             <p14:sldId id="279"/>
             <p14:sldId id="376"/>
             <p14:sldId id="349"/>
@@ -331,7 +332,7 @@
           <a:p>
             <a:fld id="{80680FBE-A8DF-4758-9AC4-3A9E1039168F}" type="datetimeFigureOut">
               <a:rPr lang="en-US" smtClean="0"/>
-              <a:t>6/15/2021</a:t>
+              <a:t>6/16/2021</a:t>
             </a:fld>
             <a:endParaRPr lang="en-US" dirty="0"/>
           </a:p>
@@ -496,7 +497,7 @@
           <a:p>
             <a:fld id="{EC13577B-6902-467D-A26C-08A0DD5E4E03}" type="datetimeFigureOut">
               <a:rPr lang="en-US" smtClean="0"/>
-              <a:t>6/15/2021</a:t>
+              <a:t>6/16/2021</a:t>
             </a:fld>
             <a:endParaRPr lang="en-US" dirty="0"/>
           </a:p>
@@ -1202,7 +1203,7 @@
             <a:fld id="{8BEEBAAA-29B5-4AF5-BC5F-7E580C29002D}" type="datetimeFigureOut">
               <a:rPr lang="en-US" smtClean="0"/>
               <a:pPr/>
-              <a:t>6/15/2021</a:t>
+              <a:t>6/16/2021</a:t>
             </a:fld>
             <a:endParaRPr lang="en-US" dirty="0"/>
           </a:p>
@@ -1777,7 +1778,7 @@
           <a:p>
             <a:fld id="{4D723AB6-704A-42C8-AB51-31B091223600}" type="datetimeFigureOut">
               <a:rPr lang="en-GB" smtClean="0"/>
-              <a:t>15/06/2021</a:t>
+              <a:t>16/06/2021</a:t>
             </a:fld>
             <a:endParaRPr lang="en-GB"/>
           </a:p>
@@ -1977,7 +1978,7 @@
           <a:p>
             <a:fld id="{4D723AB6-704A-42C8-AB51-31B091223600}" type="datetimeFigureOut">
               <a:rPr lang="en-GB" smtClean="0"/>
-              <a:t>15/06/2021</a:t>
+              <a:t>16/06/2021</a:t>
             </a:fld>
             <a:endParaRPr lang="en-GB"/>
           </a:p>
@@ -2250,7 +2251,7 @@
             <a:fld id="{8BEEBAAA-29B5-4AF5-BC5F-7E580C29002D}" type="datetimeFigureOut">
               <a:rPr lang="en-US" smtClean="0"/>
               <a:pPr/>
-              <a:t>6/15/2021</a:t>
+              <a:t>6/16/2021</a:t>
             </a:fld>
             <a:endParaRPr lang="en-US" dirty="0"/>
           </a:p>
@@ -27333,8 +27334,8 @@
         </p:nvSpPr>
         <p:spPr>
           <a:xfrm>
-            <a:off x="541608" y="1691065"/>
-            <a:ext cx="10971964" cy="5370701"/>
+            <a:off x="610018" y="1290028"/>
+            <a:ext cx="10971964" cy="5863144"/>
           </a:xfrm>
           <a:prstGeom prst="rect">
             <a:avLst/>
@@ -27376,6 +27377,24 @@
                 <a:latin typeface="Segoe UI Light" panose="020B0502040204020203" pitchFamily="34" charset="0"/>
                 <a:cs typeface="Segoe UI Light" panose="020B0502040204020203" pitchFamily="34" charset="0"/>
               </a:rPr>
+              <a:t>Node – JS placed in usual public/js folder.</a:t>
+            </a:r>
+          </a:p>
+          <a:p>
+            <a:pPr marL="914400" lvl="1" indent="-457200">
+              <a:buFont typeface="Arial" panose="020B0604020202020204" pitchFamily="34" charset="0"/>
+              <a:buChar char="•"/>
+            </a:pPr>
+            <a:r>
+              <a:rPr lang="en-GB" sz="3200" dirty="0">
+                <a:solidFill>
+                  <a:schemeClr val="bg2">
+                    <a:lumMod val="25000"/>
+                  </a:schemeClr>
+                </a:solidFill>
+                <a:latin typeface="Segoe UI Light" panose="020B0502040204020203" pitchFamily="34" charset="0"/>
+                <a:cs typeface="Segoe UI Light" panose="020B0502040204020203" pitchFamily="34" charset="0"/>
+              </a:rPr>
               <a:t>Angular: https://angular.io/guide/elements</a:t>
             </a:r>
           </a:p>
@@ -27430,8 +27449,30 @@
                 <a:latin typeface="Segoe UI Light" panose="020B0502040204020203" pitchFamily="34" charset="0"/>
                 <a:cs typeface="Segoe UI Light" panose="020B0502040204020203" pitchFamily="34" charset="0"/>
               </a:rPr>
-              <a:t>React: https://github.com/LukasBombach/react-web-component</a:t>
+              <a:t>React: </a:t>
             </a:r>
+            <a:r>
+              <a:rPr lang="en-GB" sz="3200" dirty="0">
+                <a:solidFill>
+                  <a:schemeClr val="bg2">
+                    <a:lumMod val="25000"/>
+                  </a:schemeClr>
+                </a:solidFill>
+                <a:latin typeface="Segoe UI Light" panose="020B0502040204020203" pitchFamily="34" charset="0"/>
+                <a:cs typeface="Segoe UI Light" panose="020B0502040204020203" pitchFamily="34" charset="0"/>
+                <a:hlinkClick r:id="rId2"/>
+              </a:rPr>
+              <a:t>https://github.com/LukasBombach/react-web-component</a:t>
+            </a:r>
+            <a:endParaRPr lang="en-GB" sz="3200" dirty="0">
+              <a:solidFill>
+                <a:schemeClr val="bg2">
+                  <a:lumMod val="25000"/>
+                </a:schemeClr>
+              </a:solidFill>
+              <a:latin typeface="Segoe UI Light" panose="020B0502040204020203" pitchFamily="34" charset="0"/>
+              <a:cs typeface="Segoe UI Light" panose="020B0502040204020203" pitchFamily="34" charset="0"/>
+            </a:endParaRPr>
           </a:p>
           <a:p>
             <a:pPr marL="914400" lvl="1" indent="-457200">
@@ -27448,8 +27489,30 @@
                 <a:latin typeface="Segoe UI Light" panose="020B0502040204020203" pitchFamily="34" charset="0"/>
                 <a:cs typeface="Segoe UI Light" panose="020B0502040204020203" pitchFamily="34" charset="0"/>
               </a:rPr>
-              <a:t>Many others: https://webcomponents.dev/</a:t>
+              <a:t>Many others: </a:t>
             </a:r>
+            <a:r>
+              <a:rPr lang="en-GB" sz="3200" i="1" dirty="0">
+                <a:solidFill>
+                  <a:schemeClr val="bg2">
+                    <a:lumMod val="25000"/>
+                  </a:schemeClr>
+                </a:solidFill>
+                <a:latin typeface="Segoe UI Light" panose="020B0502040204020203" pitchFamily="34" charset="0"/>
+                <a:cs typeface="Segoe UI Light" panose="020B0502040204020203" pitchFamily="34" charset="0"/>
+                <a:hlinkClick r:id="rId3"/>
+              </a:rPr>
+              <a:t>https://webcomponents.dev/</a:t>
+            </a:r>
+            <a:endParaRPr lang="en-GB" sz="3200" i="1" dirty="0">
+              <a:solidFill>
+                <a:schemeClr val="bg2">
+                  <a:lumMod val="25000"/>
+                </a:schemeClr>
+              </a:solidFill>
+              <a:latin typeface="Segoe UI Light" panose="020B0502040204020203" pitchFamily="34" charset="0"/>
+              <a:cs typeface="Segoe UI Light" panose="020B0502040204020203" pitchFamily="34" charset="0"/>
+            </a:endParaRPr>
           </a:p>
           <a:p>
             <a:pPr marL="457200" lvl="1" indent="0">
@@ -33788,15 +33851,6 @@
 </file>
 
 <file path=customXml/item1.xml><?xml version="1.0" encoding="utf-8"?>
-<?mso-contentType ?>
-<FormTemplates xmlns="http://schemas.microsoft.com/sharepoint/v3/contenttype/forms">
-  <Display>DocumentLibraryForm</Display>
-  <Edit>DocumentLibraryForm</Edit>
-  <New>DocumentLibraryForm</New>
-</FormTemplates>
-</file>
-
-<file path=customXml/item2.xml><?xml version="1.0" encoding="utf-8"?>
 <ct:contentTypeSchema xmlns:ct="http://schemas.microsoft.com/office/2006/metadata/contentType" xmlns:ma="http://schemas.microsoft.com/office/2006/metadata/properties/metaAttributes" ct:_="" ma:_="" ma:contentTypeName="Document" ma:contentTypeID="0x01010079F111ED35F8CC479449609E8A0923A6" ma:contentTypeVersion="12" ma:contentTypeDescription="Create a new document." ma:contentTypeScope="" ma:versionID="a8a52e8c320b9a064ae3583ae3861c92">
   <xsd:schema xmlns:xsd="http://www.w3.org/2001/XMLSchema" xmlns:xs="http://www.w3.org/2001/XMLSchema" xmlns:p="http://schemas.microsoft.com/office/2006/metadata/properties" xmlns:ns2="71af3243-3dd4-4a8d-8c0d-dd76da1f02a5" xmlns:ns3="16c05727-aa75-4e4a-9b5f-8a80a1165891" targetNamespace="http://schemas.microsoft.com/office/2006/metadata/properties" ma:root="true" ma:fieldsID="88020cb39231a0945110f9cd888b521a" ns2:_="" ns3:_="">
     <xsd:import namespace="71af3243-3dd4-4a8d-8c0d-dd76da1f02a5"/>
@@ -34017,7 +34071,7 @@
 </ct:contentTypeSchema>
 </file>
 
-<file path=customXml/item3.xml><?xml version="1.0" encoding="utf-8"?>
+<file path=customXml/item2.xml><?xml version="1.0" encoding="utf-8"?>
 <p:properties xmlns:p="http://schemas.microsoft.com/office/2006/metadata/properties" xmlns:xsi="http://www.w3.org/2001/XMLSchema-instance" xmlns:pc="http://schemas.microsoft.com/office/infopath/2007/PartnerControls">
   <documentManagement>
     <Status xmlns="71af3243-3dd4-4a8d-8c0d-dd76da1f02a5">Not started</Status>
@@ -34026,15 +34080,16 @@
 </p:properties>
 </file>
 
-<file path=customXml/itemProps1.xml><?xml version="1.0" encoding="utf-8"?>
-<ds:datastoreItem xmlns:ds="http://schemas.openxmlformats.org/officeDocument/2006/customXml" ds:itemID="{7EE8C63A-4744-4DE4-BB49-0FF0B5375C60}">
-  <ds:schemaRefs>
-    <ds:schemaRef ds:uri="http://schemas.microsoft.com/sharepoint/v3/contenttype/forms"/>
-  </ds:schemaRefs>
-</ds:datastoreItem>
+<file path=customXml/item3.xml><?xml version="1.0" encoding="utf-8"?>
+<?mso-contentType ?>
+<FormTemplates xmlns="http://schemas.microsoft.com/sharepoint/v3/contenttype/forms">
+  <Display>DocumentLibraryForm</Display>
+  <Edit>DocumentLibraryForm</Edit>
+  <New>DocumentLibraryForm</New>
+</FormTemplates>
 </file>
 
-<file path=customXml/itemProps2.xml><?xml version="1.0" encoding="utf-8"?>
+<file path=customXml/itemProps1.xml><?xml version="1.0" encoding="utf-8"?>
 <ds:datastoreItem xmlns:ds="http://schemas.openxmlformats.org/officeDocument/2006/customXml" ds:itemID="{FD7FC771-7DFE-49DA-B577-71181BFBCB2E}">
   <ds:schemaRefs>
     <ds:schemaRef ds:uri="http://schemas.microsoft.com/office/2006/metadata/contentType"/>
@@ -34053,7 +34108,7 @@
 </ds:datastoreItem>
 </file>
 
-<file path=customXml/itemProps3.xml><?xml version="1.0" encoding="utf-8"?>
+<file path=customXml/itemProps2.xml><?xml version="1.0" encoding="utf-8"?>
 <ds:datastoreItem xmlns:ds="http://schemas.openxmlformats.org/officeDocument/2006/customXml" ds:itemID="{950072C5-DDE0-4258-BA7A-4D4B80DFA632}">
   <ds:schemaRefs>
     <ds:schemaRef ds:uri="http://purl.org/dc/terms/"/>
@@ -34068,4 +34123,12 @@
     <ds:schemaRef ds:uri="http://purl.org/dc/dcmitype/"/>
   </ds:schemaRefs>
 </ds:datastoreItem>
+</file>
+
+<file path=customXml/itemProps3.xml><?xml version="1.0" encoding="utf-8"?>
+<ds:datastoreItem xmlns:ds="http://schemas.openxmlformats.org/officeDocument/2006/customXml" ds:itemID="{7EE8C63A-4744-4DE4-BB49-0FF0B5375C60}">
+  <ds:schemaRefs>
+    <ds:schemaRef ds:uri="http://schemas.microsoft.com/sharepoint/v3/contenttype/forms"/>
+  </ds:schemaRefs>
+</ds:datastoreItem>
 </file>
--- a/SLIDES/ndc-web-components.pptx
+++ b/SLIDES/ndc-web-components.pptx
@@ -27,11 +27,11 @@
     <p:sldId id="287" r:id="rId18"/>
     <p:sldId id="321" r:id="rId19"/>
     <p:sldId id="288" r:id="rId20"/>
-    <p:sldId id="320" r:id="rId21"/>
-    <p:sldId id="337" r:id="rId22"/>
+    <p:sldId id="337" r:id="rId21"/>
+    <p:sldId id="320" r:id="rId22"/>
     <p:sldId id="372" r:id="rId23"/>
-    <p:sldId id="341" r:id="rId24"/>
-    <p:sldId id="374" r:id="rId25"/>
+    <p:sldId id="374" r:id="rId24"/>
+    <p:sldId id="341" r:id="rId25"/>
     <p:sldId id="368" r:id="rId26"/>
     <p:sldId id="375" r:id="rId27"/>
     <p:sldId id="370" r:id="rId28"/>
@@ -183,11 +183,11 @@
             <p14:sldId id="287"/>
             <p14:sldId id="321"/>
             <p14:sldId id="288"/>
+            <p14:sldId id="337"/>
             <p14:sldId id="320"/>
-            <p14:sldId id="337"/>
             <p14:sldId id="372"/>
+            <p14:sldId id="374"/>
             <p14:sldId id="341"/>
-            <p14:sldId id="374"/>
             <p14:sldId id="368"/>
             <p14:sldId id="375"/>
             <p14:sldId id="370"/>
@@ -332,7 +332,7 @@
           <a:p>
             <a:fld id="{80680FBE-A8DF-4758-9AC4-3A9E1039168F}" type="datetimeFigureOut">
               <a:rPr lang="en-US" smtClean="0"/>
-              <a:t>6/17/2021</a:t>
+              <a:t>6/21/2021</a:t>
             </a:fld>
             <a:endParaRPr lang="en-US" dirty="0"/>
           </a:p>
@@ -497,7 +497,7 @@
           <a:p>
             <a:fld id="{EC13577B-6902-467D-A26C-08A0DD5E4E03}" type="datetimeFigureOut">
               <a:rPr lang="en-US" smtClean="0"/>
-              <a:t>6/17/2021</a:t>
+              <a:t>6/21/2021</a:t>
             </a:fld>
             <a:endParaRPr lang="en-US" dirty="0"/>
           </a:p>
@@ -1203,7 +1203,7 @@
             <a:fld id="{8BEEBAAA-29B5-4AF5-BC5F-7E580C29002D}" type="datetimeFigureOut">
               <a:rPr lang="en-US" smtClean="0"/>
               <a:pPr/>
-              <a:t>6/17/2021</a:t>
+              <a:t>6/21/2021</a:t>
             </a:fld>
             <a:endParaRPr lang="en-US" dirty="0"/>
           </a:p>
@@ -1778,7 +1778,7 @@
           <a:p>
             <a:fld id="{4D723AB6-704A-42C8-AB51-31B091223600}" type="datetimeFigureOut">
               <a:rPr lang="en-GB" smtClean="0"/>
-              <a:t>17/06/2021</a:t>
+              <a:t>21/06/2021</a:t>
             </a:fld>
             <a:endParaRPr lang="en-GB"/>
           </a:p>
@@ -1978,7 +1978,7 @@
           <a:p>
             <a:fld id="{4D723AB6-704A-42C8-AB51-31B091223600}" type="datetimeFigureOut">
               <a:rPr lang="en-GB" smtClean="0"/>
-              <a:t>17/06/2021</a:t>
+              <a:t>21/06/2021</a:t>
             </a:fld>
             <a:endParaRPr lang="en-GB"/>
           </a:p>
@@ -2251,7 +2251,7 @@
             <a:fld id="{8BEEBAAA-29B5-4AF5-BC5F-7E580C29002D}" type="datetimeFigureOut">
               <a:rPr lang="en-US" smtClean="0"/>
               <a:pPr/>
-              <a:t>6/17/2021</a:t>
+              <a:t>6/21/2021</a:t>
             </a:fld>
             <a:endParaRPr lang="en-US" dirty="0"/>
           </a:p>
@@ -3806,12 +3806,16 @@
           <a:lstStyle/>
           <a:p>
             <a:r>
-              <a:rPr lang="en-US" sz="4400" dirty="0">
+              <a:rPr lang="en-US" sz="4400">
                 <a:latin typeface="Segoe UI Light" panose="020B0502040204020203" pitchFamily="34" charset="0"/>
                 <a:cs typeface="Segoe UI Light" panose="020B0502040204020203" pitchFamily="34" charset="0"/>
               </a:rPr>
-              <a:t>Web Components and SEO</a:t>
+              <a:t>SEO</a:t>
             </a:r>
+            <a:endParaRPr lang="en-US" sz="4400" dirty="0">
+              <a:latin typeface="Segoe UI Light" panose="020B0502040204020203" pitchFamily="34" charset="0"/>
+              <a:cs typeface="Segoe UI Light" panose="020B0502040204020203" pitchFamily="34" charset="0"/>
+            </a:endParaRPr>
           </a:p>
         </p:txBody>
       </p:sp>
@@ -4344,7 +4348,6 @@
           <a:bodyPr rtlCol="0" anchor="ctr"/>
           <a:lstStyle/>
           <a:p>
-            <a:pPr algn="ctr"/>
             <a:r>
               <a:rPr lang="en-GB" sz="1600" b="1" dirty="0"/>
               <a:t>Regular HTML get processed first and sent to Index</a:t>
@@ -4440,7 +4443,6 @@
           <a:bodyPr rtlCol="0" anchor="ctr"/>
           <a:lstStyle/>
           <a:p>
-            <a:pPr algn="ctr"/>
             <a:r>
               <a:rPr lang="en-GB" sz="1600" b="1" dirty="0"/>
               <a:t>JS generated content gets placed in render queue to be processed later.</a:t>
@@ -4494,6 +4496,71 @@
           </a:fontRef>
         </p:style>
       </p:cxnSp>
+      <p:pic>
+        <p:nvPicPr>
+          <p:cNvPr id="8" name="Picture 7" descr="Graphical user interface, text, application&#10;&#10;Description automatically generated">
+            <a:extLst>
+              <a:ext uri="{FF2B5EF4-FFF2-40B4-BE49-F238E27FC236}">
+                <a16:creationId xmlns:a16="http://schemas.microsoft.com/office/drawing/2014/main" id="{F21D5599-C30B-4335-8C59-4E4874903116}"/>
+              </a:ext>
+            </a:extLst>
+          </p:cNvPr>
+          <p:cNvPicPr>
+            <a:picLocks noChangeAspect="1"/>
+          </p:cNvPicPr>
+          <p:nvPr/>
+        </p:nvPicPr>
+        <p:blipFill>
+          <a:blip r:embed="rId4"/>
+          <a:stretch>
+            <a:fillRect/>
+          </a:stretch>
+        </p:blipFill>
+        <p:spPr>
+          <a:xfrm>
+            <a:off x="8038011" y="334297"/>
+            <a:ext cx="3430467" cy="1295297"/>
+          </a:xfrm>
+          <a:prstGeom prst="rect">
+            <a:avLst/>
+          </a:prstGeom>
+        </p:spPr>
+      </p:pic>
+      <p:sp>
+        <p:nvSpPr>
+          <p:cNvPr id="10" name="TextBox 9">
+            <a:extLst>
+              <a:ext uri="{FF2B5EF4-FFF2-40B4-BE49-F238E27FC236}">
+                <a16:creationId xmlns:a16="http://schemas.microsoft.com/office/drawing/2014/main" id="{F45BC001-B45A-4E09-926F-283E94C9994C}"/>
+              </a:ext>
+            </a:extLst>
+          </p:cNvPr>
+          <p:cNvSpPr txBox="1"/>
+          <p:nvPr/>
+        </p:nvSpPr>
+        <p:spPr>
+          <a:xfrm>
+            <a:off x="8760822" y="806425"/>
+            <a:ext cx="2130904" cy="369332"/>
+          </a:xfrm>
+          <a:prstGeom prst="rect">
+            <a:avLst/>
+          </a:prstGeom>
+          <a:noFill/>
+        </p:spPr>
+        <p:txBody>
+          <a:bodyPr wrap="none" rtlCol="0">
+            <a:spAutoFit/>
+          </a:bodyPr>
+          <a:lstStyle/>
+          <a:p>
+            <a:r>
+              <a:rPr lang="en-GB" dirty="0"/>
+              <a:t>4.39 Billion pages…</a:t>
+            </a:r>
+          </a:p>
+        </p:txBody>
+      </p:sp>
     </p:spTree>
     <p:extLst>
       <p:ext uri="{BB962C8B-B14F-4D97-AF65-F5344CB8AC3E}">
@@ -7178,8 +7245,8 @@
         </p:nvSpPr>
         <p:spPr>
           <a:xfrm>
-            <a:off x="541609" y="1083147"/>
-            <a:ext cx="10356444" cy="5496598"/>
+            <a:off x="689654" y="680701"/>
+            <a:ext cx="6756174" cy="5496598"/>
           </a:xfrm>
           <a:prstGeom prst="rect">
             <a:avLst/>
@@ -7393,7 +7460,7 @@
               </a:spcAft>
               <a:buNone/>
             </a:pPr>
-            <a:endParaRPr lang="en-GB" sz="3800" dirty="0">
+            <a:endParaRPr lang="en-GB" sz="2800" dirty="0">
               <a:solidFill>
                 <a:schemeClr val="bg2">
                   <a:lumMod val="25000"/>
@@ -7414,7 +7481,7 @@
               <a:buNone/>
             </a:pPr>
             <a:r>
-              <a:rPr lang="en-GB" sz="3800" b="1" dirty="0">
+              <a:rPr lang="en-GB" sz="2800" b="1" dirty="0">
                 <a:solidFill>
                   <a:schemeClr val="bg2">
                     <a:lumMod val="25000"/>
@@ -7434,7 +7501,7 @@
               <a:buNone/>
             </a:pPr>
             <a:r>
-              <a:rPr lang="en-GB" sz="3800" dirty="0">
+              <a:rPr lang="en-GB" sz="2800" dirty="0">
                 <a:solidFill>
                   <a:schemeClr val="bg2">
                     <a:lumMod val="25000"/>
@@ -7454,7 +7521,7 @@
               <a:buNone/>
             </a:pPr>
             <a:r>
-              <a:rPr lang="en-GB" sz="3800" dirty="0">
+              <a:rPr lang="en-GB" sz="2800" dirty="0">
                 <a:solidFill>
                   <a:schemeClr val="bg2">
                     <a:lumMod val="25000"/>
@@ -7486,6 +7553,71 @@
               <a:latin typeface="Segoe UI Light" panose="020B0502040204020203" pitchFamily="34" charset="0"/>
               <a:cs typeface="Segoe UI Light" panose="020B0502040204020203" pitchFamily="34" charset="0"/>
             </a:endParaRPr>
+          </a:p>
+        </p:txBody>
+      </p:sp>
+      <p:pic>
+        <p:nvPicPr>
+          <p:cNvPr id="3" name="Picture 2" descr="Diagram&#10;&#10;Description automatically generated">
+            <a:extLst>
+              <a:ext uri="{FF2B5EF4-FFF2-40B4-BE49-F238E27FC236}">
+                <a16:creationId xmlns:a16="http://schemas.microsoft.com/office/drawing/2014/main" id="{93081F33-5363-442B-81E4-694EF27EFD19}"/>
+              </a:ext>
+            </a:extLst>
+          </p:cNvPr>
+          <p:cNvPicPr>
+            <a:picLocks noChangeAspect="1"/>
+          </p:cNvPicPr>
+          <p:nvPr/>
+        </p:nvPicPr>
+        <p:blipFill>
+          <a:blip r:embed="rId2"/>
+          <a:stretch>
+            <a:fillRect/>
+          </a:stretch>
+        </p:blipFill>
+        <p:spPr>
+          <a:xfrm>
+            <a:off x="7776753" y="1455491"/>
+            <a:ext cx="4032069" cy="2268039"/>
+          </a:xfrm>
+          <a:prstGeom prst="rect">
+            <a:avLst/>
+          </a:prstGeom>
+        </p:spPr>
+      </p:pic>
+      <p:sp>
+        <p:nvSpPr>
+          <p:cNvPr id="5" name="TextBox 4">
+            <a:extLst>
+              <a:ext uri="{FF2B5EF4-FFF2-40B4-BE49-F238E27FC236}">
+                <a16:creationId xmlns:a16="http://schemas.microsoft.com/office/drawing/2014/main" id="{469106E1-22B1-4DB4-A2AF-7F85F1943954}"/>
+              </a:ext>
+            </a:extLst>
+          </p:cNvPr>
+          <p:cNvSpPr txBox="1"/>
+          <p:nvPr/>
+        </p:nvSpPr>
+        <p:spPr>
+          <a:xfrm>
+            <a:off x="8281851" y="3714821"/>
+            <a:ext cx="2891246" cy="369332"/>
+          </a:xfrm>
+          <a:prstGeom prst="rect">
+            <a:avLst/>
+          </a:prstGeom>
+          <a:noFill/>
+        </p:spPr>
+        <p:txBody>
+          <a:bodyPr wrap="square" rtlCol="0">
+            <a:spAutoFit/>
+          </a:bodyPr>
+          <a:lstStyle/>
+          <a:p>
+            <a:r>
+              <a:rPr lang="en-GB" dirty="0"/>
+              <a:t>Enlarged on next slide…</a:t>
+            </a:r>
           </a:p>
         </p:txBody>
       </p:sp>
@@ -7503,6 +7635,984 @@
 </file>
 
 <file path=ppt/slides/slide17.xml><?xml version="1.0" encoding="utf-8"?>
+<p:sld xmlns:a="http://schemas.openxmlformats.org/drawingml/2006/main" xmlns:r="http://schemas.openxmlformats.org/officeDocument/2006/relationships" xmlns:p="http://schemas.openxmlformats.org/presentationml/2006/main">
+  <p:cSld>
+    <p:spTree>
+      <p:nvGrpSpPr>
+        <p:cNvPr id="1" name=""/>
+        <p:cNvGrpSpPr/>
+        <p:nvPr/>
+      </p:nvGrpSpPr>
+      <p:grpSpPr>
+        <a:xfrm>
+          <a:off x="0" y="0"/>
+          <a:ext cx="0" cy="0"/>
+          <a:chOff x="0" y="0"/>
+          <a:chExt cx="0" cy="0"/>
+        </a:xfrm>
+      </p:grpSpPr>
+      <p:sp>
+        <p:nvSpPr>
+          <p:cNvPr id="5" name="Rectangle: Rounded Corners 4">
+            <a:extLst>
+              <a:ext uri="{FF2B5EF4-FFF2-40B4-BE49-F238E27FC236}">
+                <a16:creationId xmlns:a16="http://schemas.microsoft.com/office/drawing/2014/main" id="{65B1CF75-47B8-4AC4-BD1E-926B376FD50D}"/>
+              </a:ext>
+            </a:extLst>
+          </p:cNvPr>
+          <p:cNvSpPr/>
+          <p:nvPr/>
+        </p:nvSpPr>
+        <p:spPr>
+          <a:xfrm>
+            <a:off x="1749301" y="4213433"/>
+            <a:ext cx="1819470" cy="942392"/>
+          </a:xfrm>
+          <a:prstGeom prst="roundRect">
+            <a:avLst/>
+          </a:prstGeom>
+          <a:solidFill>
+            <a:schemeClr val="bg1">
+              <a:lumMod val="85000"/>
+            </a:schemeClr>
+          </a:solidFill>
+          <a:ln w="28575">
+            <a:solidFill>
+              <a:srgbClr val="FF0000"/>
+            </a:solidFill>
+          </a:ln>
+        </p:spPr>
+        <p:style>
+          <a:lnRef idx="2">
+            <a:schemeClr val="accent1">
+              <a:shade val="50000"/>
+            </a:schemeClr>
+          </a:lnRef>
+          <a:fillRef idx="1">
+            <a:schemeClr val="accent1"/>
+          </a:fillRef>
+          <a:effectRef idx="0">
+            <a:schemeClr val="accent1"/>
+          </a:effectRef>
+          <a:fontRef idx="minor">
+            <a:schemeClr val="lt1"/>
+          </a:fontRef>
+        </p:style>
+        <p:txBody>
+          <a:bodyPr rtlCol="0" anchor="ctr"/>
+          <a:lstStyle/>
+          <a:p>
+            <a:pPr algn="ctr"/>
+            <a:endParaRPr lang="en-GB">
+              <a:latin typeface="Segoe UI" panose="020B0502040204020203" pitchFamily="34" charset="0"/>
+              <a:cs typeface="Segoe UI" panose="020B0502040204020203" pitchFamily="34" charset="0"/>
+            </a:endParaRPr>
+          </a:p>
+        </p:txBody>
+      </p:sp>
+      <p:sp>
+        <p:nvSpPr>
+          <p:cNvPr id="13" name="Rectangle: Rounded Corners 12">
+            <a:extLst>
+              <a:ext uri="{FF2B5EF4-FFF2-40B4-BE49-F238E27FC236}">
+                <a16:creationId xmlns:a16="http://schemas.microsoft.com/office/drawing/2014/main" id="{497DB97B-039D-4182-8A21-C324F5A05084}"/>
+              </a:ext>
+            </a:extLst>
+          </p:cNvPr>
+          <p:cNvSpPr/>
+          <p:nvPr/>
+        </p:nvSpPr>
+        <p:spPr>
+          <a:xfrm>
+            <a:off x="1193829" y="427544"/>
+            <a:ext cx="9846162" cy="2183363"/>
+          </a:xfrm>
+          <a:prstGeom prst="roundRect">
+            <a:avLst/>
+          </a:prstGeom>
+          <a:solidFill>
+            <a:schemeClr val="bg1">
+              <a:lumMod val="85000"/>
+            </a:schemeClr>
+          </a:solidFill>
+          <a:ln w="50800">
+            <a:solidFill>
+              <a:schemeClr val="accent6">
+                <a:lumMod val="75000"/>
+              </a:schemeClr>
+            </a:solidFill>
+          </a:ln>
+        </p:spPr>
+        <p:style>
+          <a:lnRef idx="2">
+            <a:schemeClr val="accent1">
+              <a:shade val="50000"/>
+            </a:schemeClr>
+          </a:lnRef>
+          <a:fillRef idx="1">
+            <a:schemeClr val="accent1"/>
+          </a:fillRef>
+          <a:effectRef idx="0">
+            <a:schemeClr val="accent1"/>
+          </a:effectRef>
+          <a:fontRef idx="minor">
+            <a:schemeClr val="lt1"/>
+          </a:fontRef>
+        </p:style>
+        <p:txBody>
+          <a:bodyPr rtlCol="0" anchor="ctr"/>
+          <a:lstStyle/>
+          <a:p>
+            <a:pPr algn="ctr"/>
+            <a:endParaRPr lang="en-GB">
+              <a:latin typeface="Segoe UI" panose="020B0502040204020203" pitchFamily="34" charset="0"/>
+              <a:cs typeface="Segoe UI" panose="020B0502040204020203" pitchFamily="34" charset="0"/>
+            </a:endParaRPr>
+          </a:p>
+        </p:txBody>
+      </p:sp>
+      <p:sp>
+        <p:nvSpPr>
+          <p:cNvPr id="14" name="Rectangle: Rounded Corners 13">
+            <a:extLst>
+              <a:ext uri="{FF2B5EF4-FFF2-40B4-BE49-F238E27FC236}">
+                <a16:creationId xmlns:a16="http://schemas.microsoft.com/office/drawing/2014/main" id="{670B406B-FAA1-4A47-9E0F-388A4554F760}"/>
+              </a:ext>
+            </a:extLst>
+          </p:cNvPr>
+          <p:cNvSpPr/>
+          <p:nvPr/>
+        </p:nvSpPr>
+        <p:spPr>
+          <a:xfrm>
+            <a:off x="4035811" y="4214291"/>
+            <a:ext cx="1819470" cy="942392"/>
+          </a:xfrm>
+          <a:prstGeom prst="roundRect">
+            <a:avLst/>
+          </a:prstGeom>
+          <a:solidFill>
+            <a:schemeClr val="bg1">
+              <a:lumMod val="85000"/>
+            </a:schemeClr>
+          </a:solidFill>
+          <a:ln w="28575">
+            <a:solidFill>
+              <a:srgbClr val="FF0000"/>
+            </a:solidFill>
+          </a:ln>
+        </p:spPr>
+        <p:style>
+          <a:lnRef idx="2">
+            <a:schemeClr val="accent1">
+              <a:shade val="50000"/>
+            </a:schemeClr>
+          </a:lnRef>
+          <a:fillRef idx="1">
+            <a:schemeClr val="accent1"/>
+          </a:fillRef>
+          <a:effectRef idx="0">
+            <a:schemeClr val="accent1"/>
+          </a:effectRef>
+          <a:fontRef idx="minor">
+            <a:schemeClr val="lt1"/>
+          </a:fontRef>
+        </p:style>
+        <p:txBody>
+          <a:bodyPr rtlCol="0" anchor="ctr"/>
+          <a:lstStyle/>
+          <a:p>
+            <a:pPr algn="ctr"/>
+            <a:endParaRPr lang="en-GB">
+              <a:latin typeface="Segoe UI" panose="020B0502040204020203" pitchFamily="34" charset="0"/>
+              <a:cs typeface="Segoe UI" panose="020B0502040204020203" pitchFamily="34" charset="0"/>
+            </a:endParaRPr>
+          </a:p>
+        </p:txBody>
+      </p:sp>
+      <p:sp>
+        <p:nvSpPr>
+          <p:cNvPr id="15" name="Rectangle: Rounded Corners 14">
+            <a:extLst>
+              <a:ext uri="{FF2B5EF4-FFF2-40B4-BE49-F238E27FC236}">
+                <a16:creationId xmlns:a16="http://schemas.microsoft.com/office/drawing/2014/main" id="{56FA4A14-0892-4CE1-BE7A-A2056ECF1DAC}"/>
+              </a:ext>
+            </a:extLst>
+          </p:cNvPr>
+          <p:cNvSpPr/>
+          <p:nvPr/>
+        </p:nvSpPr>
+        <p:spPr>
+          <a:xfrm>
+            <a:off x="6253725" y="4213433"/>
+            <a:ext cx="1819470" cy="942392"/>
+          </a:xfrm>
+          <a:prstGeom prst="roundRect">
+            <a:avLst/>
+          </a:prstGeom>
+          <a:solidFill>
+            <a:schemeClr val="bg1">
+              <a:lumMod val="85000"/>
+            </a:schemeClr>
+          </a:solidFill>
+          <a:ln w="28575">
+            <a:solidFill>
+              <a:srgbClr val="FF0000"/>
+            </a:solidFill>
+          </a:ln>
+        </p:spPr>
+        <p:style>
+          <a:lnRef idx="2">
+            <a:schemeClr val="accent1">
+              <a:shade val="50000"/>
+            </a:schemeClr>
+          </a:lnRef>
+          <a:fillRef idx="1">
+            <a:schemeClr val="accent1"/>
+          </a:fillRef>
+          <a:effectRef idx="0">
+            <a:schemeClr val="accent1"/>
+          </a:effectRef>
+          <a:fontRef idx="minor">
+            <a:schemeClr val="lt1"/>
+          </a:fontRef>
+        </p:style>
+        <p:txBody>
+          <a:bodyPr rtlCol="0" anchor="ctr"/>
+          <a:lstStyle/>
+          <a:p>
+            <a:pPr algn="ctr"/>
+            <a:endParaRPr lang="en-GB" dirty="0">
+              <a:latin typeface="Segoe UI" panose="020B0502040204020203" pitchFamily="34" charset="0"/>
+              <a:cs typeface="Segoe UI" panose="020B0502040204020203" pitchFamily="34" charset="0"/>
+            </a:endParaRPr>
+          </a:p>
+        </p:txBody>
+      </p:sp>
+      <p:sp>
+        <p:nvSpPr>
+          <p:cNvPr id="17" name="TextBox 16">
+            <a:extLst>
+              <a:ext uri="{FF2B5EF4-FFF2-40B4-BE49-F238E27FC236}">
+                <a16:creationId xmlns:a16="http://schemas.microsoft.com/office/drawing/2014/main" id="{6E8BFC32-3AFA-4B4C-9172-2CBE21A80A58}"/>
+              </a:ext>
+            </a:extLst>
+          </p:cNvPr>
+          <p:cNvSpPr txBox="1"/>
+          <p:nvPr/>
+        </p:nvSpPr>
+        <p:spPr>
+          <a:xfrm>
+            <a:off x="1550793" y="646518"/>
+            <a:ext cx="9697670" cy="1938992"/>
+          </a:xfrm>
+          <a:prstGeom prst="rect">
+            <a:avLst/>
+          </a:prstGeom>
+          <a:noFill/>
+        </p:spPr>
+        <p:txBody>
+          <a:bodyPr wrap="square" rtlCol="0">
+            <a:spAutoFit/>
+          </a:bodyPr>
+          <a:lstStyle/>
+          <a:p>
+            <a:r>
+              <a:rPr lang="en-GB" sz="4000" dirty="0">
+                <a:latin typeface="Segoe UI" panose="020B0502040204020203" pitchFamily="34" charset="0"/>
+                <a:cs typeface="Segoe UI" panose="020B0502040204020203" pitchFamily="34" charset="0"/>
+              </a:rPr>
+              <a:t>A website that enables a user to find all tech conferences, book, get flight, hotel, travel guides etc… </a:t>
+            </a:r>
+          </a:p>
+        </p:txBody>
+      </p:sp>
+      <p:sp>
+        <p:nvSpPr>
+          <p:cNvPr id="19" name="TextBox 18">
+            <a:extLst>
+              <a:ext uri="{FF2B5EF4-FFF2-40B4-BE49-F238E27FC236}">
+                <a16:creationId xmlns:a16="http://schemas.microsoft.com/office/drawing/2014/main" id="{C81F58F9-1FC7-477B-877C-80F0959EBC0E}"/>
+              </a:ext>
+            </a:extLst>
+          </p:cNvPr>
+          <p:cNvSpPr txBox="1"/>
+          <p:nvPr/>
+        </p:nvSpPr>
+        <p:spPr>
+          <a:xfrm>
+            <a:off x="4035811" y="4500821"/>
+            <a:ext cx="1819471" cy="369332"/>
+          </a:xfrm>
+          <a:prstGeom prst="rect">
+            <a:avLst/>
+          </a:prstGeom>
+          <a:noFill/>
+        </p:spPr>
+        <p:txBody>
+          <a:bodyPr wrap="square" rtlCol="0">
+            <a:spAutoFit/>
+          </a:bodyPr>
+          <a:lstStyle/>
+          <a:p>
+            <a:r>
+              <a:rPr lang="en-GB" dirty="0">
+                <a:latin typeface="Segoe UI" panose="020B0502040204020203" pitchFamily="34" charset="0"/>
+                <a:cs typeface="Segoe UI" panose="020B0502040204020203" pitchFamily="34" charset="0"/>
+              </a:rPr>
+              <a:t>Booking Service</a:t>
+            </a:r>
+          </a:p>
+        </p:txBody>
+      </p:sp>
+      <p:sp>
+        <p:nvSpPr>
+          <p:cNvPr id="20" name="TextBox 19">
+            <a:extLst>
+              <a:ext uri="{FF2B5EF4-FFF2-40B4-BE49-F238E27FC236}">
+                <a16:creationId xmlns:a16="http://schemas.microsoft.com/office/drawing/2014/main" id="{FB923CCF-0EA9-4C2D-AC00-B89B13CB18B9}"/>
+              </a:ext>
+            </a:extLst>
+          </p:cNvPr>
+          <p:cNvSpPr txBox="1"/>
+          <p:nvPr/>
+        </p:nvSpPr>
+        <p:spPr>
+          <a:xfrm>
+            <a:off x="6735242" y="4499963"/>
+            <a:ext cx="885389" cy="369332"/>
+          </a:xfrm>
+          <a:prstGeom prst="rect">
+            <a:avLst/>
+          </a:prstGeom>
+          <a:noFill/>
+        </p:spPr>
+        <p:txBody>
+          <a:bodyPr wrap="square" rtlCol="0">
+            <a:spAutoFit/>
+          </a:bodyPr>
+          <a:lstStyle/>
+          <a:p>
+            <a:r>
+              <a:rPr lang="en-GB" dirty="0">
+                <a:latin typeface="Segoe UI" panose="020B0502040204020203" pitchFamily="34" charset="0"/>
+                <a:cs typeface="Segoe UI" panose="020B0502040204020203" pitchFamily="34" charset="0"/>
+              </a:rPr>
+              <a:t>Flights</a:t>
+            </a:r>
+          </a:p>
+        </p:txBody>
+      </p:sp>
+      <p:sp>
+        <p:nvSpPr>
+          <p:cNvPr id="21" name="TextBox 20">
+            <a:extLst>
+              <a:ext uri="{FF2B5EF4-FFF2-40B4-BE49-F238E27FC236}">
+                <a16:creationId xmlns:a16="http://schemas.microsoft.com/office/drawing/2014/main" id="{000E004F-3DEE-453A-880F-3667A9536687}"/>
+              </a:ext>
+            </a:extLst>
+          </p:cNvPr>
+          <p:cNvSpPr txBox="1"/>
+          <p:nvPr/>
+        </p:nvSpPr>
+        <p:spPr>
+          <a:xfrm>
+            <a:off x="1914919" y="4499963"/>
+            <a:ext cx="1488233" cy="369332"/>
+          </a:xfrm>
+          <a:prstGeom prst="rect">
+            <a:avLst/>
+          </a:prstGeom>
+          <a:noFill/>
+        </p:spPr>
+        <p:txBody>
+          <a:bodyPr wrap="square" rtlCol="0">
+            <a:spAutoFit/>
+          </a:bodyPr>
+          <a:lstStyle/>
+          <a:p>
+            <a:r>
+              <a:rPr lang="en-GB" dirty="0">
+                <a:latin typeface="Segoe UI" panose="020B0502040204020203" pitchFamily="34" charset="0"/>
+                <a:cs typeface="Segoe UI" panose="020B0502040204020203" pitchFamily="34" charset="0"/>
+              </a:rPr>
+              <a:t>Conferences</a:t>
+            </a:r>
+          </a:p>
+        </p:txBody>
+      </p:sp>
+      <p:sp>
+        <p:nvSpPr>
+          <p:cNvPr id="24" name="Rectangle: Rounded Corners 23">
+            <a:extLst>
+              <a:ext uri="{FF2B5EF4-FFF2-40B4-BE49-F238E27FC236}">
+                <a16:creationId xmlns:a16="http://schemas.microsoft.com/office/drawing/2014/main" id="{5BB53001-8036-493B-AF01-248C5B49146B}"/>
+              </a:ext>
+            </a:extLst>
+          </p:cNvPr>
+          <p:cNvSpPr/>
+          <p:nvPr/>
+        </p:nvSpPr>
+        <p:spPr>
+          <a:xfrm>
+            <a:off x="8525758" y="4213433"/>
+            <a:ext cx="1819470" cy="942392"/>
+          </a:xfrm>
+          <a:prstGeom prst="roundRect">
+            <a:avLst/>
+          </a:prstGeom>
+          <a:solidFill>
+            <a:schemeClr val="bg1">
+              <a:lumMod val="85000"/>
+            </a:schemeClr>
+          </a:solidFill>
+          <a:ln w="28575">
+            <a:solidFill>
+              <a:srgbClr val="FF0000"/>
+            </a:solidFill>
+          </a:ln>
+        </p:spPr>
+        <p:style>
+          <a:lnRef idx="2">
+            <a:schemeClr val="accent1">
+              <a:shade val="50000"/>
+            </a:schemeClr>
+          </a:lnRef>
+          <a:fillRef idx="1">
+            <a:schemeClr val="accent1"/>
+          </a:fillRef>
+          <a:effectRef idx="0">
+            <a:schemeClr val="accent1"/>
+          </a:effectRef>
+          <a:fontRef idx="minor">
+            <a:schemeClr val="lt1"/>
+          </a:fontRef>
+        </p:style>
+        <p:txBody>
+          <a:bodyPr rtlCol="0" anchor="ctr"/>
+          <a:lstStyle/>
+          <a:p>
+            <a:pPr algn="ctr"/>
+            <a:endParaRPr lang="en-GB">
+              <a:latin typeface="Segoe UI" panose="020B0502040204020203" pitchFamily="34" charset="0"/>
+              <a:cs typeface="Segoe UI" panose="020B0502040204020203" pitchFamily="34" charset="0"/>
+            </a:endParaRPr>
+          </a:p>
+        </p:txBody>
+      </p:sp>
+      <p:sp>
+        <p:nvSpPr>
+          <p:cNvPr id="27" name="TextBox 26">
+            <a:extLst>
+              <a:ext uri="{FF2B5EF4-FFF2-40B4-BE49-F238E27FC236}">
+                <a16:creationId xmlns:a16="http://schemas.microsoft.com/office/drawing/2014/main" id="{44B6EC85-B742-412F-8B8A-550A49D251EE}"/>
+              </a:ext>
+            </a:extLst>
+          </p:cNvPr>
+          <p:cNvSpPr txBox="1"/>
+          <p:nvPr/>
+        </p:nvSpPr>
+        <p:spPr>
+          <a:xfrm>
+            <a:off x="8691376" y="4499963"/>
+            <a:ext cx="1488233" cy="369332"/>
+          </a:xfrm>
+          <a:prstGeom prst="rect">
+            <a:avLst/>
+          </a:prstGeom>
+          <a:noFill/>
+        </p:spPr>
+        <p:txBody>
+          <a:bodyPr wrap="square" rtlCol="0">
+            <a:spAutoFit/>
+          </a:bodyPr>
+          <a:lstStyle/>
+          <a:p>
+            <a:r>
+              <a:rPr lang="en-GB" dirty="0">
+                <a:latin typeface="Segoe UI" panose="020B0502040204020203" pitchFamily="34" charset="0"/>
+                <a:cs typeface="Segoe UI" panose="020B0502040204020203" pitchFamily="34" charset="0"/>
+              </a:rPr>
+              <a:t>Places to see</a:t>
+            </a:r>
+          </a:p>
+        </p:txBody>
+      </p:sp>
+      <p:sp>
+        <p:nvSpPr>
+          <p:cNvPr id="3" name="Arrow: Up 2">
+            <a:extLst>
+              <a:ext uri="{FF2B5EF4-FFF2-40B4-BE49-F238E27FC236}">
+                <a16:creationId xmlns:a16="http://schemas.microsoft.com/office/drawing/2014/main" id="{60D1D8CA-F6A6-47C9-B78C-772D2703300D}"/>
+              </a:ext>
+            </a:extLst>
+          </p:cNvPr>
+          <p:cNvSpPr/>
+          <p:nvPr/>
+        </p:nvSpPr>
+        <p:spPr>
+          <a:xfrm>
+            <a:off x="2582635" y="2770271"/>
+            <a:ext cx="176169" cy="1330608"/>
+          </a:xfrm>
+          <a:prstGeom prst="upArrow">
+            <a:avLst/>
+          </a:prstGeom>
+        </p:spPr>
+        <p:style>
+          <a:lnRef idx="2">
+            <a:schemeClr val="accent1">
+              <a:shade val="50000"/>
+            </a:schemeClr>
+          </a:lnRef>
+          <a:fillRef idx="1">
+            <a:schemeClr val="accent1"/>
+          </a:fillRef>
+          <a:effectRef idx="0">
+            <a:schemeClr val="accent1"/>
+          </a:effectRef>
+          <a:fontRef idx="minor">
+            <a:schemeClr val="lt1"/>
+          </a:fontRef>
+        </p:style>
+        <p:txBody>
+          <a:bodyPr rtlCol="0" anchor="ctr"/>
+          <a:lstStyle/>
+          <a:p>
+            <a:pPr algn="ctr"/>
+            <a:endParaRPr lang="en-GB"/>
+          </a:p>
+        </p:txBody>
+      </p:sp>
+      <p:sp>
+        <p:nvSpPr>
+          <p:cNvPr id="28" name="Arrow: Up 27">
+            <a:extLst>
+              <a:ext uri="{FF2B5EF4-FFF2-40B4-BE49-F238E27FC236}">
+                <a16:creationId xmlns:a16="http://schemas.microsoft.com/office/drawing/2014/main" id="{8407EBB5-7D10-4518-ADA8-6E5BF1A2C86C}"/>
+              </a:ext>
+            </a:extLst>
+          </p:cNvPr>
+          <p:cNvSpPr/>
+          <p:nvPr/>
+        </p:nvSpPr>
+        <p:spPr>
+          <a:xfrm>
+            <a:off x="4832295" y="2770271"/>
+            <a:ext cx="176169" cy="1330608"/>
+          </a:xfrm>
+          <a:prstGeom prst="upArrow">
+            <a:avLst/>
+          </a:prstGeom>
+        </p:spPr>
+        <p:style>
+          <a:lnRef idx="2">
+            <a:schemeClr val="accent1">
+              <a:shade val="50000"/>
+            </a:schemeClr>
+          </a:lnRef>
+          <a:fillRef idx="1">
+            <a:schemeClr val="accent1"/>
+          </a:fillRef>
+          <a:effectRef idx="0">
+            <a:schemeClr val="accent1"/>
+          </a:effectRef>
+          <a:fontRef idx="minor">
+            <a:schemeClr val="lt1"/>
+          </a:fontRef>
+        </p:style>
+        <p:txBody>
+          <a:bodyPr rtlCol="0" anchor="ctr"/>
+          <a:lstStyle/>
+          <a:p>
+            <a:pPr algn="ctr"/>
+            <a:endParaRPr lang="en-GB"/>
+          </a:p>
+        </p:txBody>
+      </p:sp>
+      <p:sp>
+        <p:nvSpPr>
+          <p:cNvPr id="29" name="Arrow: Up 28">
+            <a:extLst>
+              <a:ext uri="{FF2B5EF4-FFF2-40B4-BE49-F238E27FC236}">
+                <a16:creationId xmlns:a16="http://schemas.microsoft.com/office/drawing/2014/main" id="{4B35F105-F972-4E4A-B819-07FC2226D1ED}"/>
+              </a:ext>
+            </a:extLst>
+          </p:cNvPr>
+          <p:cNvSpPr/>
+          <p:nvPr/>
+        </p:nvSpPr>
+        <p:spPr>
+          <a:xfrm>
+            <a:off x="7009663" y="2759986"/>
+            <a:ext cx="176169" cy="1330608"/>
+          </a:xfrm>
+          <a:prstGeom prst="upArrow">
+            <a:avLst/>
+          </a:prstGeom>
+        </p:spPr>
+        <p:style>
+          <a:lnRef idx="2">
+            <a:schemeClr val="accent1">
+              <a:shade val="50000"/>
+            </a:schemeClr>
+          </a:lnRef>
+          <a:fillRef idx="1">
+            <a:schemeClr val="accent1"/>
+          </a:fillRef>
+          <a:effectRef idx="0">
+            <a:schemeClr val="accent1"/>
+          </a:effectRef>
+          <a:fontRef idx="minor">
+            <a:schemeClr val="lt1"/>
+          </a:fontRef>
+        </p:style>
+        <p:txBody>
+          <a:bodyPr rtlCol="0" anchor="ctr"/>
+          <a:lstStyle/>
+          <a:p>
+            <a:pPr algn="ctr"/>
+            <a:endParaRPr lang="en-GB"/>
+          </a:p>
+        </p:txBody>
+      </p:sp>
+      <p:sp>
+        <p:nvSpPr>
+          <p:cNvPr id="30" name="Arrow: Up 29">
+            <a:extLst>
+              <a:ext uri="{FF2B5EF4-FFF2-40B4-BE49-F238E27FC236}">
+                <a16:creationId xmlns:a16="http://schemas.microsoft.com/office/drawing/2014/main" id="{03E215AC-9480-4BE2-9F0D-89FFA3822865}"/>
+              </a:ext>
+            </a:extLst>
+          </p:cNvPr>
+          <p:cNvSpPr/>
+          <p:nvPr/>
+        </p:nvSpPr>
+        <p:spPr>
+          <a:xfrm>
+            <a:off x="9347407" y="2776086"/>
+            <a:ext cx="176169" cy="1330608"/>
+          </a:xfrm>
+          <a:prstGeom prst="upArrow">
+            <a:avLst/>
+          </a:prstGeom>
+        </p:spPr>
+        <p:style>
+          <a:lnRef idx="2">
+            <a:schemeClr val="accent1">
+              <a:shade val="50000"/>
+            </a:schemeClr>
+          </a:lnRef>
+          <a:fillRef idx="1">
+            <a:schemeClr val="accent1"/>
+          </a:fillRef>
+          <a:effectRef idx="0">
+            <a:schemeClr val="accent1"/>
+          </a:effectRef>
+          <a:fontRef idx="minor">
+            <a:schemeClr val="lt1"/>
+          </a:fontRef>
+        </p:style>
+        <p:txBody>
+          <a:bodyPr rtlCol="0" anchor="ctr"/>
+          <a:lstStyle/>
+          <a:p>
+            <a:pPr algn="ctr"/>
+            <a:endParaRPr lang="en-GB"/>
+          </a:p>
+        </p:txBody>
+      </p:sp>
+      <p:sp>
+        <p:nvSpPr>
+          <p:cNvPr id="6" name="TextBox 5">
+            <a:extLst>
+              <a:ext uri="{FF2B5EF4-FFF2-40B4-BE49-F238E27FC236}">
+                <a16:creationId xmlns:a16="http://schemas.microsoft.com/office/drawing/2014/main" id="{BBAA3DB1-1932-44CD-B1A5-E71B017694A1}"/>
+              </a:ext>
+            </a:extLst>
+          </p:cNvPr>
+          <p:cNvSpPr txBox="1"/>
+          <p:nvPr/>
+        </p:nvSpPr>
+        <p:spPr>
+          <a:xfrm>
+            <a:off x="478971" y="5857539"/>
+            <a:ext cx="11225349" cy="707886"/>
+          </a:xfrm>
+          <a:prstGeom prst="rect">
+            <a:avLst/>
+          </a:prstGeom>
+          <a:noFill/>
+        </p:spPr>
+        <p:txBody>
+          <a:bodyPr wrap="square" rtlCol="0">
+            <a:spAutoFit/>
+          </a:bodyPr>
+          <a:lstStyle/>
+          <a:p>
+            <a:r>
+              <a:rPr lang="en-GB" sz="4000" b="1" dirty="0">
+                <a:solidFill>
+                  <a:srgbClr val="FF0000"/>
+                </a:solidFill>
+              </a:rPr>
+              <a:t>Micro Apps based on a variety of frameworks</a:t>
+            </a:r>
+            <a:endParaRPr lang="en-GB" sz="2800" b="1" dirty="0">
+              <a:solidFill>
+                <a:srgbClr val="FF0000"/>
+              </a:solidFill>
+            </a:endParaRPr>
+          </a:p>
+        </p:txBody>
+      </p:sp>
+      <p:sp>
+        <p:nvSpPr>
+          <p:cNvPr id="18" name="Rectangle: Rounded Corners 17">
+            <a:extLst>
+              <a:ext uri="{FF2B5EF4-FFF2-40B4-BE49-F238E27FC236}">
+                <a16:creationId xmlns:a16="http://schemas.microsoft.com/office/drawing/2014/main" id="{61FB2ED9-7808-4162-98DF-AE6C0250F20F}"/>
+              </a:ext>
+            </a:extLst>
+          </p:cNvPr>
+          <p:cNvSpPr/>
+          <p:nvPr/>
+        </p:nvSpPr>
+        <p:spPr>
+          <a:xfrm>
+            <a:off x="235670" y="197963"/>
+            <a:ext cx="650736" cy="511164"/>
+          </a:xfrm>
+          <a:prstGeom prst="roundRect">
+            <a:avLst/>
+          </a:prstGeom>
+        </p:spPr>
+        <p:style>
+          <a:lnRef idx="2">
+            <a:schemeClr val="accent1">
+              <a:shade val="50000"/>
+            </a:schemeClr>
+          </a:lnRef>
+          <a:fillRef idx="1">
+            <a:schemeClr val="accent1"/>
+          </a:fillRef>
+          <a:effectRef idx="0">
+            <a:schemeClr val="accent1"/>
+          </a:effectRef>
+          <a:fontRef idx="minor">
+            <a:schemeClr val="lt1"/>
+          </a:fontRef>
+        </p:style>
+        <p:txBody>
+          <a:bodyPr rtlCol="0" anchor="ctr"/>
+          <a:lstStyle/>
+          <a:p>
+            <a:pPr algn="ctr"/>
+            <a:r>
+              <a:rPr lang="en-GB" sz="3200" b="1" dirty="0"/>
+              <a:t>2</a:t>
+            </a:r>
+          </a:p>
+        </p:txBody>
+      </p:sp>
+      <p:sp>
+        <p:nvSpPr>
+          <p:cNvPr id="2" name="Flowchart: Magnetic Disk 1">
+            <a:extLst>
+              <a:ext uri="{FF2B5EF4-FFF2-40B4-BE49-F238E27FC236}">
+                <a16:creationId xmlns:a16="http://schemas.microsoft.com/office/drawing/2014/main" id="{848FB90D-0E77-4FC4-B707-5D6379C216EC}"/>
+              </a:ext>
+            </a:extLst>
+          </p:cNvPr>
+          <p:cNvSpPr/>
+          <p:nvPr/>
+        </p:nvSpPr>
+        <p:spPr>
+          <a:xfrm>
+            <a:off x="2191423" y="5268379"/>
+            <a:ext cx="782424" cy="593326"/>
+          </a:xfrm>
+          <a:prstGeom prst="flowChartMagneticDisk">
+            <a:avLst/>
+          </a:prstGeom>
+        </p:spPr>
+        <p:style>
+          <a:lnRef idx="2">
+            <a:schemeClr val="accent1">
+              <a:shade val="50000"/>
+            </a:schemeClr>
+          </a:lnRef>
+          <a:fillRef idx="1">
+            <a:schemeClr val="accent1"/>
+          </a:fillRef>
+          <a:effectRef idx="0">
+            <a:schemeClr val="accent1"/>
+          </a:effectRef>
+          <a:fontRef idx="minor">
+            <a:schemeClr val="lt1"/>
+          </a:fontRef>
+        </p:style>
+        <p:txBody>
+          <a:bodyPr rtlCol="0" anchor="ctr"/>
+          <a:lstStyle/>
+          <a:p>
+            <a:pPr algn="ctr"/>
+            <a:endParaRPr lang="en-GB"/>
+          </a:p>
+        </p:txBody>
+      </p:sp>
+      <p:sp>
+        <p:nvSpPr>
+          <p:cNvPr id="22" name="Flowchart: Magnetic Disk 21">
+            <a:extLst>
+              <a:ext uri="{FF2B5EF4-FFF2-40B4-BE49-F238E27FC236}">
+                <a16:creationId xmlns:a16="http://schemas.microsoft.com/office/drawing/2014/main" id="{097A4D64-D471-4696-A7E3-F5A69DE44E52}"/>
+              </a:ext>
+            </a:extLst>
+          </p:cNvPr>
+          <p:cNvSpPr/>
+          <p:nvPr/>
+        </p:nvSpPr>
+        <p:spPr>
+          <a:xfrm>
+            <a:off x="4502668" y="5283755"/>
+            <a:ext cx="782424" cy="593326"/>
+          </a:xfrm>
+          <a:prstGeom prst="flowChartMagneticDisk">
+            <a:avLst/>
+          </a:prstGeom>
+        </p:spPr>
+        <p:style>
+          <a:lnRef idx="2">
+            <a:schemeClr val="accent1">
+              <a:shade val="50000"/>
+            </a:schemeClr>
+          </a:lnRef>
+          <a:fillRef idx="1">
+            <a:schemeClr val="accent1"/>
+          </a:fillRef>
+          <a:effectRef idx="0">
+            <a:schemeClr val="accent1"/>
+          </a:effectRef>
+          <a:fontRef idx="minor">
+            <a:schemeClr val="lt1"/>
+          </a:fontRef>
+        </p:style>
+        <p:txBody>
+          <a:bodyPr rtlCol="0" anchor="ctr"/>
+          <a:lstStyle/>
+          <a:p>
+            <a:pPr algn="ctr"/>
+            <a:endParaRPr lang="en-GB"/>
+          </a:p>
+        </p:txBody>
+      </p:sp>
+      <p:sp>
+        <p:nvSpPr>
+          <p:cNvPr id="23" name="Flowchart: Magnetic Disk 22">
+            <a:extLst>
+              <a:ext uri="{FF2B5EF4-FFF2-40B4-BE49-F238E27FC236}">
+                <a16:creationId xmlns:a16="http://schemas.microsoft.com/office/drawing/2014/main" id="{E81FADE5-39DD-4011-88BD-2B5F91BAF9CD}"/>
+              </a:ext>
+            </a:extLst>
+          </p:cNvPr>
+          <p:cNvSpPr/>
+          <p:nvPr/>
+        </p:nvSpPr>
+        <p:spPr>
+          <a:xfrm>
+            <a:off x="6706535" y="5258699"/>
+            <a:ext cx="782424" cy="593326"/>
+          </a:xfrm>
+          <a:prstGeom prst="flowChartMagneticDisk">
+            <a:avLst/>
+          </a:prstGeom>
+        </p:spPr>
+        <p:style>
+          <a:lnRef idx="2">
+            <a:schemeClr val="accent1">
+              <a:shade val="50000"/>
+            </a:schemeClr>
+          </a:lnRef>
+          <a:fillRef idx="1">
+            <a:schemeClr val="accent1"/>
+          </a:fillRef>
+          <a:effectRef idx="0">
+            <a:schemeClr val="accent1"/>
+          </a:effectRef>
+          <a:fontRef idx="minor">
+            <a:schemeClr val="lt1"/>
+          </a:fontRef>
+        </p:style>
+        <p:txBody>
+          <a:bodyPr rtlCol="0" anchor="ctr"/>
+          <a:lstStyle/>
+          <a:p>
+            <a:pPr algn="ctr"/>
+            <a:endParaRPr lang="en-GB"/>
+          </a:p>
+        </p:txBody>
+      </p:sp>
+      <p:sp>
+        <p:nvSpPr>
+          <p:cNvPr id="25" name="Flowchart: Magnetic Disk 24">
+            <a:extLst>
+              <a:ext uri="{FF2B5EF4-FFF2-40B4-BE49-F238E27FC236}">
+                <a16:creationId xmlns:a16="http://schemas.microsoft.com/office/drawing/2014/main" id="{E1322CEC-A54C-4BCD-AAE1-D194670F9681}"/>
+              </a:ext>
+            </a:extLst>
+          </p:cNvPr>
+          <p:cNvSpPr/>
+          <p:nvPr/>
+        </p:nvSpPr>
+        <p:spPr>
+          <a:xfrm>
+            <a:off x="9044279" y="5238473"/>
+            <a:ext cx="782424" cy="593326"/>
+          </a:xfrm>
+          <a:prstGeom prst="flowChartMagneticDisk">
+            <a:avLst/>
+          </a:prstGeom>
+        </p:spPr>
+        <p:style>
+          <a:lnRef idx="2">
+            <a:schemeClr val="accent1">
+              <a:shade val="50000"/>
+            </a:schemeClr>
+          </a:lnRef>
+          <a:fillRef idx="1">
+            <a:schemeClr val="accent1"/>
+          </a:fillRef>
+          <a:effectRef idx="0">
+            <a:schemeClr val="accent1"/>
+          </a:effectRef>
+          <a:fontRef idx="minor">
+            <a:schemeClr val="lt1"/>
+          </a:fontRef>
+        </p:style>
+        <p:txBody>
+          <a:bodyPr rtlCol="0" anchor="ctr"/>
+          <a:lstStyle/>
+          <a:p>
+            <a:pPr algn="ctr"/>
+            <a:endParaRPr lang="en-GB"/>
+          </a:p>
+        </p:txBody>
+      </p:sp>
+    </p:spTree>
+    <p:extLst>
+      <p:ext uri="{BB962C8B-B14F-4D97-AF65-F5344CB8AC3E}">
+        <p14:creationId xmlns:p14="http://schemas.microsoft.com/office/powerpoint/2010/main" val="661084737"/>
+      </p:ext>
+    </p:extLst>
+  </p:cSld>
+  <p:clrMapOvr>
+    <a:masterClrMapping/>
+  </p:clrMapOvr>
+</p:sld>
+</file>
+
+<file path=ppt/slides/slide18.xml><?xml version="1.0" encoding="utf-8"?>
 <p:sld xmlns:a="http://schemas.openxmlformats.org/drawingml/2006/main" xmlns:r="http://schemas.openxmlformats.org/officeDocument/2006/relationships" xmlns:p="http://schemas.openxmlformats.org/presentationml/2006/main">
   <p:cSld>
     <p:spTree>
@@ -7635,984 +8745,6 @@
     <p:extLst>
       <p:ext uri="{BB962C8B-B14F-4D97-AF65-F5344CB8AC3E}">
         <p14:creationId xmlns:p14="http://schemas.microsoft.com/office/powerpoint/2010/main" val="1395185159"/>
-      </p:ext>
-    </p:extLst>
-  </p:cSld>
-  <p:clrMapOvr>
-    <a:masterClrMapping/>
-  </p:clrMapOvr>
-</p:sld>
-</file>
-
-<file path=ppt/slides/slide18.xml><?xml version="1.0" encoding="utf-8"?>
-<p:sld xmlns:a="http://schemas.openxmlformats.org/drawingml/2006/main" xmlns:r="http://schemas.openxmlformats.org/officeDocument/2006/relationships" xmlns:p="http://schemas.openxmlformats.org/presentationml/2006/main">
-  <p:cSld>
-    <p:spTree>
-      <p:nvGrpSpPr>
-        <p:cNvPr id="1" name=""/>
-        <p:cNvGrpSpPr/>
-        <p:nvPr/>
-      </p:nvGrpSpPr>
-      <p:grpSpPr>
-        <a:xfrm>
-          <a:off x="0" y="0"/>
-          <a:ext cx="0" cy="0"/>
-          <a:chOff x="0" y="0"/>
-          <a:chExt cx="0" cy="0"/>
-        </a:xfrm>
-      </p:grpSpPr>
-      <p:sp>
-        <p:nvSpPr>
-          <p:cNvPr id="5" name="Rectangle: Rounded Corners 4">
-            <a:extLst>
-              <a:ext uri="{FF2B5EF4-FFF2-40B4-BE49-F238E27FC236}">
-                <a16:creationId xmlns:a16="http://schemas.microsoft.com/office/drawing/2014/main" id="{65B1CF75-47B8-4AC4-BD1E-926B376FD50D}"/>
-              </a:ext>
-            </a:extLst>
-          </p:cNvPr>
-          <p:cNvSpPr/>
-          <p:nvPr/>
-        </p:nvSpPr>
-        <p:spPr>
-          <a:xfrm>
-            <a:off x="1749301" y="4213433"/>
-            <a:ext cx="1819470" cy="942392"/>
-          </a:xfrm>
-          <a:prstGeom prst="roundRect">
-            <a:avLst/>
-          </a:prstGeom>
-          <a:solidFill>
-            <a:schemeClr val="bg1">
-              <a:lumMod val="85000"/>
-            </a:schemeClr>
-          </a:solidFill>
-          <a:ln w="28575">
-            <a:solidFill>
-              <a:srgbClr val="FF0000"/>
-            </a:solidFill>
-          </a:ln>
-        </p:spPr>
-        <p:style>
-          <a:lnRef idx="2">
-            <a:schemeClr val="accent1">
-              <a:shade val="50000"/>
-            </a:schemeClr>
-          </a:lnRef>
-          <a:fillRef idx="1">
-            <a:schemeClr val="accent1"/>
-          </a:fillRef>
-          <a:effectRef idx="0">
-            <a:schemeClr val="accent1"/>
-          </a:effectRef>
-          <a:fontRef idx="minor">
-            <a:schemeClr val="lt1"/>
-          </a:fontRef>
-        </p:style>
-        <p:txBody>
-          <a:bodyPr rtlCol="0" anchor="ctr"/>
-          <a:lstStyle/>
-          <a:p>
-            <a:pPr algn="ctr"/>
-            <a:endParaRPr lang="en-GB">
-              <a:latin typeface="Segoe UI" panose="020B0502040204020203" pitchFamily="34" charset="0"/>
-              <a:cs typeface="Segoe UI" panose="020B0502040204020203" pitchFamily="34" charset="0"/>
-            </a:endParaRPr>
-          </a:p>
-        </p:txBody>
-      </p:sp>
-      <p:sp>
-        <p:nvSpPr>
-          <p:cNvPr id="13" name="Rectangle: Rounded Corners 12">
-            <a:extLst>
-              <a:ext uri="{FF2B5EF4-FFF2-40B4-BE49-F238E27FC236}">
-                <a16:creationId xmlns:a16="http://schemas.microsoft.com/office/drawing/2014/main" id="{497DB97B-039D-4182-8A21-C324F5A05084}"/>
-              </a:ext>
-            </a:extLst>
-          </p:cNvPr>
-          <p:cNvSpPr/>
-          <p:nvPr/>
-        </p:nvSpPr>
-        <p:spPr>
-          <a:xfrm>
-            <a:off x="1193829" y="427544"/>
-            <a:ext cx="9846162" cy="2183363"/>
-          </a:xfrm>
-          <a:prstGeom prst="roundRect">
-            <a:avLst/>
-          </a:prstGeom>
-          <a:solidFill>
-            <a:schemeClr val="bg1">
-              <a:lumMod val="85000"/>
-            </a:schemeClr>
-          </a:solidFill>
-          <a:ln w="50800">
-            <a:solidFill>
-              <a:schemeClr val="accent6">
-                <a:lumMod val="75000"/>
-              </a:schemeClr>
-            </a:solidFill>
-          </a:ln>
-        </p:spPr>
-        <p:style>
-          <a:lnRef idx="2">
-            <a:schemeClr val="accent1">
-              <a:shade val="50000"/>
-            </a:schemeClr>
-          </a:lnRef>
-          <a:fillRef idx="1">
-            <a:schemeClr val="accent1"/>
-          </a:fillRef>
-          <a:effectRef idx="0">
-            <a:schemeClr val="accent1"/>
-          </a:effectRef>
-          <a:fontRef idx="minor">
-            <a:schemeClr val="lt1"/>
-          </a:fontRef>
-        </p:style>
-        <p:txBody>
-          <a:bodyPr rtlCol="0" anchor="ctr"/>
-          <a:lstStyle/>
-          <a:p>
-            <a:pPr algn="ctr"/>
-            <a:endParaRPr lang="en-GB">
-              <a:latin typeface="Segoe UI" panose="020B0502040204020203" pitchFamily="34" charset="0"/>
-              <a:cs typeface="Segoe UI" panose="020B0502040204020203" pitchFamily="34" charset="0"/>
-            </a:endParaRPr>
-          </a:p>
-        </p:txBody>
-      </p:sp>
-      <p:sp>
-        <p:nvSpPr>
-          <p:cNvPr id="14" name="Rectangle: Rounded Corners 13">
-            <a:extLst>
-              <a:ext uri="{FF2B5EF4-FFF2-40B4-BE49-F238E27FC236}">
-                <a16:creationId xmlns:a16="http://schemas.microsoft.com/office/drawing/2014/main" id="{670B406B-FAA1-4A47-9E0F-388A4554F760}"/>
-              </a:ext>
-            </a:extLst>
-          </p:cNvPr>
-          <p:cNvSpPr/>
-          <p:nvPr/>
-        </p:nvSpPr>
-        <p:spPr>
-          <a:xfrm>
-            <a:off x="4035811" y="4214291"/>
-            <a:ext cx="1819470" cy="942392"/>
-          </a:xfrm>
-          <a:prstGeom prst="roundRect">
-            <a:avLst/>
-          </a:prstGeom>
-          <a:solidFill>
-            <a:schemeClr val="bg1">
-              <a:lumMod val="85000"/>
-            </a:schemeClr>
-          </a:solidFill>
-          <a:ln w="28575">
-            <a:solidFill>
-              <a:srgbClr val="FF0000"/>
-            </a:solidFill>
-          </a:ln>
-        </p:spPr>
-        <p:style>
-          <a:lnRef idx="2">
-            <a:schemeClr val="accent1">
-              <a:shade val="50000"/>
-            </a:schemeClr>
-          </a:lnRef>
-          <a:fillRef idx="1">
-            <a:schemeClr val="accent1"/>
-          </a:fillRef>
-          <a:effectRef idx="0">
-            <a:schemeClr val="accent1"/>
-          </a:effectRef>
-          <a:fontRef idx="minor">
-            <a:schemeClr val="lt1"/>
-          </a:fontRef>
-        </p:style>
-        <p:txBody>
-          <a:bodyPr rtlCol="0" anchor="ctr"/>
-          <a:lstStyle/>
-          <a:p>
-            <a:pPr algn="ctr"/>
-            <a:endParaRPr lang="en-GB">
-              <a:latin typeface="Segoe UI" panose="020B0502040204020203" pitchFamily="34" charset="0"/>
-              <a:cs typeface="Segoe UI" panose="020B0502040204020203" pitchFamily="34" charset="0"/>
-            </a:endParaRPr>
-          </a:p>
-        </p:txBody>
-      </p:sp>
-      <p:sp>
-        <p:nvSpPr>
-          <p:cNvPr id="15" name="Rectangle: Rounded Corners 14">
-            <a:extLst>
-              <a:ext uri="{FF2B5EF4-FFF2-40B4-BE49-F238E27FC236}">
-                <a16:creationId xmlns:a16="http://schemas.microsoft.com/office/drawing/2014/main" id="{56FA4A14-0892-4CE1-BE7A-A2056ECF1DAC}"/>
-              </a:ext>
-            </a:extLst>
-          </p:cNvPr>
-          <p:cNvSpPr/>
-          <p:nvPr/>
-        </p:nvSpPr>
-        <p:spPr>
-          <a:xfrm>
-            <a:off x="6253725" y="4213433"/>
-            <a:ext cx="1819470" cy="942392"/>
-          </a:xfrm>
-          <a:prstGeom prst="roundRect">
-            <a:avLst/>
-          </a:prstGeom>
-          <a:solidFill>
-            <a:schemeClr val="bg1">
-              <a:lumMod val="85000"/>
-            </a:schemeClr>
-          </a:solidFill>
-          <a:ln w="28575">
-            <a:solidFill>
-              <a:srgbClr val="FF0000"/>
-            </a:solidFill>
-          </a:ln>
-        </p:spPr>
-        <p:style>
-          <a:lnRef idx="2">
-            <a:schemeClr val="accent1">
-              <a:shade val="50000"/>
-            </a:schemeClr>
-          </a:lnRef>
-          <a:fillRef idx="1">
-            <a:schemeClr val="accent1"/>
-          </a:fillRef>
-          <a:effectRef idx="0">
-            <a:schemeClr val="accent1"/>
-          </a:effectRef>
-          <a:fontRef idx="minor">
-            <a:schemeClr val="lt1"/>
-          </a:fontRef>
-        </p:style>
-        <p:txBody>
-          <a:bodyPr rtlCol="0" anchor="ctr"/>
-          <a:lstStyle/>
-          <a:p>
-            <a:pPr algn="ctr"/>
-            <a:endParaRPr lang="en-GB" dirty="0">
-              <a:latin typeface="Segoe UI" panose="020B0502040204020203" pitchFamily="34" charset="0"/>
-              <a:cs typeface="Segoe UI" panose="020B0502040204020203" pitchFamily="34" charset="0"/>
-            </a:endParaRPr>
-          </a:p>
-        </p:txBody>
-      </p:sp>
-      <p:sp>
-        <p:nvSpPr>
-          <p:cNvPr id="17" name="TextBox 16">
-            <a:extLst>
-              <a:ext uri="{FF2B5EF4-FFF2-40B4-BE49-F238E27FC236}">
-                <a16:creationId xmlns:a16="http://schemas.microsoft.com/office/drawing/2014/main" id="{6E8BFC32-3AFA-4B4C-9172-2CBE21A80A58}"/>
-              </a:ext>
-            </a:extLst>
-          </p:cNvPr>
-          <p:cNvSpPr txBox="1"/>
-          <p:nvPr/>
-        </p:nvSpPr>
-        <p:spPr>
-          <a:xfrm>
-            <a:off x="1550793" y="646518"/>
-            <a:ext cx="9697670" cy="1938992"/>
-          </a:xfrm>
-          <a:prstGeom prst="rect">
-            <a:avLst/>
-          </a:prstGeom>
-          <a:noFill/>
-        </p:spPr>
-        <p:txBody>
-          <a:bodyPr wrap="square" rtlCol="0">
-            <a:spAutoFit/>
-          </a:bodyPr>
-          <a:lstStyle/>
-          <a:p>
-            <a:r>
-              <a:rPr lang="en-GB" sz="4000" dirty="0">
-                <a:latin typeface="Segoe UI" panose="020B0502040204020203" pitchFamily="34" charset="0"/>
-                <a:cs typeface="Segoe UI" panose="020B0502040204020203" pitchFamily="34" charset="0"/>
-              </a:rPr>
-              <a:t>A website that enables a user to find all tech conferences, book, get flight, hotel, travel guides etc… </a:t>
-            </a:r>
-          </a:p>
-        </p:txBody>
-      </p:sp>
-      <p:sp>
-        <p:nvSpPr>
-          <p:cNvPr id="19" name="TextBox 18">
-            <a:extLst>
-              <a:ext uri="{FF2B5EF4-FFF2-40B4-BE49-F238E27FC236}">
-                <a16:creationId xmlns:a16="http://schemas.microsoft.com/office/drawing/2014/main" id="{C81F58F9-1FC7-477B-877C-80F0959EBC0E}"/>
-              </a:ext>
-            </a:extLst>
-          </p:cNvPr>
-          <p:cNvSpPr txBox="1"/>
-          <p:nvPr/>
-        </p:nvSpPr>
-        <p:spPr>
-          <a:xfrm>
-            <a:off x="4035811" y="4500821"/>
-            <a:ext cx="1819471" cy="369332"/>
-          </a:xfrm>
-          <a:prstGeom prst="rect">
-            <a:avLst/>
-          </a:prstGeom>
-          <a:noFill/>
-        </p:spPr>
-        <p:txBody>
-          <a:bodyPr wrap="square" rtlCol="0">
-            <a:spAutoFit/>
-          </a:bodyPr>
-          <a:lstStyle/>
-          <a:p>
-            <a:r>
-              <a:rPr lang="en-GB" dirty="0">
-                <a:latin typeface="Segoe UI" panose="020B0502040204020203" pitchFamily="34" charset="0"/>
-                <a:cs typeface="Segoe UI" panose="020B0502040204020203" pitchFamily="34" charset="0"/>
-              </a:rPr>
-              <a:t>Booking Service</a:t>
-            </a:r>
-          </a:p>
-        </p:txBody>
-      </p:sp>
-      <p:sp>
-        <p:nvSpPr>
-          <p:cNvPr id="20" name="TextBox 19">
-            <a:extLst>
-              <a:ext uri="{FF2B5EF4-FFF2-40B4-BE49-F238E27FC236}">
-                <a16:creationId xmlns:a16="http://schemas.microsoft.com/office/drawing/2014/main" id="{FB923CCF-0EA9-4C2D-AC00-B89B13CB18B9}"/>
-              </a:ext>
-            </a:extLst>
-          </p:cNvPr>
-          <p:cNvSpPr txBox="1"/>
-          <p:nvPr/>
-        </p:nvSpPr>
-        <p:spPr>
-          <a:xfrm>
-            <a:off x="6735242" y="4499963"/>
-            <a:ext cx="885389" cy="369332"/>
-          </a:xfrm>
-          <a:prstGeom prst="rect">
-            <a:avLst/>
-          </a:prstGeom>
-          <a:noFill/>
-        </p:spPr>
-        <p:txBody>
-          <a:bodyPr wrap="square" rtlCol="0">
-            <a:spAutoFit/>
-          </a:bodyPr>
-          <a:lstStyle/>
-          <a:p>
-            <a:r>
-              <a:rPr lang="en-GB" dirty="0">
-                <a:latin typeface="Segoe UI" panose="020B0502040204020203" pitchFamily="34" charset="0"/>
-                <a:cs typeface="Segoe UI" panose="020B0502040204020203" pitchFamily="34" charset="0"/>
-              </a:rPr>
-              <a:t>Flights</a:t>
-            </a:r>
-          </a:p>
-        </p:txBody>
-      </p:sp>
-      <p:sp>
-        <p:nvSpPr>
-          <p:cNvPr id="21" name="TextBox 20">
-            <a:extLst>
-              <a:ext uri="{FF2B5EF4-FFF2-40B4-BE49-F238E27FC236}">
-                <a16:creationId xmlns:a16="http://schemas.microsoft.com/office/drawing/2014/main" id="{000E004F-3DEE-453A-880F-3667A9536687}"/>
-              </a:ext>
-            </a:extLst>
-          </p:cNvPr>
-          <p:cNvSpPr txBox="1"/>
-          <p:nvPr/>
-        </p:nvSpPr>
-        <p:spPr>
-          <a:xfrm>
-            <a:off x="1914919" y="4499963"/>
-            <a:ext cx="1488233" cy="369332"/>
-          </a:xfrm>
-          <a:prstGeom prst="rect">
-            <a:avLst/>
-          </a:prstGeom>
-          <a:noFill/>
-        </p:spPr>
-        <p:txBody>
-          <a:bodyPr wrap="square" rtlCol="0">
-            <a:spAutoFit/>
-          </a:bodyPr>
-          <a:lstStyle/>
-          <a:p>
-            <a:r>
-              <a:rPr lang="en-GB" dirty="0">
-                <a:latin typeface="Segoe UI" panose="020B0502040204020203" pitchFamily="34" charset="0"/>
-                <a:cs typeface="Segoe UI" panose="020B0502040204020203" pitchFamily="34" charset="0"/>
-              </a:rPr>
-              <a:t>Conferences</a:t>
-            </a:r>
-          </a:p>
-        </p:txBody>
-      </p:sp>
-      <p:sp>
-        <p:nvSpPr>
-          <p:cNvPr id="24" name="Rectangle: Rounded Corners 23">
-            <a:extLst>
-              <a:ext uri="{FF2B5EF4-FFF2-40B4-BE49-F238E27FC236}">
-                <a16:creationId xmlns:a16="http://schemas.microsoft.com/office/drawing/2014/main" id="{5BB53001-8036-493B-AF01-248C5B49146B}"/>
-              </a:ext>
-            </a:extLst>
-          </p:cNvPr>
-          <p:cNvSpPr/>
-          <p:nvPr/>
-        </p:nvSpPr>
-        <p:spPr>
-          <a:xfrm>
-            <a:off x="8525758" y="4213433"/>
-            <a:ext cx="1819470" cy="942392"/>
-          </a:xfrm>
-          <a:prstGeom prst="roundRect">
-            <a:avLst/>
-          </a:prstGeom>
-          <a:solidFill>
-            <a:schemeClr val="bg1">
-              <a:lumMod val="85000"/>
-            </a:schemeClr>
-          </a:solidFill>
-          <a:ln w="28575">
-            <a:solidFill>
-              <a:srgbClr val="FF0000"/>
-            </a:solidFill>
-          </a:ln>
-        </p:spPr>
-        <p:style>
-          <a:lnRef idx="2">
-            <a:schemeClr val="accent1">
-              <a:shade val="50000"/>
-            </a:schemeClr>
-          </a:lnRef>
-          <a:fillRef idx="1">
-            <a:schemeClr val="accent1"/>
-          </a:fillRef>
-          <a:effectRef idx="0">
-            <a:schemeClr val="accent1"/>
-          </a:effectRef>
-          <a:fontRef idx="minor">
-            <a:schemeClr val="lt1"/>
-          </a:fontRef>
-        </p:style>
-        <p:txBody>
-          <a:bodyPr rtlCol="0" anchor="ctr"/>
-          <a:lstStyle/>
-          <a:p>
-            <a:pPr algn="ctr"/>
-            <a:endParaRPr lang="en-GB">
-              <a:latin typeface="Segoe UI" panose="020B0502040204020203" pitchFamily="34" charset="0"/>
-              <a:cs typeface="Segoe UI" panose="020B0502040204020203" pitchFamily="34" charset="0"/>
-            </a:endParaRPr>
-          </a:p>
-        </p:txBody>
-      </p:sp>
-      <p:sp>
-        <p:nvSpPr>
-          <p:cNvPr id="27" name="TextBox 26">
-            <a:extLst>
-              <a:ext uri="{FF2B5EF4-FFF2-40B4-BE49-F238E27FC236}">
-                <a16:creationId xmlns:a16="http://schemas.microsoft.com/office/drawing/2014/main" id="{44B6EC85-B742-412F-8B8A-550A49D251EE}"/>
-              </a:ext>
-            </a:extLst>
-          </p:cNvPr>
-          <p:cNvSpPr txBox="1"/>
-          <p:nvPr/>
-        </p:nvSpPr>
-        <p:spPr>
-          <a:xfrm>
-            <a:off x="8691376" y="4499963"/>
-            <a:ext cx="1488233" cy="369332"/>
-          </a:xfrm>
-          <a:prstGeom prst="rect">
-            <a:avLst/>
-          </a:prstGeom>
-          <a:noFill/>
-        </p:spPr>
-        <p:txBody>
-          <a:bodyPr wrap="square" rtlCol="0">
-            <a:spAutoFit/>
-          </a:bodyPr>
-          <a:lstStyle/>
-          <a:p>
-            <a:r>
-              <a:rPr lang="en-GB" dirty="0">
-                <a:latin typeface="Segoe UI" panose="020B0502040204020203" pitchFamily="34" charset="0"/>
-                <a:cs typeface="Segoe UI" panose="020B0502040204020203" pitchFamily="34" charset="0"/>
-              </a:rPr>
-              <a:t>Places to see</a:t>
-            </a:r>
-          </a:p>
-        </p:txBody>
-      </p:sp>
-      <p:sp>
-        <p:nvSpPr>
-          <p:cNvPr id="3" name="Arrow: Up 2">
-            <a:extLst>
-              <a:ext uri="{FF2B5EF4-FFF2-40B4-BE49-F238E27FC236}">
-                <a16:creationId xmlns:a16="http://schemas.microsoft.com/office/drawing/2014/main" id="{60D1D8CA-F6A6-47C9-B78C-772D2703300D}"/>
-              </a:ext>
-            </a:extLst>
-          </p:cNvPr>
-          <p:cNvSpPr/>
-          <p:nvPr/>
-        </p:nvSpPr>
-        <p:spPr>
-          <a:xfrm>
-            <a:off x="2582635" y="2770271"/>
-            <a:ext cx="176169" cy="1330608"/>
-          </a:xfrm>
-          <a:prstGeom prst="upArrow">
-            <a:avLst/>
-          </a:prstGeom>
-        </p:spPr>
-        <p:style>
-          <a:lnRef idx="2">
-            <a:schemeClr val="accent1">
-              <a:shade val="50000"/>
-            </a:schemeClr>
-          </a:lnRef>
-          <a:fillRef idx="1">
-            <a:schemeClr val="accent1"/>
-          </a:fillRef>
-          <a:effectRef idx="0">
-            <a:schemeClr val="accent1"/>
-          </a:effectRef>
-          <a:fontRef idx="minor">
-            <a:schemeClr val="lt1"/>
-          </a:fontRef>
-        </p:style>
-        <p:txBody>
-          <a:bodyPr rtlCol="0" anchor="ctr"/>
-          <a:lstStyle/>
-          <a:p>
-            <a:pPr algn="ctr"/>
-            <a:endParaRPr lang="en-GB"/>
-          </a:p>
-        </p:txBody>
-      </p:sp>
-      <p:sp>
-        <p:nvSpPr>
-          <p:cNvPr id="28" name="Arrow: Up 27">
-            <a:extLst>
-              <a:ext uri="{FF2B5EF4-FFF2-40B4-BE49-F238E27FC236}">
-                <a16:creationId xmlns:a16="http://schemas.microsoft.com/office/drawing/2014/main" id="{8407EBB5-7D10-4518-ADA8-6E5BF1A2C86C}"/>
-              </a:ext>
-            </a:extLst>
-          </p:cNvPr>
-          <p:cNvSpPr/>
-          <p:nvPr/>
-        </p:nvSpPr>
-        <p:spPr>
-          <a:xfrm>
-            <a:off x="4832295" y="2770271"/>
-            <a:ext cx="176169" cy="1330608"/>
-          </a:xfrm>
-          <a:prstGeom prst="upArrow">
-            <a:avLst/>
-          </a:prstGeom>
-        </p:spPr>
-        <p:style>
-          <a:lnRef idx="2">
-            <a:schemeClr val="accent1">
-              <a:shade val="50000"/>
-            </a:schemeClr>
-          </a:lnRef>
-          <a:fillRef idx="1">
-            <a:schemeClr val="accent1"/>
-          </a:fillRef>
-          <a:effectRef idx="0">
-            <a:schemeClr val="accent1"/>
-          </a:effectRef>
-          <a:fontRef idx="minor">
-            <a:schemeClr val="lt1"/>
-          </a:fontRef>
-        </p:style>
-        <p:txBody>
-          <a:bodyPr rtlCol="0" anchor="ctr"/>
-          <a:lstStyle/>
-          <a:p>
-            <a:pPr algn="ctr"/>
-            <a:endParaRPr lang="en-GB"/>
-          </a:p>
-        </p:txBody>
-      </p:sp>
-      <p:sp>
-        <p:nvSpPr>
-          <p:cNvPr id="29" name="Arrow: Up 28">
-            <a:extLst>
-              <a:ext uri="{FF2B5EF4-FFF2-40B4-BE49-F238E27FC236}">
-                <a16:creationId xmlns:a16="http://schemas.microsoft.com/office/drawing/2014/main" id="{4B35F105-F972-4E4A-B819-07FC2226D1ED}"/>
-              </a:ext>
-            </a:extLst>
-          </p:cNvPr>
-          <p:cNvSpPr/>
-          <p:nvPr/>
-        </p:nvSpPr>
-        <p:spPr>
-          <a:xfrm>
-            <a:off x="7009663" y="2759986"/>
-            <a:ext cx="176169" cy="1330608"/>
-          </a:xfrm>
-          <a:prstGeom prst="upArrow">
-            <a:avLst/>
-          </a:prstGeom>
-        </p:spPr>
-        <p:style>
-          <a:lnRef idx="2">
-            <a:schemeClr val="accent1">
-              <a:shade val="50000"/>
-            </a:schemeClr>
-          </a:lnRef>
-          <a:fillRef idx="1">
-            <a:schemeClr val="accent1"/>
-          </a:fillRef>
-          <a:effectRef idx="0">
-            <a:schemeClr val="accent1"/>
-          </a:effectRef>
-          <a:fontRef idx="minor">
-            <a:schemeClr val="lt1"/>
-          </a:fontRef>
-        </p:style>
-        <p:txBody>
-          <a:bodyPr rtlCol="0" anchor="ctr"/>
-          <a:lstStyle/>
-          <a:p>
-            <a:pPr algn="ctr"/>
-            <a:endParaRPr lang="en-GB"/>
-          </a:p>
-        </p:txBody>
-      </p:sp>
-      <p:sp>
-        <p:nvSpPr>
-          <p:cNvPr id="30" name="Arrow: Up 29">
-            <a:extLst>
-              <a:ext uri="{FF2B5EF4-FFF2-40B4-BE49-F238E27FC236}">
-                <a16:creationId xmlns:a16="http://schemas.microsoft.com/office/drawing/2014/main" id="{03E215AC-9480-4BE2-9F0D-89FFA3822865}"/>
-              </a:ext>
-            </a:extLst>
-          </p:cNvPr>
-          <p:cNvSpPr/>
-          <p:nvPr/>
-        </p:nvSpPr>
-        <p:spPr>
-          <a:xfrm>
-            <a:off x="9347407" y="2776086"/>
-            <a:ext cx="176169" cy="1330608"/>
-          </a:xfrm>
-          <a:prstGeom prst="upArrow">
-            <a:avLst/>
-          </a:prstGeom>
-        </p:spPr>
-        <p:style>
-          <a:lnRef idx="2">
-            <a:schemeClr val="accent1">
-              <a:shade val="50000"/>
-            </a:schemeClr>
-          </a:lnRef>
-          <a:fillRef idx="1">
-            <a:schemeClr val="accent1"/>
-          </a:fillRef>
-          <a:effectRef idx="0">
-            <a:schemeClr val="accent1"/>
-          </a:effectRef>
-          <a:fontRef idx="minor">
-            <a:schemeClr val="lt1"/>
-          </a:fontRef>
-        </p:style>
-        <p:txBody>
-          <a:bodyPr rtlCol="0" anchor="ctr"/>
-          <a:lstStyle/>
-          <a:p>
-            <a:pPr algn="ctr"/>
-            <a:endParaRPr lang="en-GB"/>
-          </a:p>
-        </p:txBody>
-      </p:sp>
-      <p:sp>
-        <p:nvSpPr>
-          <p:cNvPr id="6" name="TextBox 5">
-            <a:extLst>
-              <a:ext uri="{FF2B5EF4-FFF2-40B4-BE49-F238E27FC236}">
-                <a16:creationId xmlns:a16="http://schemas.microsoft.com/office/drawing/2014/main" id="{BBAA3DB1-1932-44CD-B1A5-E71B017694A1}"/>
-              </a:ext>
-            </a:extLst>
-          </p:cNvPr>
-          <p:cNvSpPr txBox="1"/>
-          <p:nvPr/>
-        </p:nvSpPr>
-        <p:spPr>
-          <a:xfrm>
-            <a:off x="478971" y="5857539"/>
-            <a:ext cx="11225349" cy="707886"/>
-          </a:xfrm>
-          <a:prstGeom prst="rect">
-            <a:avLst/>
-          </a:prstGeom>
-          <a:noFill/>
-        </p:spPr>
-        <p:txBody>
-          <a:bodyPr wrap="square" rtlCol="0">
-            <a:spAutoFit/>
-          </a:bodyPr>
-          <a:lstStyle/>
-          <a:p>
-            <a:r>
-              <a:rPr lang="en-GB" sz="4000" b="1" dirty="0">
-                <a:solidFill>
-                  <a:srgbClr val="FF0000"/>
-                </a:solidFill>
-              </a:rPr>
-              <a:t>Micro Apps based on a variety of frameworks</a:t>
-            </a:r>
-            <a:endParaRPr lang="en-GB" sz="2800" b="1" dirty="0">
-              <a:solidFill>
-                <a:srgbClr val="FF0000"/>
-              </a:solidFill>
-            </a:endParaRPr>
-          </a:p>
-        </p:txBody>
-      </p:sp>
-      <p:sp>
-        <p:nvSpPr>
-          <p:cNvPr id="18" name="Rectangle: Rounded Corners 17">
-            <a:extLst>
-              <a:ext uri="{FF2B5EF4-FFF2-40B4-BE49-F238E27FC236}">
-                <a16:creationId xmlns:a16="http://schemas.microsoft.com/office/drawing/2014/main" id="{61FB2ED9-7808-4162-98DF-AE6C0250F20F}"/>
-              </a:ext>
-            </a:extLst>
-          </p:cNvPr>
-          <p:cNvSpPr/>
-          <p:nvPr/>
-        </p:nvSpPr>
-        <p:spPr>
-          <a:xfrm>
-            <a:off x="235670" y="197963"/>
-            <a:ext cx="650736" cy="511164"/>
-          </a:xfrm>
-          <a:prstGeom prst="roundRect">
-            <a:avLst/>
-          </a:prstGeom>
-        </p:spPr>
-        <p:style>
-          <a:lnRef idx="2">
-            <a:schemeClr val="accent1">
-              <a:shade val="50000"/>
-            </a:schemeClr>
-          </a:lnRef>
-          <a:fillRef idx="1">
-            <a:schemeClr val="accent1"/>
-          </a:fillRef>
-          <a:effectRef idx="0">
-            <a:schemeClr val="accent1"/>
-          </a:effectRef>
-          <a:fontRef idx="minor">
-            <a:schemeClr val="lt1"/>
-          </a:fontRef>
-        </p:style>
-        <p:txBody>
-          <a:bodyPr rtlCol="0" anchor="ctr"/>
-          <a:lstStyle/>
-          <a:p>
-            <a:pPr algn="ctr"/>
-            <a:r>
-              <a:rPr lang="en-GB" sz="3200" b="1" dirty="0"/>
-              <a:t>2</a:t>
-            </a:r>
-          </a:p>
-        </p:txBody>
-      </p:sp>
-      <p:sp>
-        <p:nvSpPr>
-          <p:cNvPr id="2" name="Flowchart: Magnetic Disk 1">
-            <a:extLst>
-              <a:ext uri="{FF2B5EF4-FFF2-40B4-BE49-F238E27FC236}">
-                <a16:creationId xmlns:a16="http://schemas.microsoft.com/office/drawing/2014/main" id="{848FB90D-0E77-4FC4-B707-5D6379C216EC}"/>
-              </a:ext>
-            </a:extLst>
-          </p:cNvPr>
-          <p:cNvSpPr/>
-          <p:nvPr/>
-        </p:nvSpPr>
-        <p:spPr>
-          <a:xfrm>
-            <a:off x="2191423" y="5268379"/>
-            <a:ext cx="782424" cy="593326"/>
-          </a:xfrm>
-          <a:prstGeom prst="flowChartMagneticDisk">
-            <a:avLst/>
-          </a:prstGeom>
-        </p:spPr>
-        <p:style>
-          <a:lnRef idx="2">
-            <a:schemeClr val="accent1">
-              <a:shade val="50000"/>
-            </a:schemeClr>
-          </a:lnRef>
-          <a:fillRef idx="1">
-            <a:schemeClr val="accent1"/>
-          </a:fillRef>
-          <a:effectRef idx="0">
-            <a:schemeClr val="accent1"/>
-          </a:effectRef>
-          <a:fontRef idx="minor">
-            <a:schemeClr val="lt1"/>
-          </a:fontRef>
-        </p:style>
-        <p:txBody>
-          <a:bodyPr rtlCol="0" anchor="ctr"/>
-          <a:lstStyle/>
-          <a:p>
-            <a:pPr algn="ctr"/>
-            <a:endParaRPr lang="en-GB"/>
-          </a:p>
-        </p:txBody>
-      </p:sp>
-      <p:sp>
-        <p:nvSpPr>
-          <p:cNvPr id="22" name="Flowchart: Magnetic Disk 21">
-            <a:extLst>
-              <a:ext uri="{FF2B5EF4-FFF2-40B4-BE49-F238E27FC236}">
-                <a16:creationId xmlns:a16="http://schemas.microsoft.com/office/drawing/2014/main" id="{097A4D64-D471-4696-A7E3-F5A69DE44E52}"/>
-              </a:ext>
-            </a:extLst>
-          </p:cNvPr>
-          <p:cNvSpPr/>
-          <p:nvPr/>
-        </p:nvSpPr>
-        <p:spPr>
-          <a:xfrm>
-            <a:off x="4502668" y="5283755"/>
-            <a:ext cx="782424" cy="593326"/>
-          </a:xfrm>
-          <a:prstGeom prst="flowChartMagneticDisk">
-            <a:avLst/>
-          </a:prstGeom>
-        </p:spPr>
-        <p:style>
-          <a:lnRef idx="2">
-            <a:schemeClr val="accent1">
-              <a:shade val="50000"/>
-            </a:schemeClr>
-          </a:lnRef>
-          <a:fillRef idx="1">
-            <a:schemeClr val="accent1"/>
-          </a:fillRef>
-          <a:effectRef idx="0">
-            <a:schemeClr val="accent1"/>
-          </a:effectRef>
-          <a:fontRef idx="minor">
-            <a:schemeClr val="lt1"/>
-          </a:fontRef>
-        </p:style>
-        <p:txBody>
-          <a:bodyPr rtlCol="0" anchor="ctr"/>
-          <a:lstStyle/>
-          <a:p>
-            <a:pPr algn="ctr"/>
-            <a:endParaRPr lang="en-GB"/>
-          </a:p>
-        </p:txBody>
-      </p:sp>
-      <p:sp>
-        <p:nvSpPr>
-          <p:cNvPr id="23" name="Flowchart: Magnetic Disk 22">
-            <a:extLst>
-              <a:ext uri="{FF2B5EF4-FFF2-40B4-BE49-F238E27FC236}">
-                <a16:creationId xmlns:a16="http://schemas.microsoft.com/office/drawing/2014/main" id="{E81FADE5-39DD-4011-88BD-2B5F91BAF9CD}"/>
-              </a:ext>
-            </a:extLst>
-          </p:cNvPr>
-          <p:cNvSpPr/>
-          <p:nvPr/>
-        </p:nvSpPr>
-        <p:spPr>
-          <a:xfrm>
-            <a:off x="6706535" y="5258699"/>
-            <a:ext cx="782424" cy="593326"/>
-          </a:xfrm>
-          <a:prstGeom prst="flowChartMagneticDisk">
-            <a:avLst/>
-          </a:prstGeom>
-        </p:spPr>
-        <p:style>
-          <a:lnRef idx="2">
-            <a:schemeClr val="accent1">
-              <a:shade val="50000"/>
-            </a:schemeClr>
-          </a:lnRef>
-          <a:fillRef idx="1">
-            <a:schemeClr val="accent1"/>
-          </a:fillRef>
-          <a:effectRef idx="0">
-            <a:schemeClr val="accent1"/>
-          </a:effectRef>
-          <a:fontRef idx="minor">
-            <a:schemeClr val="lt1"/>
-          </a:fontRef>
-        </p:style>
-        <p:txBody>
-          <a:bodyPr rtlCol="0" anchor="ctr"/>
-          <a:lstStyle/>
-          <a:p>
-            <a:pPr algn="ctr"/>
-            <a:endParaRPr lang="en-GB"/>
-          </a:p>
-        </p:txBody>
-      </p:sp>
-      <p:sp>
-        <p:nvSpPr>
-          <p:cNvPr id="25" name="Flowchart: Magnetic Disk 24">
-            <a:extLst>
-              <a:ext uri="{FF2B5EF4-FFF2-40B4-BE49-F238E27FC236}">
-                <a16:creationId xmlns:a16="http://schemas.microsoft.com/office/drawing/2014/main" id="{E1322CEC-A54C-4BCD-AAE1-D194670F9681}"/>
-              </a:ext>
-            </a:extLst>
-          </p:cNvPr>
-          <p:cNvSpPr/>
-          <p:nvPr/>
-        </p:nvSpPr>
-        <p:spPr>
-          <a:xfrm>
-            <a:off x="9044279" y="5238473"/>
-            <a:ext cx="782424" cy="593326"/>
-          </a:xfrm>
-          <a:prstGeom prst="flowChartMagneticDisk">
-            <a:avLst/>
-          </a:prstGeom>
-        </p:spPr>
-        <p:style>
-          <a:lnRef idx="2">
-            <a:schemeClr val="accent1">
-              <a:shade val="50000"/>
-            </a:schemeClr>
-          </a:lnRef>
-          <a:fillRef idx="1">
-            <a:schemeClr val="accent1"/>
-          </a:fillRef>
-          <a:effectRef idx="0">
-            <a:schemeClr val="accent1"/>
-          </a:effectRef>
-          <a:fontRef idx="minor">
-            <a:schemeClr val="lt1"/>
-          </a:fontRef>
-        </p:style>
-        <p:txBody>
-          <a:bodyPr rtlCol="0" anchor="ctr"/>
-          <a:lstStyle/>
-          <a:p>
-            <a:pPr algn="ctr"/>
-            <a:endParaRPr lang="en-GB"/>
-          </a:p>
-        </p:txBody>
-      </p:sp>
-    </p:spTree>
-    <p:extLst>
-      <p:ext uri="{BB962C8B-B14F-4D97-AF65-F5344CB8AC3E}">
-        <p14:creationId xmlns:p14="http://schemas.microsoft.com/office/powerpoint/2010/main" val="661084737"/>
       </p:ext>
     </p:extLst>
   </p:cSld>
@@ -10163,7 +10295,7 @@
                 <a:latin typeface="Segoe UI Light" panose="020B0502040204020203" pitchFamily="34" charset="0"/>
                 <a:cs typeface="Segoe UI Light" panose="020B0502040204020203" pitchFamily="34" charset="0"/>
               </a:rPr>
-              <a:t>Two Business Applications ( 2 )</a:t>
+              <a:t>Pseudo code</a:t>
             </a:r>
           </a:p>
         </p:txBody>
@@ -10397,40 +10529,415 @@
           </a:p>
         </p:txBody>
       </p:sp>
-      <p:pic>
-        <p:nvPicPr>
-          <p:cNvPr id="3" name="Picture 2" descr="Text&#10;&#10;Description automatically generated">
-            <a:extLst>
-              <a:ext uri="{FF2B5EF4-FFF2-40B4-BE49-F238E27FC236}">
-                <a16:creationId xmlns:a16="http://schemas.microsoft.com/office/drawing/2014/main" id="{56C6BB9D-FC63-4790-8EAE-CA95B465DD86}"/>
-              </a:ext>
-            </a:extLst>
-          </p:cNvPr>
-          <p:cNvPicPr>
-            <a:picLocks noChangeAspect="1"/>
-          </p:cNvPicPr>
+      <p:sp>
+        <p:nvSpPr>
+          <p:cNvPr id="36" name="Content Placeholder 17"/>
+          <p:cNvSpPr txBox="1">
+            <a:spLocks/>
+          </p:cNvSpPr>
           <p:nvPr/>
-        </p:nvPicPr>
-        <p:blipFill>
-          <a:blip r:embed="rId2"/>
-          <a:stretch>
-            <a:fillRect/>
-          </a:stretch>
-        </p:blipFill>
+        </p:nvSpPr>
         <p:spPr>
           <a:xfrm>
-            <a:off x="639718" y="1455491"/>
-            <a:ext cx="11004297" cy="4976208"/>
+            <a:off x="541609" y="1176293"/>
+            <a:ext cx="11138263" cy="3968352"/>
           </a:xfrm>
           <a:prstGeom prst="rect">
             <a:avLst/>
           </a:prstGeom>
         </p:spPr>
-      </p:pic>
+        <p:txBody>
+          <a:bodyPr vert="horz" lIns="91440" tIns="45720" rIns="91440" bIns="45720" rtlCol="0">
+            <a:noAutofit/>
+          </a:bodyPr>
+          <a:lstStyle>
+            <a:lvl1pPr marL="228600" indent="-228600" algn="l" defTabSz="914400" rtl="0" eaLnBrk="1" latinLnBrk="0" hangingPunct="1">
+              <a:lnSpc>
+                <a:spcPts val="1800"/>
+              </a:lnSpc>
+              <a:spcBef>
+                <a:spcPts val="1000"/>
+              </a:spcBef>
+              <a:spcAft>
+                <a:spcPts val="1000"/>
+              </a:spcAft>
+              <a:buFont typeface="Arial" panose="020B0604020202020204" pitchFamily="34" charset="0"/>
+              <a:buChar char="•"/>
+              <a:defRPr lang="en-US" sz="1200" kern="1200" smtClean="0">
+                <a:solidFill>
+                  <a:schemeClr val="tx1">
+                    <a:lumMod val="75000"/>
+                    <a:lumOff val="25000"/>
+                  </a:schemeClr>
+                </a:solidFill>
+                <a:latin typeface="+mn-lt"/>
+                <a:ea typeface="+mn-ea"/>
+                <a:cs typeface="+mn-cs"/>
+              </a:defRPr>
+            </a:lvl1pPr>
+            <a:lvl2pPr marL="685800" indent="-228600" algn="l" defTabSz="914400" rtl="0" eaLnBrk="1" latinLnBrk="0" hangingPunct="1">
+              <a:lnSpc>
+                <a:spcPts val="1800"/>
+              </a:lnSpc>
+              <a:spcBef>
+                <a:spcPts val="1000"/>
+              </a:spcBef>
+              <a:spcAft>
+                <a:spcPts val="1000"/>
+              </a:spcAft>
+              <a:buFont typeface="Arial" panose="020B0604020202020204" pitchFamily="34" charset="0"/>
+              <a:buChar char="•"/>
+              <a:defRPr lang="en-US" sz="1200" kern="1200" smtClean="0">
+                <a:solidFill>
+                  <a:schemeClr val="tx1">
+                    <a:lumMod val="75000"/>
+                    <a:lumOff val="25000"/>
+                  </a:schemeClr>
+                </a:solidFill>
+                <a:latin typeface="+mn-lt"/>
+                <a:ea typeface="+mn-ea"/>
+                <a:cs typeface="+mn-cs"/>
+              </a:defRPr>
+            </a:lvl2pPr>
+            <a:lvl3pPr marL="1143000" indent="-228600" algn="l" defTabSz="914400" rtl="0" eaLnBrk="1" latinLnBrk="0" hangingPunct="1">
+              <a:lnSpc>
+                <a:spcPts val="1800"/>
+              </a:lnSpc>
+              <a:spcBef>
+                <a:spcPts val="1000"/>
+              </a:spcBef>
+              <a:spcAft>
+                <a:spcPts val="1000"/>
+              </a:spcAft>
+              <a:buFont typeface="Arial" panose="020B0604020202020204" pitchFamily="34" charset="0"/>
+              <a:buChar char="•"/>
+              <a:defRPr lang="en-US" sz="1200" kern="1200" smtClean="0">
+                <a:solidFill>
+                  <a:schemeClr val="tx1">
+                    <a:lumMod val="75000"/>
+                    <a:lumOff val="25000"/>
+                  </a:schemeClr>
+                </a:solidFill>
+                <a:latin typeface="+mn-lt"/>
+                <a:ea typeface="+mn-ea"/>
+                <a:cs typeface="+mn-cs"/>
+              </a:defRPr>
+            </a:lvl3pPr>
+            <a:lvl4pPr marL="1600200" indent="-228600" algn="l" defTabSz="914400" rtl="0" eaLnBrk="1" latinLnBrk="0" hangingPunct="1">
+              <a:lnSpc>
+                <a:spcPts val="1800"/>
+              </a:lnSpc>
+              <a:spcBef>
+                <a:spcPts val="1000"/>
+              </a:spcBef>
+              <a:spcAft>
+                <a:spcPts val="1000"/>
+              </a:spcAft>
+              <a:buFont typeface="Arial" panose="020B0604020202020204" pitchFamily="34" charset="0"/>
+              <a:buChar char="•"/>
+              <a:defRPr lang="en-US" sz="1200" kern="1200" smtClean="0">
+                <a:solidFill>
+                  <a:schemeClr val="tx1">
+                    <a:lumMod val="75000"/>
+                    <a:lumOff val="25000"/>
+                  </a:schemeClr>
+                </a:solidFill>
+                <a:latin typeface="+mn-lt"/>
+                <a:ea typeface="+mn-ea"/>
+                <a:cs typeface="+mn-cs"/>
+              </a:defRPr>
+            </a:lvl4pPr>
+            <a:lvl5pPr marL="2057400" indent="-228600" algn="l" defTabSz="914400" rtl="0" eaLnBrk="1" latinLnBrk="0" hangingPunct="1">
+              <a:lnSpc>
+                <a:spcPts val="1800"/>
+              </a:lnSpc>
+              <a:spcBef>
+                <a:spcPts val="1000"/>
+              </a:spcBef>
+              <a:spcAft>
+                <a:spcPts val="1000"/>
+              </a:spcAft>
+              <a:buFont typeface="Arial" panose="020B0604020202020204" pitchFamily="34" charset="0"/>
+              <a:buChar char="•"/>
+              <a:defRPr lang="en-US" sz="1200" kern="1200">
+                <a:solidFill>
+                  <a:schemeClr val="tx1">
+                    <a:lumMod val="75000"/>
+                    <a:lumOff val="25000"/>
+                  </a:schemeClr>
+                </a:solidFill>
+                <a:latin typeface="+mn-lt"/>
+                <a:ea typeface="+mn-ea"/>
+                <a:cs typeface="+mn-cs"/>
+              </a:defRPr>
+            </a:lvl5pPr>
+            <a:lvl6pPr marL="2514600" indent="-228600" algn="l" defTabSz="914400" rtl="0" eaLnBrk="1" latinLnBrk="0" hangingPunct="1">
+              <a:lnSpc>
+                <a:spcPct val="90000"/>
+              </a:lnSpc>
+              <a:spcBef>
+                <a:spcPct val="30000"/>
+              </a:spcBef>
+              <a:buFont typeface="Arial" panose="020B0604020202020204" pitchFamily="34" charset="0"/>
+              <a:buChar char="•"/>
+              <a:defRPr sz="1800" kern="1200">
+                <a:solidFill>
+                  <a:schemeClr val="tx1"/>
+                </a:solidFill>
+                <a:latin typeface="+mn-lt"/>
+                <a:ea typeface="+mn-ea"/>
+                <a:cs typeface="+mn-cs"/>
+              </a:defRPr>
+            </a:lvl6pPr>
+            <a:lvl7pPr marL="2971800" indent="-228600" algn="l" defTabSz="914400" rtl="0" eaLnBrk="1" latinLnBrk="0" hangingPunct="1">
+              <a:lnSpc>
+                <a:spcPct val="90000"/>
+              </a:lnSpc>
+              <a:spcBef>
+                <a:spcPct val="30000"/>
+              </a:spcBef>
+              <a:buFont typeface="Arial" panose="020B0604020202020204" pitchFamily="34" charset="0"/>
+              <a:buChar char="•"/>
+              <a:defRPr sz="1800" kern="1200">
+                <a:solidFill>
+                  <a:schemeClr val="tx1"/>
+                </a:solidFill>
+                <a:latin typeface="+mn-lt"/>
+                <a:ea typeface="+mn-ea"/>
+                <a:cs typeface="+mn-cs"/>
+              </a:defRPr>
+            </a:lvl7pPr>
+            <a:lvl8pPr marL="3429000" indent="-228600" algn="l" defTabSz="914400" rtl="0" eaLnBrk="1" latinLnBrk="0" hangingPunct="1">
+              <a:lnSpc>
+                <a:spcPct val="90000"/>
+              </a:lnSpc>
+              <a:spcBef>
+                <a:spcPct val="30000"/>
+              </a:spcBef>
+              <a:buFont typeface="Arial" panose="020B0604020202020204" pitchFamily="34" charset="0"/>
+              <a:buChar char="•"/>
+              <a:defRPr sz="1800" kern="1200">
+                <a:solidFill>
+                  <a:schemeClr val="tx1"/>
+                </a:solidFill>
+                <a:latin typeface="+mn-lt"/>
+                <a:ea typeface="+mn-ea"/>
+                <a:cs typeface="+mn-cs"/>
+              </a:defRPr>
+            </a:lvl8pPr>
+            <a:lvl9pPr marL="3886200" indent="-228600" algn="l" defTabSz="914400" rtl="0" eaLnBrk="1" latinLnBrk="0" hangingPunct="1">
+              <a:lnSpc>
+                <a:spcPct val="90000"/>
+              </a:lnSpc>
+              <a:spcBef>
+                <a:spcPct val="30000"/>
+              </a:spcBef>
+              <a:buFont typeface="Arial" panose="020B0604020202020204" pitchFamily="34" charset="0"/>
+              <a:buChar char="•"/>
+              <a:defRPr sz="1800" kern="1200">
+                <a:solidFill>
+                  <a:schemeClr val="tx1"/>
+                </a:solidFill>
+                <a:latin typeface="+mn-lt"/>
+                <a:ea typeface="+mn-ea"/>
+                <a:cs typeface="+mn-cs"/>
+              </a:defRPr>
+            </a:lvl9pPr>
+          </a:lstStyle>
+          <a:p>
+            <a:pPr marL="457200" lvl="2" indent="0">
+              <a:lnSpc>
+                <a:spcPts val="4560"/>
+              </a:lnSpc>
+              <a:spcAft>
+                <a:spcPts val="1200"/>
+              </a:spcAft>
+              <a:buNone/>
+            </a:pPr>
+            <a:endParaRPr lang="en-GB" sz="3800" dirty="0">
+              <a:solidFill>
+                <a:schemeClr val="bg2">
+                  <a:lumMod val="25000"/>
+                </a:schemeClr>
+              </a:solidFill>
+              <a:latin typeface="Segoe UI Light" panose="020B0502040204020203" pitchFamily="34" charset="0"/>
+              <a:cs typeface="Segoe UI Light" panose="020B0502040204020203" pitchFamily="34" charset="0"/>
+            </a:endParaRPr>
+          </a:p>
+          <a:p>
+            <a:pPr marL="0" lvl="0" indent="0">
+              <a:lnSpc>
+                <a:spcPts val="4560"/>
+              </a:lnSpc>
+              <a:spcBef>
+                <a:spcPct val="0"/>
+              </a:spcBef>
+              <a:spcAft>
+                <a:spcPts val="2000"/>
+              </a:spcAft>
+              <a:buNone/>
+              <a:defRPr/>
+            </a:pPr>
+            <a:r>
+              <a:rPr lang="en-US" sz="4400" dirty="0">
+                <a:solidFill>
+                  <a:schemeClr val="bg2">
+                    <a:lumMod val="25000"/>
+                  </a:schemeClr>
+                </a:solidFill>
+                <a:latin typeface="Segoe UI Light" panose="020B0502040204020203" pitchFamily="34" charset="0"/>
+                <a:cs typeface="Segoe UI Light" panose="020B0502040204020203" pitchFamily="34" charset="0"/>
+              </a:rPr>
+              <a:t>&lt;list-conferences  tech=“JS” workshops=“yes”&gt;</a:t>
+            </a:r>
+          </a:p>
+          <a:p>
+            <a:pPr marL="0" lvl="0" indent="0">
+              <a:lnSpc>
+                <a:spcPts val="4560"/>
+              </a:lnSpc>
+              <a:spcBef>
+                <a:spcPct val="0"/>
+              </a:spcBef>
+              <a:spcAft>
+                <a:spcPts val="2000"/>
+              </a:spcAft>
+              <a:buNone/>
+              <a:defRPr/>
+            </a:pPr>
+            <a:r>
+              <a:rPr lang="en-US" sz="4400" dirty="0">
+                <a:solidFill>
+                  <a:schemeClr val="bg2">
+                    <a:lumMod val="25000"/>
+                  </a:schemeClr>
+                </a:solidFill>
+                <a:latin typeface="Segoe UI Light" panose="020B0502040204020203" pitchFamily="34" charset="0"/>
+                <a:cs typeface="Segoe UI Light" panose="020B0502040204020203" pitchFamily="34" charset="0"/>
+              </a:rPr>
+              <a:t>&lt;book-an-event  event=“22”  use=“invoice” /&gt;</a:t>
+            </a:r>
+          </a:p>
+          <a:p>
+            <a:pPr marL="0" indent="0">
+              <a:lnSpc>
+                <a:spcPts val="4560"/>
+              </a:lnSpc>
+              <a:spcBef>
+                <a:spcPct val="0"/>
+              </a:spcBef>
+              <a:spcAft>
+                <a:spcPts val="2000"/>
+              </a:spcAft>
+              <a:buNone/>
+              <a:defRPr/>
+            </a:pPr>
+            <a:r>
+              <a:rPr lang="en-US" sz="4400" dirty="0">
+                <a:solidFill>
+                  <a:schemeClr val="bg2">
+                    <a:lumMod val="25000"/>
+                  </a:schemeClr>
+                </a:solidFill>
+                <a:latin typeface="Segoe UI Light" panose="020B0502040204020203" pitchFamily="34" charset="0"/>
+                <a:cs typeface="Segoe UI Light" panose="020B0502040204020203" pitchFamily="34" charset="0"/>
+              </a:rPr>
+              <a:t>&lt;show-flights  city=“LON”  when=“…”/&gt;</a:t>
+            </a:r>
+          </a:p>
+          <a:p>
+            <a:pPr marL="0" indent="0">
+              <a:lnSpc>
+                <a:spcPts val="4560"/>
+              </a:lnSpc>
+              <a:spcBef>
+                <a:spcPct val="0"/>
+              </a:spcBef>
+              <a:spcAft>
+                <a:spcPts val="2000"/>
+              </a:spcAft>
+              <a:buNone/>
+              <a:defRPr/>
+            </a:pPr>
+            <a:r>
+              <a:rPr lang="en-US" sz="4400" dirty="0">
+                <a:solidFill>
+                  <a:schemeClr val="bg2">
+                    <a:lumMod val="25000"/>
+                  </a:schemeClr>
+                </a:solidFill>
+                <a:latin typeface="Segoe UI Light" panose="020B0502040204020203" pitchFamily="34" charset="0"/>
+                <a:cs typeface="Segoe UI Light" panose="020B0502040204020203" pitchFamily="34" charset="0"/>
+              </a:rPr>
+              <a:t>&lt;list-hotels  min-stars=“3”  meals=“yes” /&gt;</a:t>
+            </a:r>
+            <a:endParaRPr lang="en-US" dirty="0">
+              <a:solidFill>
+                <a:schemeClr val="bg2">
+                  <a:lumMod val="25000"/>
+                </a:schemeClr>
+              </a:solidFill>
+              <a:latin typeface="Segoe UI Light" panose="020B0502040204020203" pitchFamily="34" charset="0"/>
+              <a:cs typeface="Segoe UI Light" panose="020B0502040204020203" pitchFamily="34" charset="0"/>
+            </a:endParaRPr>
+          </a:p>
+          <a:p>
+            <a:pPr marL="0" lvl="0" indent="0">
+              <a:lnSpc>
+                <a:spcPts val="4560"/>
+              </a:lnSpc>
+              <a:spcBef>
+                <a:spcPct val="0"/>
+              </a:spcBef>
+              <a:spcAft>
+                <a:spcPts val="2000"/>
+              </a:spcAft>
+              <a:buNone/>
+              <a:defRPr/>
+            </a:pPr>
+            <a:r>
+              <a:rPr lang="en-US" sz="4400" dirty="0">
+                <a:solidFill>
+                  <a:schemeClr val="bg2">
+                    <a:lumMod val="25000"/>
+                  </a:schemeClr>
+                </a:solidFill>
+                <a:latin typeface="Segoe UI Light" panose="020B0502040204020203" pitchFamily="34" charset="0"/>
+                <a:cs typeface="Segoe UI Light" panose="020B0502040204020203" pitchFamily="34" charset="0"/>
+              </a:rPr>
+              <a:t>Declarative rather than Imperative</a:t>
+            </a:r>
+          </a:p>
+          <a:p>
+            <a:pPr marL="0" lvl="0" indent="0">
+              <a:lnSpc>
+                <a:spcPts val="4560"/>
+              </a:lnSpc>
+              <a:spcBef>
+                <a:spcPct val="0"/>
+              </a:spcBef>
+              <a:spcAft>
+                <a:spcPts val="2000"/>
+              </a:spcAft>
+              <a:buNone/>
+              <a:defRPr/>
+            </a:pPr>
+            <a:endParaRPr lang="en-US" sz="3800" dirty="0">
+              <a:solidFill>
+                <a:schemeClr val="bg2">
+                  <a:lumMod val="25000"/>
+                </a:schemeClr>
+              </a:solidFill>
+              <a:latin typeface="Segoe UI Light" panose="020B0502040204020203" pitchFamily="34" charset="0"/>
+              <a:cs typeface="Segoe UI Light" panose="020B0502040204020203" pitchFamily="34" charset="0"/>
+            </a:endParaRPr>
+          </a:p>
+        </p:txBody>
+      </p:sp>
     </p:spTree>
     <p:extLst>
       <p:ext uri="{BB962C8B-B14F-4D97-AF65-F5344CB8AC3E}">
-        <p14:creationId xmlns:p14="http://schemas.microsoft.com/office/powerpoint/2010/main" val="2394239176"/>
+        <p14:creationId xmlns:p14="http://schemas.microsoft.com/office/powerpoint/2010/main" val="2907007641"/>
       </p:ext>
     </p:extLst>
   </p:cSld>
@@ -10484,7 +10991,7 @@
                 <a:latin typeface="Segoe UI Light" panose="020B0502040204020203" pitchFamily="34" charset="0"/>
                 <a:cs typeface="Segoe UI Light" panose="020B0502040204020203" pitchFamily="34" charset="0"/>
               </a:rPr>
-              <a:t>Pseudo code</a:t>
+              <a:t>Two Business Applications ( 2 )</a:t>
             </a:r>
           </a:p>
         </p:txBody>
@@ -10718,415 +11225,40 @@
           </a:p>
         </p:txBody>
       </p:sp>
-      <p:sp>
-        <p:nvSpPr>
-          <p:cNvPr id="36" name="Content Placeholder 17"/>
-          <p:cNvSpPr txBox="1">
-            <a:spLocks/>
-          </p:cNvSpPr>
+      <p:pic>
+        <p:nvPicPr>
+          <p:cNvPr id="3" name="Picture 2" descr="Text&#10;&#10;Description automatically generated">
+            <a:extLst>
+              <a:ext uri="{FF2B5EF4-FFF2-40B4-BE49-F238E27FC236}">
+                <a16:creationId xmlns:a16="http://schemas.microsoft.com/office/drawing/2014/main" id="{56C6BB9D-FC63-4790-8EAE-CA95B465DD86}"/>
+              </a:ext>
+            </a:extLst>
+          </p:cNvPr>
+          <p:cNvPicPr>
+            <a:picLocks noChangeAspect="1"/>
+          </p:cNvPicPr>
           <p:nvPr/>
-        </p:nvSpPr>
+        </p:nvPicPr>
+        <p:blipFill>
+          <a:blip r:embed="rId2"/>
+          <a:stretch>
+            <a:fillRect/>
+          </a:stretch>
+        </p:blipFill>
         <p:spPr>
           <a:xfrm>
-            <a:off x="541609" y="1176293"/>
-            <a:ext cx="11138263" cy="3968352"/>
+            <a:off x="639718" y="1455491"/>
+            <a:ext cx="11004297" cy="4976208"/>
           </a:xfrm>
           <a:prstGeom prst="rect">
             <a:avLst/>
           </a:prstGeom>
         </p:spPr>
-        <p:txBody>
-          <a:bodyPr vert="horz" lIns="91440" tIns="45720" rIns="91440" bIns="45720" rtlCol="0">
-            <a:noAutofit/>
-          </a:bodyPr>
-          <a:lstStyle>
-            <a:lvl1pPr marL="228600" indent="-228600" algn="l" defTabSz="914400" rtl="0" eaLnBrk="1" latinLnBrk="0" hangingPunct="1">
-              <a:lnSpc>
-                <a:spcPts val="1800"/>
-              </a:lnSpc>
-              <a:spcBef>
-                <a:spcPts val="1000"/>
-              </a:spcBef>
-              <a:spcAft>
-                <a:spcPts val="1000"/>
-              </a:spcAft>
-              <a:buFont typeface="Arial" panose="020B0604020202020204" pitchFamily="34" charset="0"/>
-              <a:buChar char="•"/>
-              <a:defRPr lang="en-US" sz="1200" kern="1200" smtClean="0">
-                <a:solidFill>
-                  <a:schemeClr val="tx1">
-                    <a:lumMod val="75000"/>
-                    <a:lumOff val="25000"/>
-                  </a:schemeClr>
-                </a:solidFill>
-                <a:latin typeface="+mn-lt"/>
-                <a:ea typeface="+mn-ea"/>
-                <a:cs typeface="+mn-cs"/>
-              </a:defRPr>
-            </a:lvl1pPr>
-            <a:lvl2pPr marL="685800" indent="-228600" algn="l" defTabSz="914400" rtl="0" eaLnBrk="1" latinLnBrk="0" hangingPunct="1">
-              <a:lnSpc>
-                <a:spcPts val="1800"/>
-              </a:lnSpc>
-              <a:spcBef>
-                <a:spcPts val="1000"/>
-              </a:spcBef>
-              <a:spcAft>
-                <a:spcPts val="1000"/>
-              </a:spcAft>
-              <a:buFont typeface="Arial" panose="020B0604020202020204" pitchFamily="34" charset="0"/>
-              <a:buChar char="•"/>
-              <a:defRPr lang="en-US" sz="1200" kern="1200" smtClean="0">
-                <a:solidFill>
-                  <a:schemeClr val="tx1">
-                    <a:lumMod val="75000"/>
-                    <a:lumOff val="25000"/>
-                  </a:schemeClr>
-                </a:solidFill>
-                <a:latin typeface="+mn-lt"/>
-                <a:ea typeface="+mn-ea"/>
-                <a:cs typeface="+mn-cs"/>
-              </a:defRPr>
-            </a:lvl2pPr>
-            <a:lvl3pPr marL="1143000" indent="-228600" algn="l" defTabSz="914400" rtl="0" eaLnBrk="1" latinLnBrk="0" hangingPunct="1">
-              <a:lnSpc>
-                <a:spcPts val="1800"/>
-              </a:lnSpc>
-              <a:spcBef>
-                <a:spcPts val="1000"/>
-              </a:spcBef>
-              <a:spcAft>
-                <a:spcPts val="1000"/>
-              </a:spcAft>
-              <a:buFont typeface="Arial" panose="020B0604020202020204" pitchFamily="34" charset="0"/>
-              <a:buChar char="•"/>
-              <a:defRPr lang="en-US" sz="1200" kern="1200" smtClean="0">
-                <a:solidFill>
-                  <a:schemeClr val="tx1">
-                    <a:lumMod val="75000"/>
-                    <a:lumOff val="25000"/>
-                  </a:schemeClr>
-                </a:solidFill>
-                <a:latin typeface="+mn-lt"/>
-                <a:ea typeface="+mn-ea"/>
-                <a:cs typeface="+mn-cs"/>
-              </a:defRPr>
-            </a:lvl3pPr>
-            <a:lvl4pPr marL="1600200" indent="-228600" algn="l" defTabSz="914400" rtl="0" eaLnBrk="1" latinLnBrk="0" hangingPunct="1">
-              <a:lnSpc>
-                <a:spcPts val="1800"/>
-              </a:lnSpc>
-              <a:spcBef>
-                <a:spcPts val="1000"/>
-              </a:spcBef>
-              <a:spcAft>
-                <a:spcPts val="1000"/>
-              </a:spcAft>
-              <a:buFont typeface="Arial" panose="020B0604020202020204" pitchFamily="34" charset="0"/>
-              <a:buChar char="•"/>
-              <a:defRPr lang="en-US" sz="1200" kern="1200" smtClean="0">
-                <a:solidFill>
-                  <a:schemeClr val="tx1">
-                    <a:lumMod val="75000"/>
-                    <a:lumOff val="25000"/>
-                  </a:schemeClr>
-                </a:solidFill>
-                <a:latin typeface="+mn-lt"/>
-                <a:ea typeface="+mn-ea"/>
-                <a:cs typeface="+mn-cs"/>
-              </a:defRPr>
-            </a:lvl4pPr>
-            <a:lvl5pPr marL="2057400" indent="-228600" algn="l" defTabSz="914400" rtl="0" eaLnBrk="1" latinLnBrk="0" hangingPunct="1">
-              <a:lnSpc>
-                <a:spcPts val="1800"/>
-              </a:lnSpc>
-              <a:spcBef>
-                <a:spcPts val="1000"/>
-              </a:spcBef>
-              <a:spcAft>
-                <a:spcPts val="1000"/>
-              </a:spcAft>
-              <a:buFont typeface="Arial" panose="020B0604020202020204" pitchFamily="34" charset="0"/>
-              <a:buChar char="•"/>
-              <a:defRPr lang="en-US" sz="1200" kern="1200">
-                <a:solidFill>
-                  <a:schemeClr val="tx1">
-                    <a:lumMod val="75000"/>
-                    <a:lumOff val="25000"/>
-                  </a:schemeClr>
-                </a:solidFill>
-                <a:latin typeface="+mn-lt"/>
-                <a:ea typeface="+mn-ea"/>
-                <a:cs typeface="+mn-cs"/>
-              </a:defRPr>
-            </a:lvl5pPr>
-            <a:lvl6pPr marL="2514600" indent="-228600" algn="l" defTabSz="914400" rtl="0" eaLnBrk="1" latinLnBrk="0" hangingPunct="1">
-              <a:lnSpc>
-                <a:spcPct val="90000"/>
-              </a:lnSpc>
-              <a:spcBef>
-                <a:spcPct val="30000"/>
-              </a:spcBef>
-              <a:buFont typeface="Arial" panose="020B0604020202020204" pitchFamily="34" charset="0"/>
-              <a:buChar char="•"/>
-              <a:defRPr sz="1800" kern="1200">
-                <a:solidFill>
-                  <a:schemeClr val="tx1"/>
-                </a:solidFill>
-                <a:latin typeface="+mn-lt"/>
-                <a:ea typeface="+mn-ea"/>
-                <a:cs typeface="+mn-cs"/>
-              </a:defRPr>
-            </a:lvl6pPr>
-            <a:lvl7pPr marL="2971800" indent="-228600" algn="l" defTabSz="914400" rtl="0" eaLnBrk="1" latinLnBrk="0" hangingPunct="1">
-              <a:lnSpc>
-                <a:spcPct val="90000"/>
-              </a:lnSpc>
-              <a:spcBef>
-                <a:spcPct val="30000"/>
-              </a:spcBef>
-              <a:buFont typeface="Arial" panose="020B0604020202020204" pitchFamily="34" charset="0"/>
-              <a:buChar char="•"/>
-              <a:defRPr sz="1800" kern="1200">
-                <a:solidFill>
-                  <a:schemeClr val="tx1"/>
-                </a:solidFill>
-                <a:latin typeface="+mn-lt"/>
-                <a:ea typeface="+mn-ea"/>
-                <a:cs typeface="+mn-cs"/>
-              </a:defRPr>
-            </a:lvl7pPr>
-            <a:lvl8pPr marL="3429000" indent="-228600" algn="l" defTabSz="914400" rtl="0" eaLnBrk="1" latinLnBrk="0" hangingPunct="1">
-              <a:lnSpc>
-                <a:spcPct val="90000"/>
-              </a:lnSpc>
-              <a:spcBef>
-                <a:spcPct val="30000"/>
-              </a:spcBef>
-              <a:buFont typeface="Arial" panose="020B0604020202020204" pitchFamily="34" charset="0"/>
-              <a:buChar char="•"/>
-              <a:defRPr sz="1800" kern="1200">
-                <a:solidFill>
-                  <a:schemeClr val="tx1"/>
-                </a:solidFill>
-                <a:latin typeface="+mn-lt"/>
-                <a:ea typeface="+mn-ea"/>
-                <a:cs typeface="+mn-cs"/>
-              </a:defRPr>
-            </a:lvl8pPr>
-            <a:lvl9pPr marL="3886200" indent="-228600" algn="l" defTabSz="914400" rtl="0" eaLnBrk="1" latinLnBrk="0" hangingPunct="1">
-              <a:lnSpc>
-                <a:spcPct val="90000"/>
-              </a:lnSpc>
-              <a:spcBef>
-                <a:spcPct val="30000"/>
-              </a:spcBef>
-              <a:buFont typeface="Arial" panose="020B0604020202020204" pitchFamily="34" charset="0"/>
-              <a:buChar char="•"/>
-              <a:defRPr sz="1800" kern="1200">
-                <a:solidFill>
-                  <a:schemeClr val="tx1"/>
-                </a:solidFill>
-                <a:latin typeface="+mn-lt"/>
-                <a:ea typeface="+mn-ea"/>
-                <a:cs typeface="+mn-cs"/>
-              </a:defRPr>
-            </a:lvl9pPr>
-          </a:lstStyle>
-          <a:p>
-            <a:pPr marL="457200" lvl="2" indent="0">
-              <a:lnSpc>
-                <a:spcPts val="4560"/>
-              </a:lnSpc>
-              <a:spcAft>
-                <a:spcPts val="1200"/>
-              </a:spcAft>
-              <a:buNone/>
-            </a:pPr>
-            <a:endParaRPr lang="en-GB" sz="3800" dirty="0">
-              <a:solidFill>
-                <a:schemeClr val="bg2">
-                  <a:lumMod val="25000"/>
-                </a:schemeClr>
-              </a:solidFill>
-              <a:latin typeface="Segoe UI Light" panose="020B0502040204020203" pitchFamily="34" charset="0"/>
-              <a:cs typeface="Segoe UI Light" panose="020B0502040204020203" pitchFamily="34" charset="0"/>
-            </a:endParaRPr>
-          </a:p>
-          <a:p>
-            <a:pPr marL="0" lvl="0" indent="0">
-              <a:lnSpc>
-                <a:spcPts val="4560"/>
-              </a:lnSpc>
-              <a:spcBef>
-                <a:spcPct val="0"/>
-              </a:spcBef>
-              <a:spcAft>
-                <a:spcPts val="2000"/>
-              </a:spcAft>
-              <a:buNone/>
-              <a:defRPr/>
-            </a:pPr>
-            <a:r>
-              <a:rPr lang="en-US" sz="4400" dirty="0">
-                <a:solidFill>
-                  <a:schemeClr val="bg2">
-                    <a:lumMod val="25000"/>
-                  </a:schemeClr>
-                </a:solidFill>
-                <a:latin typeface="Segoe UI Light" panose="020B0502040204020203" pitchFamily="34" charset="0"/>
-                <a:cs typeface="Segoe UI Light" panose="020B0502040204020203" pitchFamily="34" charset="0"/>
-              </a:rPr>
-              <a:t>&lt;list-conferences  tech=“JS” workshops=“yes”&gt;</a:t>
-            </a:r>
-          </a:p>
-          <a:p>
-            <a:pPr marL="0" lvl="0" indent="0">
-              <a:lnSpc>
-                <a:spcPts val="4560"/>
-              </a:lnSpc>
-              <a:spcBef>
-                <a:spcPct val="0"/>
-              </a:spcBef>
-              <a:spcAft>
-                <a:spcPts val="2000"/>
-              </a:spcAft>
-              <a:buNone/>
-              <a:defRPr/>
-            </a:pPr>
-            <a:r>
-              <a:rPr lang="en-US" sz="4400" dirty="0">
-                <a:solidFill>
-                  <a:schemeClr val="bg2">
-                    <a:lumMod val="25000"/>
-                  </a:schemeClr>
-                </a:solidFill>
-                <a:latin typeface="Segoe UI Light" panose="020B0502040204020203" pitchFamily="34" charset="0"/>
-                <a:cs typeface="Segoe UI Light" panose="020B0502040204020203" pitchFamily="34" charset="0"/>
-              </a:rPr>
-              <a:t>&lt;book-an-event  event=“22”  use=“invoice” /&gt;</a:t>
-            </a:r>
-          </a:p>
-          <a:p>
-            <a:pPr marL="0" indent="0">
-              <a:lnSpc>
-                <a:spcPts val="4560"/>
-              </a:lnSpc>
-              <a:spcBef>
-                <a:spcPct val="0"/>
-              </a:spcBef>
-              <a:spcAft>
-                <a:spcPts val="2000"/>
-              </a:spcAft>
-              <a:buNone/>
-              <a:defRPr/>
-            </a:pPr>
-            <a:r>
-              <a:rPr lang="en-US" sz="4400" dirty="0">
-                <a:solidFill>
-                  <a:schemeClr val="bg2">
-                    <a:lumMod val="25000"/>
-                  </a:schemeClr>
-                </a:solidFill>
-                <a:latin typeface="Segoe UI Light" panose="020B0502040204020203" pitchFamily="34" charset="0"/>
-                <a:cs typeface="Segoe UI Light" panose="020B0502040204020203" pitchFamily="34" charset="0"/>
-              </a:rPr>
-              <a:t>&lt;show-flights  city=“LON”  when=“…”/&gt;</a:t>
-            </a:r>
-          </a:p>
-          <a:p>
-            <a:pPr marL="0" indent="0">
-              <a:lnSpc>
-                <a:spcPts val="4560"/>
-              </a:lnSpc>
-              <a:spcBef>
-                <a:spcPct val="0"/>
-              </a:spcBef>
-              <a:spcAft>
-                <a:spcPts val="2000"/>
-              </a:spcAft>
-              <a:buNone/>
-              <a:defRPr/>
-            </a:pPr>
-            <a:r>
-              <a:rPr lang="en-US" sz="4400" dirty="0">
-                <a:solidFill>
-                  <a:schemeClr val="bg2">
-                    <a:lumMod val="25000"/>
-                  </a:schemeClr>
-                </a:solidFill>
-                <a:latin typeface="Segoe UI Light" panose="020B0502040204020203" pitchFamily="34" charset="0"/>
-                <a:cs typeface="Segoe UI Light" panose="020B0502040204020203" pitchFamily="34" charset="0"/>
-              </a:rPr>
-              <a:t>&lt;list-hotels  min-stars=“3”  meals=“yes” /&gt;</a:t>
-            </a:r>
-            <a:endParaRPr lang="en-US" dirty="0">
-              <a:solidFill>
-                <a:schemeClr val="bg2">
-                  <a:lumMod val="25000"/>
-                </a:schemeClr>
-              </a:solidFill>
-              <a:latin typeface="Segoe UI Light" panose="020B0502040204020203" pitchFamily="34" charset="0"/>
-              <a:cs typeface="Segoe UI Light" panose="020B0502040204020203" pitchFamily="34" charset="0"/>
-            </a:endParaRPr>
-          </a:p>
-          <a:p>
-            <a:pPr marL="0" lvl="0" indent="0">
-              <a:lnSpc>
-                <a:spcPts val="4560"/>
-              </a:lnSpc>
-              <a:spcBef>
-                <a:spcPct val="0"/>
-              </a:spcBef>
-              <a:spcAft>
-                <a:spcPts val="2000"/>
-              </a:spcAft>
-              <a:buNone/>
-              <a:defRPr/>
-            </a:pPr>
-            <a:r>
-              <a:rPr lang="en-US" sz="4400" dirty="0">
-                <a:solidFill>
-                  <a:schemeClr val="bg2">
-                    <a:lumMod val="25000"/>
-                  </a:schemeClr>
-                </a:solidFill>
-                <a:latin typeface="Segoe UI Light" panose="020B0502040204020203" pitchFamily="34" charset="0"/>
-                <a:cs typeface="Segoe UI Light" panose="020B0502040204020203" pitchFamily="34" charset="0"/>
-              </a:rPr>
-              <a:t>Declarative rather than Imperative</a:t>
-            </a:r>
-          </a:p>
-          <a:p>
-            <a:pPr marL="0" lvl="0" indent="0">
-              <a:lnSpc>
-                <a:spcPts val="4560"/>
-              </a:lnSpc>
-              <a:spcBef>
-                <a:spcPct val="0"/>
-              </a:spcBef>
-              <a:spcAft>
-                <a:spcPts val="2000"/>
-              </a:spcAft>
-              <a:buNone/>
-              <a:defRPr/>
-            </a:pPr>
-            <a:endParaRPr lang="en-US" sz="3800" dirty="0">
-              <a:solidFill>
-                <a:schemeClr val="bg2">
-                  <a:lumMod val="25000"/>
-                </a:schemeClr>
-              </a:solidFill>
-              <a:latin typeface="Segoe UI Light" panose="020B0502040204020203" pitchFamily="34" charset="0"/>
-              <a:cs typeface="Segoe UI Light" panose="020B0502040204020203" pitchFamily="34" charset="0"/>
-            </a:endParaRPr>
-          </a:p>
-        </p:txBody>
-      </p:sp>
+      </p:pic>
     </p:spTree>
     <p:extLst>
       <p:ext uri="{BB962C8B-B14F-4D97-AF65-F5344CB8AC3E}">
-        <p14:creationId xmlns:p14="http://schemas.microsoft.com/office/powerpoint/2010/main" val="2907007641"/>
+        <p14:creationId xmlns:p14="http://schemas.microsoft.com/office/powerpoint/2010/main" val="2394239176"/>
       </p:ext>
     </p:extLst>
   </p:cSld>
@@ -23410,8 +23542,8 @@
         </p:nvSpPr>
         <p:spPr>
           <a:xfrm>
-            <a:off x="699461" y="1037480"/>
-            <a:ext cx="10356444" cy="5250109"/>
+            <a:off x="716879" y="801297"/>
+            <a:ext cx="10356444" cy="5630402"/>
           </a:xfrm>
           <a:prstGeom prst="rect">
             <a:avLst/>
@@ -23705,8 +23837,28 @@
               <a:rPr lang="en-GB" sz="1800" dirty="0">
                 <a:latin typeface="Avenir Next LT Pro" panose="020B0504020202020204" pitchFamily="34" charset="0"/>
               </a:rPr>
-              <a:t>TALK: Web Components in WP, Gutenberg and as HTML plugins - WordCamp Northeast Ohio May 2021.</a:t>
+              <a:t>TALK: Web Components in WP, Gutenberg and as HTML plugins - WordCamp Northeast Ohio May 2021…some more scheduled on:</a:t>
             </a:r>
+          </a:p>
+          <a:p>
+            <a:pPr lvl="1">
+              <a:lnSpc>
+                <a:spcPts val="3000"/>
+              </a:lnSpc>
+            </a:pPr>
+            <a:endParaRPr lang="en-GB" sz="1800" dirty="0">
+              <a:latin typeface="Avenir Next LT Pro" panose="020B0504020202020204" pitchFamily="34" charset="0"/>
+            </a:endParaRPr>
+          </a:p>
+          <a:p>
+            <a:pPr lvl="1">
+              <a:lnSpc>
+                <a:spcPts val="3000"/>
+              </a:lnSpc>
+            </a:pPr>
+            <a:endParaRPr lang="en-GB" sz="1800" dirty="0">
+              <a:latin typeface="Avenir Next LT Pro" panose="020B0504020202020204" pitchFamily="34" charset="0"/>
+            </a:endParaRPr>
           </a:p>
           <a:p>
             <a:pPr marL="0" lvl="0" indent="0">
@@ -23729,6 +23881,48 @@
               <a:ea typeface="+mj-ea"/>
               <a:cs typeface="Segoe UI Light" panose="020B0502040204020203" pitchFamily="34" charset="0"/>
             </a:endParaRPr>
+          </a:p>
+        </p:txBody>
+      </p:sp>
+      <p:sp>
+        <p:nvSpPr>
+          <p:cNvPr id="5" name="TextBox 4">
+            <a:extLst>
+              <a:ext uri="{FF2B5EF4-FFF2-40B4-BE49-F238E27FC236}">
+                <a16:creationId xmlns:a16="http://schemas.microsoft.com/office/drawing/2014/main" id="{6A0992B3-34F9-4C16-842C-8972C5549156}"/>
+              </a:ext>
+            </a:extLst>
+          </p:cNvPr>
+          <p:cNvSpPr txBox="1"/>
+          <p:nvPr/>
+        </p:nvSpPr>
+        <p:spPr>
+          <a:xfrm>
+            <a:off x="1746068" y="6056703"/>
+            <a:ext cx="8699864" cy="456985"/>
+          </a:xfrm>
+          <a:prstGeom prst="rect">
+            <a:avLst/>
+          </a:prstGeom>
+          <a:noFill/>
+        </p:spPr>
+        <p:txBody>
+          <a:bodyPr wrap="square" rtlCol="0">
+            <a:spAutoFit/>
+          </a:bodyPr>
+          <a:lstStyle/>
+          <a:p>
+            <a:pPr lvl="1">
+              <a:lnSpc>
+                <a:spcPts val="3000"/>
+              </a:lnSpc>
+            </a:pPr>
+            <a:r>
+              <a:rPr lang="en-GB" sz="2400" dirty="0">
+                <a:latin typeface="Avenir Next LT Pro" panose="020B0504020202020204" pitchFamily="34" charset="0"/>
+              </a:rPr>
+              <a:t>WP REST API + WEB COMPONENTS =&gt; 100% INTERNET</a:t>
+            </a:r>
           </a:p>
         </p:txBody>
       </p:sp>
@@ -30578,8 +30772,8 @@
         </p:nvSpPr>
         <p:spPr>
           <a:xfrm>
-            <a:off x="5921829" y="4668779"/>
-            <a:ext cx="5643154" cy="640080"/>
+            <a:off x="5312229" y="4668779"/>
+            <a:ext cx="6252754" cy="640080"/>
           </a:xfrm>
           <a:prstGeom prst="roundRect">
             <a:avLst/>
@@ -30627,8 +30821,8 @@
         </p:nvSpPr>
         <p:spPr>
           <a:xfrm>
-            <a:off x="5921829" y="2215464"/>
-            <a:ext cx="5643154" cy="640080"/>
+            <a:off x="5312229" y="2215464"/>
+            <a:ext cx="6252754" cy="640080"/>
           </a:xfrm>
           <a:prstGeom prst="roundRect">
             <a:avLst/>
@@ -30676,8 +30870,8 @@
         </p:nvSpPr>
         <p:spPr>
           <a:xfrm>
-            <a:off x="5921829" y="5502512"/>
-            <a:ext cx="5643154" cy="640080"/>
+            <a:off x="5312229" y="5502512"/>
+            <a:ext cx="6252754" cy="640080"/>
           </a:xfrm>
           <a:prstGeom prst="roundRect">
             <a:avLst/>
@@ -30725,8 +30919,8 @@
         </p:nvSpPr>
         <p:spPr>
           <a:xfrm>
-            <a:off x="5921829" y="3022094"/>
-            <a:ext cx="5643154" cy="640080"/>
+            <a:off x="5312229" y="3022094"/>
+            <a:ext cx="6252754" cy="640080"/>
           </a:xfrm>
           <a:prstGeom prst="roundRect">
             <a:avLst/>
@@ -30755,7 +30949,7 @@
             <a:pPr algn="ctr"/>
             <a:r>
               <a:rPr lang="en-GB" sz="2000" dirty="0"/>
-              <a:t>Create highly functional components</a:t>
+              <a:t>Create highly functional components/Micro Apps</a:t>
             </a:r>
           </a:p>
         </p:txBody>
@@ -30774,8 +30968,8 @@
         </p:nvSpPr>
         <p:spPr>
           <a:xfrm>
-            <a:off x="5921829" y="1432452"/>
-            <a:ext cx="5643154" cy="640080"/>
+            <a:off x="5312229" y="1432452"/>
+            <a:ext cx="6252754" cy="640080"/>
           </a:xfrm>
           <a:prstGeom prst="roundRect">
             <a:avLst/>
@@ -30823,8 +31017,8 @@
         </p:nvSpPr>
         <p:spPr>
           <a:xfrm>
-            <a:off x="5921829" y="3828724"/>
-            <a:ext cx="5643154" cy="640080"/>
+            <a:off x="5312229" y="3828724"/>
+            <a:ext cx="6252754" cy="640080"/>
           </a:xfrm>
           <a:prstGeom prst="roundRect">
             <a:avLst/>
@@ -30886,8 +31080,8 @@
         </p:blipFill>
         <p:spPr>
           <a:xfrm>
-            <a:off x="1892050" y="1181813"/>
-            <a:ext cx="2067302" cy="2067302"/>
+            <a:off x="1997371" y="1091541"/>
+            <a:ext cx="1961981" cy="1961981"/>
           </a:xfrm>
           <a:prstGeom prst="rect">
             <a:avLst/>
@@ -30908,8 +31102,8 @@
         </p:nvSpPr>
         <p:spPr>
           <a:xfrm>
-            <a:off x="627017" y="3043049"/>
-            <a:ext cx="5059680" cy="3539430"/>
+            <a:off x="731520" y="2800310"/>
+            <a:ext cx="5059680" cy="3970318"/>
           </a:xfrm>
           <a:prstGeom prst="rect">
             <a:avLst/>
@@ -30924,7 +31118,7 @@
           <a:p>
             <a:r>
               <a:rPr lang="en-GB" sz="2800" dirty="0"/>
-              <a:t>A factory for you to start producing straight away with all the templates and eco system resources you will need after the course so that today you can focus on a global understanding.</a:t>
+              <a:t>A factory for you to start producing COMPONENTS straight away with all the templates and eco system resources you will need after the course so that today you can focus on a global understanding.</a:t>
             </a:r>
           </a:p>
           <a:p>
@@ -32513,7 +32707,7 @@
         <p:spPr>
           <a:xfrm>
             <a:off x="521207" y="334297"/>
-            <a:ext cx="6877119" cy="753839"/>
+            <a:ext cx="10451593" cy="753839"/>
           </a:xfrm>
         </p:spPr>
         <p:txBody>
@@ -32527,7 +32721,7 @@
                 <a:latin typeface="Segoe UI Light" panose="020B0502040204020203" pitchFamily="34" charset="0"/>
                 <a:cs typeface="Segoe UI Light" panose="020B0502040204020203" pitchFamily="34" charset="0"/>
               </a:rPr>
-              <a:t>In this talk…</a:t>
+              <a:t>In this talk…creating a context for the workshop</a:t>
             </a:r>
           </a:p>
         </p:txBody>
@@ -32785,7 +32979,7 @@
         </p:nvSpPr>
         <p:spPr>
           <a:xfrm>
-            <a:off x="6235338" y="1375955"/>
+            <a:off x="6235335" y="2659361"/>
             <a:ext cx="5146765" cy="844731"/>
           </a:xfrm>
           <a:prstGeom prst="roundRect">
@@ -32816,6 +33010,59 @@
             <a:r>
               <a:rPr lang="en-GB" sz="2800" dirty="0"/>
               <a:t>Useful links at end of slides…</a:t>
+            </a:r>
+          </a:p>
+        </p:txBody>
+      </p:sp>
+      <p:sp>
+        <p:nvSpPr>
+          <p:cNvPr id="6" name="Rectangle: Rounded Corners 5">
+            <a:extLst>
+              <a:ext uri="{FF2B5EF4-FFF2-40B4-BE49-F238E27FC236}">
+                <a16:creationId xmlns:a16="http://schemas.microsoft.com/office/drawing/2014/main" id="{D9452CE9-95F7-4E68-BB4D-4150DBA2A9D8}"/>
+              </a:ext>
+            </a:extLst>
+          </p:cNvPr>
+          <p:cNvSpPr/>
+          <p:nvPr/>
+        </p:nvSpPr>
+        <p:spPr>
+          <a:xfrm>
+            <a:off x="6235336" y="1353769"/>
+            <a:ext cx="5146765" cy="844731"/>
+          </a:xfrm>
+          <a:prstGeom prst="roundRect">
+            <a:avLst/>
+          </a:prstGeom>
+        </p:spPr>
+        <p:style>
+          <a:lnRef idx="2">
+            <a:schemeClr val="accent3">
+              <a:shade val="50000"/>
+            </a:schemeClr>
+          </a:lnRef>
+          <a:fillRef idx="1">
+            <a:schemeClr val="accent3"/>
+          </a:fillRef>
+          <a:effectRef idx="0">
+            <a:schemeClr val="accent3"/>
+          </a:effectRef>
+          <a:fontRef idx="minor">
+            <a:schemeClr val="lt1"/>
+          </a:fontRef>
+        </p:style>
+        <p:txBody>
+          <a:bodyPr rtlCol="0" anchor="ctr"/>
+          <a:lstStyle/>
+          <a:p>
+            <a:pPr algn="ctr"/>
+            <a:r>
+              <a:rPr lang="en-GB" sz="2800" dirty="0">
+                <a:solidFill>
+                  <a:srgbClr val="FF0000"/>
+                </a:solidFill>
+              </a:rPr>
+              <a:t>Not meant to be learning!</a:t>
             </a:r>
           </a:p>
         </p:txBody>
@@ -34011,15 +34258,6 @@
 </file>
 
 <file path=customXml/item1.xml><?xml version="1.0" encoding="utf-8"?>
-<p:properties xmlns:p="http://schemas.microsoft.com/office/2006/metadata/properties" xmlns:xsi="http://www.w3.org/2001/XMLSchema-instance" xmlns:pc="http://schemas.microsoft.com/office/infopath/2007/PartnerControls">
-  <documentManagement>
-    <Status xmlns="71af3243-3dd4-4a8d-8c0d-dd76da1f02a5">Not started</Status>
-    <MediaServiceKeyPoints xmlns="71af3243-3dd4-4a8d-8c0d-dd76da1f02a5" xsi:nil="true"/>
-  </documentManagement>
-</p:properties>
-</file>
-
-<file path=customXml/item2.xml><?xml version="1.0" encoding="utf-8"?>
 <?mso-contentType ?>
 <FormTemplates xmlns="http://schemas.microsoft.com/sharepoint/v3/contenttype/forms">
   <Display>DocumentLibraryForm</Display>
@@ -34028,7 +34266,7 @@
 </FormTemplates>
 </file>
 
-<file path=customXml/item3.xml><?xml version="1.0" encoding="utf-8"?>
+<file path=customXml/item2.xml><?xml version="1.0" encoding="utf-8"?>
 <ct:contentTypeSchema xmlns:ct="http://schemas.microsoft.com/office/2006/metadata/contentType" xmlns:ma="http://schemas.microsoft.com/office/2006/metadata/properties/metaAttributes" ct:_="" ma:_="" ma:contentTypeName="Document" ma:contentTypeID="0x01010079F111ED35F8CC479449609E8A0923A6" ma:contentTypeVersion="12" ma:contentTypeDescription="Create a new document." ma:contentTypeScope="" ma:versionID="a8a52e8c320b9a064ae3583ae3861c92">
   <xsd:schema xmlns:xsd="http://www.w3.org/2001/XMLSchema" xmlns:xs="http://www.w3.org/2001/XMLSchema" xmlns:p="http://schemas.microsoft.com/office/2006/metadata/properties" xmlns:ns2="71af3243-3dd4-4a8d-8c0d-dd76da1f02a5" xmlns:ns3="16c05727-aa75-4e4a-9b5f-8a80a1165891" targetNamespace="http://schemas.microsoft.com/office/2006/metadata/properties" ma:root="true" ma:fieldsID="88020cb39231a0945110f9cd888b521a" ns2:_="" ns3:_="">
     <xsd:import namespace="71af3243-3dd4-4a8d-8c0d-dd76da1f02a5"/>
@@ -34249,24 +34487,16 @@
 </ct:contentTypeSchema>
 </file>
 
-<file path=customXml/itemProps1.xml><?xml version="1.0" encoding="utf-8"?>
-<ds:datastoreItem xmlns:ds="http://schemas.openxmlformats.org/officeDocument/2006/customXml" ds:itemID="{950072C5-DDE0-4258-BA7A-4D4B80DFA632}">
-  <ds:schemaRefs>
-    <ds:schemaRef ds:uri="http://purl.org/dc/terms/"/>
-    <ds:schemaRef ds:uri="http://www.w3.org/XML/1998/namespace"/>
-    <ds:schemaRef ds:uri="71af3243-3dd4-4a8d-8c0d-dd76da1f02a5"/>
-    <ds:schemaRef ds:uri="http://schemas.microsoft.com/office/2006/documentManagement/types"/>
-    <ds:schemaRef ds:uri="http://purl.org/dc/elements/1.1/"/>
-    <ds:schemaRef ds:uri="http://schemas.microsoft.com/office/infopath/2007/PartnerControls"/>
-    <ds:schemaRef ds:uri="http://schemas.openxmlformats.org/package/2006/metadata/core-properties"/>
-    <ds:schemaRef ds:uri="16c05727-aa75-4e4a-9b5f-8a80a1165891"/>
-    <ds:schemaRef ds:uri="http://schemas.microsoft.com/office/2006/metadata/properties"/>
-    <ds:schemaRef ds:uri="http://purl.org/dc/dcmitype/"/>
-  </ds:schemaRefs>
-</ds:datastoreItem>
+<file path=customXml/item3.xml><?xml version="1.0" encoding="utf-8"?>
+<p:properties xmlns:p="http://schemas.microsoft.com/office/2006/metadata/properties" xmlns:xsi="http://www.w3.org/2001/XMLSchema-instance" xmlns:pc="http://schemas.microsoft.com/office/infopath/2007/PartnerControls">
+  <documentManagement>
+    <Status xmlns="71af3243-3dd4-4a8d-8c0d-dd76da1f02a5">Not started</Status>
+    <MediaServiceKeyPoints xmlns="71af3243-3dd4-4a8d-8c0d-dd76da1f02a5" xsi:nil="true"/>
+  </documentManagement>
+</p:properties>
 </file>
 
-<file path=customXml/itemProps2.xml><?xml version="1.0" encoding="utf-8"?>
+<file path=customXml/itemProps1.xml><?xml version="1.0" encoding="utf-8"?>
 <ds:datastoreItem xmlns:ds="http://schemas.openxmlformats.org/officeDocument/2006/customXml" ds:itemID="{7EE8C63A-4744-4DE4-BB49-0FF0B5375C60}">
   <ds:schemaRefs>
     <ds:schemaRef ds:uri="http://schemas.microsoft.com/sharepoint/v3/contenttype/forms"/>
@@ -34274,7 +34504,7 @@
 </ds:datastoreItem>
 </file>
 
-<file path=customXml/itemProps3.xml><?xml version="1.0" encoding="utf-8"?>
+<file path=customXml/itemProps2.xml><?xml version="1.0" encoding="utf-8"?>
 <ds:datastoreItem xmlns:ds="http://schemas.openxmlformats.org/officeDocument/2006/customXml" ds:itemID="{FD7FC771-7DFE-49DA-B577-71181BFBCB2E}">
   <ds:schemaRefs>
     <ds:schemaRef ds:uri="http://schemas.microsoft.com/office/2006/metadata/contentType"/>
@@ -34291,4 +34521,21 @@
     <ds:schemaRef ds:uri="http://schemas.microsoft.com/internal/obd"/>
   </ds:schemaRefs>
 </ds:datastoreItem>
+</file>
+
+<file path=customXml/itemProps3.xml><?xml version="1.0" encoding="utf-8"?>
+<ds:datastoreItem xmlns:ds="http://schemas.openxmlformats.org/officeDocument/2006/customXml" ds:itemID="{950072C5-DDE0-4258-BA7A-4D4B80DFA632}">
+  <ds:schemaRefs>
+    <ds:schemaRef ds:uri="http://purl.org/dc/elements/1.1/"/>
+    <ds:schemaRef ds:uri="http://schemas.openxmlformats.org/package/2006/metadata/core-properties"/>
+    <ds:schemaRef ds:uri="http://schemas.microsoft.com/office/2006/documentManagement/types"/>
+    <ds:schemaRef ds:uri="http://schemas.microsoft.com/office/infopath/2007/PartnerControls"/>
+    <ds:schemaRef ds:uri="http://schemas.microsoft.com/office/2006/metadata/properties"/>
+    <ds:schemaRef ds:uri="71af3243-3dd4-4a8d-8c0d-dd76da1f02a5"/>
+    <ds:schemaRef ds:uri="http://purl.org/dc/dcmitype/"/>
+    <ds:schemaRef ds:uri="16c05727-aa75-4e4a-9b5f-8a80a1165891"/>
+    <ds:schemaRef ds:uri="http://www.w3.org/XML/1998/namespace"/>
+    <ds:schemaRef ds:uri="http://purl.org/dc/terms/"/>
+  </ds:schemaRefs>
+</ds:datastoreItem>
 </file>
--- a/SLIDES/ndc-web-components.pptx
+++ b/SLIDES/ndc-web-components.pptx
@@ -3262,30 +3262,18 @@
                 <a:latin typeface="Segoe UI" panose="020B0502040204020203" pitchFamily="34" charset="0"/>
                 <a:cs typeface="Segoe UI" panose="020B0502040204020203" pitchFamily="34" charset="0"/>
               </a:rPr>
-              <a:t>Talk resources and slides at:</a:t>
+              <a:t>All talk resources, apps and slides provided.</a:t>
             </a:r>
-            <a:endParaRPr lang="en-US" dirty="0">
+            <a:endParaRPr lang="en-US" sz="5400" dirty="0">
               <a:latin typeface="Segoe UI" panose="020B0502040204020203" pitchFamily="34" charset="0"/>
               <a:cs typeface="Segoe UI" panose="020B0502040204020203" pitchFamily="34" charset="0"/>
             </a:endParaRPr>
           </a:p>
           <a:p>
-            <a:pPr marL="457200" lvl="1" indent="0" algn="ctr">
-              <a:buNone/>
-            </a:pPr>
-            <a:endParaRPr lang="en-GB" sz="4800" dirty="0">
-              <a:solidFill>
-                <a:schemeClr val="bg2">
-                  <a:lumMod val="25000"/>
-                </a:schemeClr>
-              </a:solidFill>
-              <a:latin typeface="Segoe UI Light" panose="020B0502040204020203" pitchFamily="34" charset="0"/>
-              <a:ea typeface="+mj-ea"/>
-              <a:cs typeface="Segoe UI Light" panose="020B0502040204020203" pitchFamily="34" charset="0"/>
-            </a:endParaRPr>
-          </a:p>
-          <a:p>
-            <a:pPr marL="457200" lvl="1" indent="0" algn="ctr">
+            <a:pPr marL="457200" lvl="1" indent="0">
+              <a:lnSpc>
+                <a:spcPts val="4000"/>
+              </a:lnSpc>
               <a:spcAft>
                 <a:spcPts val="600"/>
               </a:spcAft>
@@ -3293,52 +3281,17 @@
               <a:defRPr/>
             </a:pPr>
             <a:r>
-              <a:rPr lang="en-US" sz="5400" b="1" dirty="0">
+              <a:rPr lang="en-US" sz="4000" dirty="0">
                 <a:latin typeface="Segoe UI" panose="020B0502040204020203" pitchFamily="34" charset="0"/>
                 <a:cs typeface="Segoe UI" panose="020B0502040204020203" pitchFamily="34" charset="0"/>
               </a:rPr>
-              <a:t>https://wpjs.co.uk/ndc</a:t>
+              <a:t>Everything scaffolded  out – break and repair approach!</a:t>
             </a:r>
           </a:p>
           <a:p>
             <a:pPr marL="457200" lvl="1" indent="0">
               <a:lnSpc>
-                <a:spcPts val="2500"/>
-              </a:lnSpc>
-              <a:spcAft>
-                <a:spcPts val="600"/>
-              </a:spcAft>
-              <a:buNone/>
-              <a:defRPr/>
-            </a:pPr>
-            <a:endParaRPr lang="en-US" sz="5400" dirty="0">
-              <a:latin typeface="Segoe UI" panose="020B0502040204020203" pitchFamily="34" charset="0"/>
-              <a:cs typeface="Segoe UI" panose="020B0502040204020203" pitchFamily="34" charset="0"/>
-            </a:endParaRPr>
-          </a:p>
-          <a:p>
-            <a:pPr marL="457200" lvl="1" indent="0">
-              <a:lnSpc>
-                <a:spcPts val="2500"/>
-              </a:lnSpc>
-              <a:spcAft>
-                <a:spcPts val="600"/>
-              </a:spcAft>
-              <a:buNone/>
-              <a:defRPr/>
-            </a:pPr>
-            <a:r>
-              <a:rPr lang="en-US" sz="2000" dirty="0">
-                <a:latin typeface="Segoe UI" panose="020B0502040204020203" pitchFamily="34" charset="0"/>
-                <a:cs typeface="Segoe UI" panose="020B0502040204020203" pitchFamily="34" charset="0"/>
-              </a:rPr>
-              <a:t>The demo repo in this talk is a set of lessons on Vanilla JS Web Components and there YouTube videos in my channel.</a:t>
-            </a:r>
-          </a:p>
-          <a:p>
-            <a:pPr marL="457200" lvl="1" indent="0">
-              <a:lnSpc>
-                <a:spcPts val="2500"/>
+                <a:spcPts val="4000"/>
               </a:lnSpc>
               <a:spcAft>
                 <a:spcPts val="600"/>
@@ -3356,7 +3309,31 @@
                 <a:latin typeface="Segoe UI" panose="020B0502040204020203" pitchFamily="34" charset="0"/>
                 <a:cs typeface="Segoe UI" panose="020B0502040204020203" pitchFamily="34" charset="0"/>
               </a:rPr>
-              <a:t>Feel free to ask questions in chat as we go along…</a:t>
+              <a:t>Feel free to raise your hand, ask questions in chat </a:t>
+            </a:r>
+            <a:r>
+              <a:rPr lang="en-US" sz="2800" i="1">
+                <a:solidFill>
+                  <a:schemeClr val="accent6">
+                    <a:lumMod val="75000"/>
+                  </a:schemeClr>
+                </a:solidFill>
+                <a:latin typeface="Segoe UI" panose="020B0502040204020203" pitchFamily="34" charset="0"/>
+                <a:cs typeface="Segoe UI" panose="020B0502040204020203" pitchFamily="34" charset="0"/>
+              </a:rPr>
+              <a:t>or interject  </a:t>
+            </a:r>
+            <a:r>
+              <a:rPr lang="en-US" sz="2800" i="1" dirty="0">
+                <a:solidFill>
+                  <a:schemeClr val="accent6">
+                    <a:lumMod val="75000"/>
+                  </a:schemeClr>
+                </a:solidFill>
+                <a:latin typeface="Segoe UI" panose="020B0502040204020203" pitchFamily="34" charset="0"/>
+                <a:cs typeface="Segoe UI" panose="020B0502040204020203" pitchFamily="34" charset="0"/>
+              </a:rPr>
+              <a:t>as we go along…let’s make it an interactive and connected workshop.</a:t>
             </a:r>
           </a:p>
           <a:p>
@@ -4941,8 +4918,8 @@
         </p:nvSpPr>
         <p:spPr>
           <a:xfrm>
-            <a:off x="6235335" y="2659361"/>
-            <a:ext cx="5146765" cy="844731"/>
+            <a:off x="5416731" y="2659361"/>
+            <a:ext cx="5965369" cy="844731"/>
           </a:xfrm>
           <a:prstGeom prst="roundRect">
             <a:avLst/>
@@ -4990,8 +4967,8 @@
         </p:nvSpPr>
         <p:spPr>
           <a:xfrm>
-            <a:off x="6235336" y="1353769"/>
-            <a:ext cx="5146765" cy="844731"/>
+            <a:off x="5416731" y="1353769"/>
+            <a:ext cx="5965369" cy="844731"/>
           </a:xfrm>
           <a:prstGeom prst="roundRect">
             <a:avLst/>
@@ -5024,7 +5001,7 @@
                   <a:srgbClr val="FF0000"/>
                 </a:solidFill>
               </a:rPr>
-              <a:t>Not meant to be learning!</a:t>
+              <a:t>This talk not meant to be learning!</a:t>
             </a:r>
           </a:p>
         </p:txBody>
@@ -35299,15 +35276,6 @@
 </file>
 
 <file path=customXml/item1.xml><?xml version="1.0" encoding="utf-8"?>
-<?mso-contentType ?>
-<FormTemplates xmlns="http://schemas.microsoft.com/sharepoint/v3/contenttype/forms">
-  <Display>DocumentLibraryForm</Display>
-  <Edit>DocumentLibraryForm</Edit>
-  <New>DocumentLibraryForm</New>
-</FormTemplates>
-</file>
-
-<file path=customXml/item2.xml><?xml version="1.0" encoding="utf-8"?>
 <ct:contentTypeSchema xmlns:ct="http://schemas.microsoft.com/office/2006/metadata/contentType" xmlns:ma="http://schemas.microsoft.com/office/2006/metadata/properties/metaAttributes" ct:_="" ma:_="" ma:contentTypeName="Document" ma:contentTypeID="0x01010079F111ED35F8CC479449609E8A0923A6" ma:contentTypeVersion="12" ma:contentTypeDescription="Create a new document." ma:contentTypeScope="" ma:versionID="a8a52e8c320b9a064ae3583ae3861c92">
   <xsd:schema xmlns:xsd="http://www.w3.org/2001/XMLSchema" xmlns:xs="http://www.w3.org/2001/XMLSchema" xmlns:p="http://schemas.microsoft.com/office/2006/metadata/properties" xmlns:ns2="71af3243-3dd4-4a8d-8c0d-dd76da1f02a5" xmlns:ns3="16c05727-aa75-4e4a-9b5f-8a80a1165891" targetNamespace="http://schemas.microsoft.com/office/2006/metadata/properties" ma:root="true" ma:fieldsID="88020cb39231a0945110f9cd888b521a" ns2:_="" ns3:_="">
     <xsd:import namespace="71af3243-3dd4-4a8d-8c0d-dd76da1f02a5"/>
@@ -35528,7 +35496,7 @@
 </ct:contentTypeSchema>
 </file>
 
-<file path=customXml/item3.xml><?xml version="1.0" encoding="utf-8"?>
+<file path=customXml/item2.xml><?xml version="1.0" encoding="utf-8"?>
 <p:properties xmlns:p="http://schemas.microsoft.com/office/2006/metadata/properties" xmlns:xsi="http://www.w3.org/2001/XMLSchema-instance" xmlns:pc="http://schemas.microsoft.com/office/infopath/2007/PartnerControls">
   <documentManagement>
     <Status xmlns="71af3243-3dd4-4a8d-8c0d-dd76da1f02a5">Not started</Status>
@@ -35537,15 +35505,16 @@
 </p:properties>
 </file>
 
-<file path=customXml/itemProps1.xml><?xml version="1.0" encoding="utf-8"?>
-<ds:datastoreItem xmlns:ds="http://schemas.openxmlformats.org/officeDocument/2006/customXml" ds:itemID="{7EE8C63A-4744-4DE4-BB49-0FF0B5375C60}">
-  <ds:schemaRefs>
-    <ds:schemaRef ds:uri="http://schemas.microsoft.com/sharepoint/v3/contenttype/forms"/>
-  </ds:schemaRefs>
-</ds:datastoreItem>
+<file path=customXml/item3.xml><?xml version="1.0" encoding="utf-8"?>
+<?mso-contentType ?>
+<FormTemplates xmlns="http://schemas.microsoft.com/sharepoint/v3/contenttype/forms">
+  <Display>DocumentLibraryForm</Display>
+  <Edit>DocumentLibraryForm</Edit>
+  <New>DocumentLibraryForm</New>
+</FormTemplates>
 </file>
 
-<file path=customXml/itemProps2.xml><?xml version="1.0" encoding="utf-8"?>
+<file path=customXml/itemProps1.xml><?xml version="1.0" encoding="utf-8"?>
 <ds:datastoreItem xmlns:ds="http://schemas.openxmlformats.org/officeDocument/2006/customXml" ds:itemID="{FD7FC771-7DFE-49DA-B577-71181BFBCB2E}">
   <ds:schemaRefs>
     <ds:schemaRef ds:uri="http://schemas.microsoft.com/office/2006/metadata/contentType"/>
@@ -35564,7 +35533,7 @@
 </ds:datastoreItem>
 </file>
 
-<file path=customXml/itemProps3.xml><?xml version="1.0" encoding="utf-8"?>
+<file path=customXml/itemProps2.xml><?xml version="1.0" encoding="utf-8"?>
 <ds:datastoreItem xmlns:ds="http://schemas.openxmlformats.org/officeDocument/2006/customXml" ds:itemID="{950072C5-DDE0-4258-BA7A-4D4B80DFA632}">
   <ds:schemaRefs>
     <ds:schemaRef ds:uri="http://purl.org/dc/elements/1.1/"/>
@@ -35579,4 +35548,12 @@
     <ds:schemaRef ds:uri="http://purl.org/dc/terms/"/>
   </ds:schemaRefs>
 </ds:datastoreItem>
+</file>
+
+<file path=customXml/itemProps3.xml><?xml version="1.0" encoding="utf-8"?>
+<ds:datastoreItem xmlns:ds="http://schemas.openxmlformats.org/officeDocument/2006/customXml" ds:itemID="{7EE8C63A-4744-4DE4-BB49-0FF0B5375C60}">
+  <ds:schemaRefs>
+    <ds:schemaRef ds:uri="http://schemas.microsoft.com/sharepoint/v3/contenttype/forms"/>
+  </ds:schemaRefs>
+</ds:datastoreItem>
 </file>
--- a/SLIDES/ndc-web-components.pptx
+++ b/SLIDES/ndc-web-components.pptx
@@ -5,10 +5,10 @@
     <p:sldMasterId id="2147483660" r:id="rId4"/>
   </p:sldMasterIdLst>
   <p:notesMasterIdLst>
-    <p:notesMasterId r:id="rId56"/>
+    <p:notesMasterId r:id="rId57"/>
   </p:notesMasterIdLst>
   <p:handoutMasterIdLst>
-    <p:handoutMasterId r:id="rId57"/>
+    <p:handoutMasterId r:id="rId58"/>
   </p:handoutMasterIdLst>
   <p:sldIdLst>
     <p:sldId id="286" r:id="rId5"/>
@@ -42,26 +42,27 @@
     <p:sldId id="369" r:id="rId33"/>
     <p:sldId id="352" r:id="rId34"/>
     <p:sldId id="356" r:id="rId35"/>
-    <p:sldId id="358" r:id="rId36"/>
-    <p:sldId id="373" r:id="rId37"/>
-    <p:sldId id="359" r:id="rId38"/>
-    <p:sldId id="357" r:id="rId39"/>
-    <p:sldId id="360" r:id="rId40"/>
-    <p:sldId id="355" r:id="rId41"/>
-    <p:sldId id="379" r:id="rId42"/>
-    <p:sldId id="367" r:id="rId43"/>
-    <p:sldId id="371" r:id="rId44"/>
-    <p:sldId id="378" r:id="rId45"/>
-    <p:sldId id="377" r:id="rId46"/>
-    <p:sldId id="354" r:id="rId47"/>
-    <p:sldId id="381" r:id="rId48"/>
-    <p:sldId id="361" r:id="rId49"/>
-    <p:sldId id="362" r:id="rId50"/>
-    <p:sldId id="353" r:id="rId51"/>
-    <p:sldId id="363" r:id="rId52"/>
-    <p:sldId id="364" r:id="rId53"/>
-    <p:sldId id="365" r:id="rId54"/>
-    <p:sldId id="366" r:id="rId55"/>
+    <p:sldId id="391" r:id="rId36"/>
+    <p:sldId id="358" r:id="rId37"/>
+    <p:sldId id="373" r:id="rId38"/>
+    <p:sldId id="359" r:id="rId39"/>
+    <p:sldId id="357" r:id="rId40"/>
+    <p:sldId id="360" r:id="rId41"/>
+    <p:sldId id="355" r:id="rId42"/>
+    <p:sldId id="379" r:id="rId43"/>
+    <p:sldId id="367" r:id="rId44"/>
+    <p:sldId id="371" r:id="rId45"/>
+    <p:sldId id="378" r:id="rId46"/>
+    <p:sldId id="377" r:id="rId47"/>
+    <p:sldId id="354" r:id="rId48"/>
+    <p:sldId id="381" r:id="rId49"/>
+    <p:sldId id="361" r:id="rId50"/>
+    <p:sldId id="362" r:id="rId51"/>
+    <p:sldId id="353" r:id="rId52"/>
+    <p:sldId id="363" r:id="rId53"/>
+    <p:sldId id="364" r:id="rId54"/>
+    <p:sldId id="365" r:id="rId55"/>
+    <p:sldId id="366" r:id="rId56"/>
   </p:sldIdLst>
   <p:sldSz cx="12192000" cy="6858000"/>
   <p:notesSz cx="6858000" cy="9144000"/>
@@ -200,6 +201,7 @@
             <p14:sldId id="369"/>
             <p14:sldId id="352"/>
             <p14:sldId id="356"/>
+            <p14:sldId id="391"/>
             <p14:sldId id="358"/>
             <p14:sldId id="373"/>
             <p14:sldId id="359"/>
@@ -19506,6 +19508,649 @@
                 <a:latin typeface="Segoe UI Light" panose="020B0502040204020203" pitchFamily="34" charset="0"/>
                 <a:cs typeface="Segoe UI Light" panose="020B0502040204020203" pitchFamily="34" charset="0"/>
               </a:rPr>
+              <a:t>Useful references</a:t>
+            </a:r>
+          </a:p>
+        </p:txBody>
+      </p:sp>
+      <p:sp>
+        <p:nvSpPr>
+          <p:cNvPr id="25" name="Content Placeholder 17"/>
+          <p:cNvSpPr txBox="1">
+            <a:spLocks/>
+          </p:cNvSpPr>
+          <p:nvPr/>
+        </p:nvSpPr>
+        <p:spPr>
+          <a:xfrm>
+            <a:off x="541609" y="1455491"/>
+            <a:ext cx="5110161" cy="471149"/>
+          </a:xfrm>
+          <a:prstGeom prst="rect">
+            <a:avLst/>
+          </a:prstGeom>
+        </p:spPr>
+        <p:txBody>
+          <a:bodyPr vert="horz" lIns="91440" tIns="45720" rIns="91440" bIns="45720" rtlCol="0">
+            <a:normAutofit/>
+          </a:bodyPr>
+          <a:lstStyle>
+            <a:lvl1pPr marL="228600" indent="-228600" algn="l" defTabSz="914400" rtl="0" eaLnBrk="1" latinLnBrk="0" hangingPunct="1">
+              <a:lnSpc>
+                <a:spcPts val="1800"/>
+              </a:lnSpc>
+              <a:spcBef>
+                <a:spcPts val="1000"/>
+              </a:spcBef>
+              <a:spcAft>
+                <a:spcPts val="1000"/>
+              </a:spcAft>
+              <a:buFont typeface="Arial" panose="020B0604020202020204" pitchFamily="34" charset="0"/>
+              <a:buChar char="•"/>
+              <a:defRPr lang="en-US" sz="1200" kern="1200" smtClean="0">
+                <a:solidFill>
+                  <a:schemeClr val="tx1">
+                    <a:lumMod val="75000"/>
+                    <a:lumOff val="25000"/>
+                  </a:schemeClr>
+                </a:solidFill>
+                <a:latin typeface="+mn-lt"/>
+                <a:ea typeface="+mn-ea"/>
+                <a:cs typeface="+mn-cs"/>
+              </a:defRPr>
+            </a:lvl1pPr>
+            <a:lvl2pPr marL="685800" indent="-228600" algn="l" defTabSz="914400" rtl="0" eaLnBrk="1" latinLnBrk="0" hangingPunct="1">
+              <a:lnSpc>
+                <a:spcPts val="1800"/>
+              </a:lnSpc>
+              <a:spcBef>
+                <a:spcPts val="1000"/>
+              </a:spcBef>
+              <a:spcAft>
+                <a:spcPts val="1000"/>
+              </a:spcAft>
+              <a:buFont typeface="Arial" panose="020B0604020202020204" pitchFamily="34" charset="0"/>
+              <a:buChar char="•"/>
+              <a:defRPr lang="en-US" sz="1200" kern="1200" smtClean="0">
+                <a:solidFill>
+                  <a:schemeClr val="tx1">
+                    <a:lumMod val="75000"/>
+                    <a:lumOff val="25000"/>
+                  </a:schemeClr>
+                </a:solidFill>
+                <a:latin typeface="+mn-lt"/>
+                <a:ea typeface="+mn-ea"/>
+                <a:cs typeface="+mn-cs"/>
+              </a:defRPr>
+            </a:lvl2pPr>
+            <a:lvl3pPr marL="1143000" indent="-228600" algn="l" defTabSz="914400" rtl="0" eaLnBrk="1" latinLnBrk="0" hangingPunct="1">
+              <a:lnSpc>
+                <a:spcPts val="1800"/>
+              </a:lnSpc>
+              <a:spcBef>
+                <a:spcPts val="1000"/>
+              </a:spcBef>
+              <a:spcAft>
+                <a:spcPts val="1000"/>
+              </a:spcAft>
+              <a:buFont typeface="Arial" panose="020B0604020202020204" pitchFamily="34" charset="0"/>
+              <a:buChar char="•"/>
+              <a:defRPr lang="en-US" sz="1200" kern="1200" smtClean="0">
+                <a:solidFill>
+                  <a:schemeClr val="tx1">
+                    <a:lumMod val="75000"/>
+                    <a:lumOff val="25000"/>
+                  </a:schemeClr>
+                </a:solidFill>
+                <a:latin typeface="+mn-lt"/>
+                <a:ea typeface="+mn-ea"/>
+                <a:cs typeface="+mn-cs"/>
+              </a:defRPr>
+            </a:lvl3pPr>
+            <a:lvl4pPr marL="1600200" indent="-228600" algn="l" defTabSz="914400" rtl="0" eaLnBrk="1" latinLnBrk="0" hangingPunct="1">
+              <a:lnSpc>
+                <a:spcPts val="1800"/>
+              </a:lnSpc>
+              <a:spcBef>
+                <a:spcPts val="1000"/>
+              </a:spcBef>
+              <a:spcAft>
+                <a:spcPts val="1000"/>
+              </a:spcAft>
+              <a:buFont typeface="Arial" panose="020B0604020202020204" pitchFamily="34" charset="0"/>
+              <a:buChar char="•"/>
+              <a:defRPr lang="en-US" sz="1200" kern="1200" smtClean="0">
+                <a:solidFill>
+                  <a:schemeClr val="tx1">
+                    <a:lumMod val="75000"/>
+                    <a:lumOff val="25000"/>
+                  </a:schemeClr>
+                </a:solidFill>
+                <a:latin typeface="+mn-lt"/>
+                <a:ea typeface="+mn-ea"/>
+                <a:cs typeface="+mn-cs"/>
+              </a:defRPr>
+            </a:lvl4pPr>
+            <a:lvl5pPr marL="2057400" indent="-228600" algn="l" defTabSz="914400" rtl="0" eaLnBrk="1" latinLnBrk="0" hangingPunct="1">
+              <a:lnSpc>
+                <a:spcPts val="1800"/>
+              </a:lnSpc>
+              <a:spcBef>
+                <a:spcPts val="1000"/>
+              </a:spcBef>
+              <a:spcAft>
+                <a:spcPts val="1000"/>
+              </a:spcAft>
+              <a:buFont typeface="Arial" panose="020B0604020202020204" pitchFamily="34" charset="0"/>
+              <a:buChar char="•"/>
+              <a:defRPr lang="en-US" sz="1200" kern="1200">
+                <a:solidFill>
+                  <a:schemeClr val="tx1">
+                    <a:lumMod val="75000"/>
+                    <a:lumOff val="25000"/>
+                  </a:schemeClr>
+                </a:solidFill>
+                <a:latin typeface="+mn-lt"/>
+                <a:ea typeface="+mn-ea"/>
+                <a:cs typeface="+mn-cs"/>
+              </a:defRPr>
+            </a:lvl5pPr>
+            <a:lvl6pPr marL="2514600" indent="-228600" algn="l" defTabSz="914400" rtl="0" eaLnBrk="1" latinLnBrk="0" hangingPunct="1">
+              <a:lnSpc>
+                <a:spcPct val="90000"/>
+              </a:lnSpc>
+              <a:spcBef>
+                <a:spcPct val="30000"/>
+              </a:spcBef>
+              <a:buFont typeface="Arial" panose="020B0604020202020204" pitchFamily="34" charset="0"/>
+              <a:buChar char="•"/>
+              <a:defRPr sz="1800" kern="1200">
+                <a:solidFill>
+                  <a:schemeClr val="tx1"/>
+                </a:solidFill>
+                <a:latin typeface="+mn-lt"/>
+                <a:ea typeface="+mn-ea"/>
+                <a:cs typeface="+mn-cs"/>
+              </a:defRPr>
+            </a:lvl6pPr>
+            <a:lvl7pPr marL="2971800" indent="-228600" algn="l" defTabSz="914400" rtl="0" eaLnBrk="1" latinLnBrk="0" hangingPunct="1">
+              <a:lnSpc>
+                <a:spcPct val="90000"/>
+              </a:lnSpc>
+              <a:spcBef>
+                <a:spcPct val="30000"/>
+              </a:spcBef>
+              <a:buFont typeface="Arial" panose="020B0604020202020204" pitchFamily="34" charset="0"/>
+              <a:buChar char="•"/>
+              <a:defRPr sz="1800" kern="1200">
+                <a:solidFill>
+                  <a:schemeClr val="tx1"/>
+                </a:solidFill>
+                <a:latin typeface="+mn-lt"/>
+                <a:ea typeface="+mn-ea"/>
+                <a:cs typeface="+mn-cs"/>
+              </a:defRPr>
+            </a:lvl7pPr>
+            <a:lvl8pPr marL="3429000" indent="-228600" algn="l" defTabSz="914400" rtl="0" eaLnBrk="1" latinLnBrk="0" hangingPunct="1">
+              <a:lnSpc>
+                <a:spcPct val="90000"/>
+              </a:lnSpc>
+              <a:spcBef>
+                <a:spcPct val="30000"/>
+              </a:spcBef>
+              <a:buFont typeface="Arial" panose="020B0604020202020204" pitchFamily="34" charset="0"/>
+              <a:buChar char="•"/>
+              <a:defRPr sz="1800" kern="1200">
+                <a:solidFill>
+                  <a:schemeClr val="tx1"/>
+                </a:solidFill>
+                <a:latin typeface="+mn-lt"/>
+                <a:ea typeface="+mn-ea"/>
+                <a:cs typeface="+mn-cs"/>
+              </a:defRPr>
+            </a:lvl8pPr>
+            <a:lvl9pPr marL="3886200" indent="-228600" algn="l" defTabSz="914400" rtl="0" eaLnBrk="1" latinLnBrk="0" hangingPunct="1">
+              <a:lnSpc>
+                <a:spcPct val="90000"/>
+              </a:lnSpc>
+              <a:spcBef>
+                <a:spcPct val="30000"/>
+              </a:spcBef>
+              <a:buFont typeface="Arial" panose="020B0604020202020204" pitchFamily="34" charset="0"/>
+              <a:buChar char="•"/>
+              <a:defRPr sz="1800" kern="1200">
+                <a:solidFill>
+                  <a:schemeClr val="tx1"/>
+                </a:solidFill>
+                <a:latin typeface="+mn-lt"/>
+                <a:ea typeface="+mn-ea"/>
+                <a:cs typeface="+mn-cs"/>
+              </a:defRPr>
+            </a:lvl9pPr>
+          </a:lstStyle>
+          <a:p>
+            <a:pPr marL="0" indent="0">
+              <a:spcAft>
+                <a:spcPts val="2000"/>
+              </a:spcAft>
+              <a:buNone/>
+            </a:pPr>
+            <a:endParaRPr lang="en-US" sz="1800" dirty="0">
+              <a:latin typeface="Segoe UI" panose="020B0502040204020203" pitchFamily="34" charset="0"/>
+              <a:cs typeface="Segoe UI" panose="020B0502040204020203" pitchFamily="34" charset="0"/>
+            </a:endParaRPr>
+          </a:p>
+        </p:txBody>
+      </p:sp>
+      <p:sp>
+        <p:nvSpPr>
+          <p:cNvPr id="36" name="Content Placeholder 17"/>
+          <p:cNvSpPr txBox="1">
+            <a:spLocks/>
+          </p:cNvSpPr>
+          <p:nvPr/>
+        </p:nvSpPr>
+        <p:spPr>
+          <a:xfrm>
+            <a:off x="746269" y="2396446"/>
+            <a:ext cx="10356444" cy="3006063"/>
+          </a:xfrm>
+          <a:prstGeom prst="rect">
+            <a:avLst/>
+          </a:prstGeom>
+        </p:spPr>
+        <p:txBody>
+          <a:bodyPr vert="horz" lIns="91440" tIns="45720" rIns="91440" bIns="45720" rtlCol="0">
+            <a:noAutofit/>
+          </a:bodyPr>
+          <a:lstStyle>
+            <a:lvl1pPr marL="228600" indent="-228600" algn="l" defTabSz="914400" rtl="0" eaLnBrk="1" latinLnBrk="0" hangingPunct="1">
+              <a:lnSpc>
+                <a:spcPts val="1800"/>
+              </a:lnSpc>
+              <a:spcBef>
+                <a:spcPts val="1000"/>
+              </a:spcBef>
+              <a:spcAft>
+                <a:spcPts val="1000"/>
+              </a:spcAft>
+              <a:buFont typeface="Arial" panose="020B0604020202020204" pitchFamily="34" charset="0"/>
+              <a:buChar char="•"/>
+              <a:defRPr lang="en-US" sz="1200" kern="1200" smtClean="0">
+                <a:solidFill>
+                  <a:schemeClr val="tx1">
+                    <a:lumMod val="75000"/>
+                    <a:lumOff val="25000"/>
+                  </a:schemeClr>
+                </a:solidFill>
+                <a:latin typeface="+mn-lt"/>
+                <a:ea typeface="+mn-ea"/>
+                <a:cs typeface="+mn-cs"/>
+              </a:defRPr>
+            </a:lvl1pPr>
+            <a:lvl2pPr marL="685800" indent="-228600" algn="l" defTabSz="914400" rtl="0" eaLnBrk="1" latinLnBrk="0" hangingPunct="1">
+              <a:lnSpc>
+                <a:spcPts val="1800"/>
+              </a:lnSpc>
+              <a:spcBef>
+                <a:spcPts val="1000"/>
+              </a:spcBef>
+              <a:spcAft>
+                <a:spcPts val="1000"/>
+              </a:spcAft>
+              <a:buFont typeface="Arial" panose="020B0604020202020204" pitchFamily="34" charset="0"/>
+              <a:buChar char="•"/>
+              <a:defRPr lang="en-US" sz="1200" kern="1200" smtClean="0">
+                <a:solidFill>
+                  <a:schemeClr val="tx1">
+                    <a:lumMod val="75000"/>
+                    <a:lumOff val="25000"/>
+                  </a:schemeClr>
+                </a:solidFill>
+                <a:latin typeface="+mn-lt"/>
+                <a:ea typeface="+mn-ea"/>
+                <a:cs typeface="+mn-cs"/>
+              </a:defRPr>
+            </a:lvl2pPr>
+            <a:lvl3pPr marL="1143000" indent="-228600" algn="l" defTabSz="914400" rtl="0" eaLnBrk="1" latinLnBrk="0" hangingPunct="1">
+              <a:lnSpc>
+                <a:spcPts val="1800"/>
+              </a:lnSpc>
+              <a:spcBef>
+                <a:spcPts val="1000"/>
+              </a:spcBef>
+              <a:spcAft>
+                <a:spcPts val="1000"/>
+              </a:spcAft>
+              <a:buFont typeface="Arial" panose="020B0604020202020204" pitchFamily="34" charset="0"/>
+              <a:buChar char="•"/>
+              <a:defRPr lang="en-US" sz="1200" kern="1200" smtClean="0">
+                <a:solidFill>
+                  <a:schemeClr val="tx1">
+                    <a:lumMod val="75000"/>
+                    <a:lumOff val="25000"/>
+                  </a:schemeClr>
+                </a:solidFill>
+                <a:latin typeface="+mn-lt"/>
+                <a:ea typeface="+mn-ea"/>
+                <a:cs typeface="+mn-cs"/>
+              </a:defRPr>
+            </a:lvl3pPr>
+            <a:lvl4pPr marL="1600200" indent="-228600" algn="l" defTabSz="914400" rtl="0" eaLnBrk="1" latinLnBrk="0" hangingPunct="1">
+              <a:lnSpc>
+                <a:spcPts val="1800"/>
+              </a:lnSpc>
+              <a:spcBef>
+                <a:spcPts val="1000"/>
+              </a:spcBef>
+              <a:spcAft>
+                <a:spcPts val="1000"/>
+              </a:spcAft>
+              <a:buFont typeface="Arial" panose="020B0604020202020204" pitchFamily="34" charset="0"/>
+              <a:buChar char="•"/>
+              <a:defRPr lang="en-US" sz="1200" kern="1200" smtClean="0">
+                <a:solidFill>
+                  <a:schemeClr val="tx1">
+                    <a:lumMod val="75000"/>
+                    <a:lumOff val="25000"/>
+                  </a:schemeClr>
+                </a:solidFill>
+                <a:latin typeface="+mn-lt"/>
+                <a:ea typeface="+mn-ea"/>
+                <a:cs typeface="+mn-cs"/>
+              </a:defRPr>
+            </a:lvl4pPr>
+            <a:lvl5pPr marL="2057400" indent="-228600" algn="l" defTabSz="914400" rtl="0" eaLnBrk="1" latinLnBrk="0" hangingPunct="1">
+              <a:lnSpc>
+                <a:spcPts val="1800"/>
+              </a:lnSpc>
+              <a:spcBef>
+                <a:spcPts val="1000"/>
+              </a:spcBef>
+              <a:spcAft>
+                <a:spcPts val="1000"/>
+              </a:spcAft>
+              <a:buFont typeface="Arial" panose="020B0604020202020204" pitchFamily="34" charset="0"/>
+              <a:buChar char="•"/>
+              <a:defRPr lang="en-US" sz="1200" kern="1200">
+                <a:solidFill>
+                  <a:schemeClr val="tx1">
+                    <a:lumMod val="75000"/>
+                    <a:lumOff val="25000"/>
+                  </a:schemeClr>
+                </a:solidFill>
+                <a:latin typeface="+mn-lt"/>
+                <a:ea typeface="+mn-ea"/>
+                <a:cs typeface="+mn-cs"/>
+              </a:defRPr>
+            </a:lvl5pPr>
+            <a:lvl6pPr marL="2514600" indent="-228600" algn="l" defTabSz="914400" rtl="0" eaLnBrk="1" latinLnBrk="0" hangingPunct="1">
+              <a:lnSpc>
+                <a:spcPct val="90000"/>
+              </a:lnSpc>
+              <a:spcBef>
+                <a:spcPct val="30000"/>
+              </a:spcBef>
+              <a:buFont typeface="Arial" panose="020B0604020202020204" pitchFamily="34" charset="0"/>
+              <a:buChar char="•"/>
+              <a:defRPr sz="1800" kern="1200">
+                <a:solidFill>
+                  <a:schemeClr val="tx1"/>
+                </a:solidFill>
+                <a:latin typeface="+mn-lt"/>
+                <a:ea typeface="+mn-ea"/>
+                <a:cs typeface="+mn-cs"/>
+              </a:defRPr>
+            </a:lvl6pPr>
+            <a:lvl7pPr marL="2971800" indent="-228600" algn="l" defTabSz="914400" rtl="0" eaLnBrk="1" latinLnBrk="0" hangingPunct="1">
+              <a:lnSpc>
+                <a:spcPct val="90000"/>
+              </a:lnSpc>
+              <a:spcBef>
+                <a:spcPct val="30000"/>
+              </a:spcBef>
+              <a:buFont typeface="Arial" panose="020B0604020202020204" pitchFamily="34" charset="0"/>
+              <a:buChar char="•"/>
+              <a:defRPr sz="1800" kern="1200">
+                <a:solidFill>
+                  <a:schemeClr val="tx1"/>
+                </a:solidFill>
+                <a:latin typeface="+mn-lt"/>
+                <a:ea typeface="+mn-ea"/>
+                <a:cs typeface="+mn-cs"/>
+              </a:defRPr>
+            </a:lvl7pPr>
+            <a:lvl8pPr marL="3429000" indent="-228600" algn="l" defTabSz="914400" rtl="0" eaLnBrk="1" latinLnBrk="0" hangingPunct="1">
+              <a:lnSpc>
+                <a:spcPct val="90000"/>
+              </a:lnSpc>
+              <a:spcBef>
+                <a:spcPct val="30000"/>
+              </a:spcBef>
+              <a:buFont typeface="Arial" panose="020B0604020202020204" pitchFamily="34" charset="0"/>
+              <a:buChar char="•"/>
+              <a:defRPr sz="1800" kern="1200">
+                <a:solidFill>
+                  <a:schemeClr val="tx1"/>
+                </a:solidFill>
+                <a:latin typeface="+mn-lt"/>
+                <a:ea typeface="+mn-ea"/>
+                <a:cs typeface="+mn-cs"/>
+              </a:defRPr>
+            </a:lvl8pPr>
+            <a:lvl9pPr marL="3886200" indent="-228600" algn="l" defTabSz="914400" rtl="0" eaLnBrk="1" latinLnBrk="0" hangingPunct="1">
+              <a:lnSpc>
+                <a:spcPct val="90000"/>
+              </a:lnSpc>
+              <a:spcBef>
+                <a:spcPct val="30000"/>
+              </a:spcBef>
+              <a:buFont typeface="Arial" panose="020B0604020202020204" pitchFamily="34" charset="0"/>
+              <a:buChar char="•"/>
+              <a:defRPr sz="1800" kern="1200">
+                <a:solidFill>
+                  <a:schemeClr val="tx1"/>
+                </a:solidFill>
+                <a:latin typeface="+mn-lt"/>
+                <a:ea typeface="+mn-ea"/>
+                <a:cs typeface="+mn-cs"/>
+              </a:defRPr>
+            </a:lvl9pPr>
+          </a:lstStyle>
+          <a:p>
+            <a:pPr marL="457200" lvl="1" indent="0">
+              <a:lnSpc>
+                <a:spcPts val="3000"/>
+              </a:lnSpc>
+              <a:buNone/>
+            </a:pPr>
+            <a:r>
+              <a:rPr lang="en-GB" sz="3800" b="1" dirty="0">
+                <a:solidFill>
+                  <a:schemeClr val="bg2">
+                    <a:lumMod val="25000"/>
+                  </a:schemeClr>
+                </a:solidFill>
+                <a:latin typeface="Segoe UI Light" panose="020B0502040204020203" pitchFamily="34" charset="0"/>
+                <a:cs typeface="Segoe UI Light" panose="020B0502040204020203" pitchFamily="34" charset="0"/>
+                <a:hlinkClick r:id="rId2">
+                  <a:extLst>
+                    <a:ext uri="{A12FA001-AC4F-418D-AE19-62706E023703}">
+                      <ahyp:hlinkClr xmlns:ahyp="http://schemas.microsoft.com/office/drawing/2018/hyperlinkcolor" val="tx"/>
+                    </a:ext>
+                  </a:extLst>
+                </a:hlinkClick>
+              </a:rPr>
+              <a:t>https://www.webcomponents.org/</a:t>
+            </a:r>
+            <a:r>
+              <a:rPr lang="en-GB" sz="3800" b="1" dirty="0">
+                <a:solidFill>
+                  <a:schemeClr val="bg2">
+                    <a:lumMod val="25000"/>
+                  </a:schemeClr>
+                </a:solidFill>
+                <a:latin typeface="Segoe UI Light" panose="020B0502040204020203" pitchFamily="34" charset="0"/>
+                <a:cs typeface="Segoe UI Light" panose="020B0502040204020203" pitchFamily="34" charset="0"/>
+              </a:rPr>
+              <a:t> </a:t>
+            </a:r>
+          </a:p>
+          <a:p>
+            <a:pPr marL="457200" lvl="1" indent="0">
+              <a:lnSpc>
+                <a:spcPts val="3000"/>
+              </a:lnSpc>
+              <a:buNone/>
+            </a:pPr>
+            <a:r>
+              <a:rPr lang="en-GB" sz="3800" dirty="0">
+                <a:solidFill>
+                  <a:schemeClr val="bg2">
+                    <a:lumMod val="25000"/>
+                  </a:schemeClr>
+                </a:solidFill>
+                <a:latin typeface="Segoe UI Light" panose="020B0502040204020203" pitchFamily="34" charset="0"/>
+                <a:cs typeface="Segoe UI Light" panose="020B0502040204020203" pitchFamily="34" charset="0"/>
+              </a:rPr>
+              <a:t>- main reference site</a:t>
+            </a:r>
+          </a:p>
+          <a:p>
+            <a:pPr marL="457200" lvl="1" indent="0">
+              <a:lnSpc>
+                <a:spcPts val="3000"/>
+              </a:lnSpc>
+              <a:buNone/>
+            </a:pPr>
+            <a:r>
+              <a:rPr lang="en-GB" sz="3800" b="1" dirty="0">
+                <a:solidFill>
+                  <a:schemeClr val="bg2">
+                    <a:lumMod val="25000"/>
+                  </a:schemeClr>
+                </a:solidFill>
+                <a:latin typeface="Segoe UI Light" panose="020B0502040204020203" pitchFamily="34" charset="0"/>
+                <a:cs typeface="Segoe UI Light" panose="020B0502040204020203" pitchFamily="34" charset="0"/>
+                <a:hlinkClick r:id="rId3">
+                  <a:extLst>
+                    <a:ext uri="{A12FA001-AC4F-418D-AE19-62706E023703}">
+                      <ahyp:hlinkClr xmlns:ahyp="http://schemas.microsoft.com/office/drawing/2018/hyperlinkcolor" val="tx"/>
+                    </a:ext>
+                  </a:extLst>
+                </a:hlinkClick>
+              </a:rPr>
+              <a:t>https://custom-elements-everywhere.com/</a:t>
+            </a:r>
+            <a:r>
+              <a:rPr lang="en-GB" sz="3800" b="1" dirty="0">
+                <a:solidFill>
+                  <a:schemeClr val="bg2">
+                    <a:lumMod val="25000"/>
+                  </a:schemeClr>
+                </a:solidFill>
+                <a:latin typeface="Segoe UI Light" panose="020B0502040204020203" pitchFamily="34" charset="0"/>
+                <a:cs typeface="Segoe UI Light" panose="020B0502040204020203" pitchFamily="34" charset="0"/>
+              </a:rPr>
+              <a:t> </a:t>
+            </a:r>
+          </a:p>
+          <a:p>
+            <a:pPr marL="457200" lvl="1" indent="0">
+              <a:lnSpc>
+                <a:spcPts val="3500"/>
+              </a:lnSpc>
+              <a:buNone/>
+            </a:pPr>
+            <a:r>
+              <a:rPr lang="en-GB" sz="3800" dirty="0">
+                <a:solidFill>
+                  <a:schemeClr val="bg2">
+                    <a:lumMod val="25000"/>
+                  </a:schemeClr>
+                </a:solidFill>
+                <a:latin typeface="Segoe UI Light" panose="020B0502040204020203" pitchFamily="34" charset="0"/>
+                <a:cs typeface="Segoe UI Light" panose="020B0502040204020203" pitchFamily="34" charset="0"/>
+              </a:rPr>
+              <a:t>(Making sure frameworks and custom elements can be BFFs )</a:t>
+            </a:r>
+          </a:p>
+          <a:p>
+            <a:pPr marL="457200" lvl="1" indent="0">
+              <a:lnSpc>
+                <a:spcPts val="4000"/>
+              </a:lnSpc>
+              <a:buNone/>
+            </a:pPr>
+            <a:endParaRPr lang="en-GB" sz="3800" dirty="0">
+              <a:solidFill>
+                <a:schemeClr val="bg2">
+                  <a:lumMod val="25000"/>
+                </a:schemeClr>
+              </a:solidFill>
+              <a:latin typeface="Segoe UI Light" panose="020B0502040204020203" pitchFamily="34" charset="0"/>
+              <a:cs typeface="Segoe UI Light" panose="020B0502040204020203" pitchFamily="34" charset="0"/>
+            </a:endParaRPr>
+          </a:p>
+        </p:txBody>
+      </p:sp>
+    </p:spTree>
+    <p:extLst>
+      <p:ext uri="{BB962C8B-B14F-4D97-AF65-F5344CB8AC3E}">
+        <p14:creationId xmlns:p14="http://schemas.microsoft.com/office/powerpoint/2010/main" val="2072018499"/>
+      </p:ext>
+    </p:extLst>
+  </p:cSld>
+  <p:clrMapOvr>
+    <a:masterClrMapping/>
+  </p:clrMapOvr>
+</p:sld>
+</file>
+
+<file path=ppt/slides/slide33.xml><?xml version="1.0" encoding="utf-8"?>
+<p:sld xmlns:a="http://schemas.openxmlformats.org/drawingml/2006/main" xmlns:r="http://schemas.openxmlformats.org/officeDocument/2006/relationships" xmlns:p="http://schemas.openxmlformats.org/presentationml/2006/main">
+  <p:cSld>
+    <p:spTree>
+      <p:nvGrpSpPr>
+        <p:cNvPr id="1" name=""/>
+        <p:cNvGrpSpPr/>
+        <p:nvPr/>
+      </p:nvGrpSpPr>
+      <p:grpSpPr>
+        <a:xfrm>
+          <a:off x="0" y="0"/>
+          <a:ext cx="0" cy="0"/>
+          <a:chOff x="0" y="0"/>
+          <a:chExt cx="0" cy="0"/>
+        </a:xfrm>
+      </p:grpSpPr>
+      <p:sp>
+        <p:nvSpPr>
+          <p:cNvPr id="4" name="Title 3"/>
+          <p:cNvSpPr>
+            <a:spLocks noGrp="1"/>
+          </p:cNvSpPr>
+          <p:nvPr>
+            <p:ph type="title"/>
+          </p:nvPr>
+        </p:nvSpPr>
+        <p:spPr>
+          <a:xfrm>
+            <a:off x="541609" y="426301"/>
+            <a:ext cx="8578726" cy="749992"/>
+          </a:xfrm>
+        </p:spPr>
+        <p:txBody>
+          <a:bodyPr>
+            <a:noAutofit/>
+          </a:bodyPr>
+          <a:lstStyle/>
+          <a:p>
+            <a:r>
+              <a:rPr lang="en-US" sz="4000" dirty="0">
+                <a:latin typeface="Segoe UI Light" panose="020B0502040204020203" pitchFamily="34" charset="0"/>
+                <a:cs typeface="Segoe UI Light" panose="020B0502040204020203" pitchFamily="34" charset="0"/>
+              </a:rPr>
               <a:t>How to use – Props Down</a:t>
             </a:r>
           </a:p>
@@ -19874,7 +20519,7 @@
 </p:sld>
 </file>
 
-<file path=ppt/slides/slide33.xml><?xml version="1.0" encoding="utf-8"?>
+<file path=ppt/slides/slide34.xml><?xml version="1.0" encoding="utf-8"?>
 <p:sld xmlns:a="http://schemas.openxmlformats.org/drawingml/2006/main" xmlns:r="http://schemas.openxmlformats.org/officeDocument/2006/relationships" xmlns:p="http://schemas.openxmlformats.org/presentationml/2006/main">
   <p:cSld>
     <p:spTree>
@@ -20350,7 +20995,7 @@
 </p:sld>
 </file>
 
-<file path=ppt/slides/slide34.xml><?xml version="1.0" encoding="utf-8"?>
+<file path=ppt/slides/slide35.xml><?xml version="1.0" encoding="utf-8"?>
 <p:sld xmlns:a="http://schemas.openxmlformats.org/drawingml/2006/main" xmlns:r="http://schemas.openxmlformats.org/officeDocument/2006/relationships" xmlns:p="http://schemas.openxmlformats.org/presentationml/2006/main">
   <p:cSld>
     <p:spTree>
@@ -20732,7 +21377,7 @@
 </p:sld>
 </file>
 
-<file path=ppt/slides/slide35.xml><?xml version="1.0" encoding="utf-8"?>
+<file path=ppt/slides/slide36.xml><?xml version="1.0" encoding="utf-8"?>
 <p:sld xmlns:a="http://schemas.openxmlformats.org/drawingml/2006/main" xmlns:r="http://schemas.openxmlformats.org/officeDocument/2006/relationships" xmlns:p="http://schemas.openxmlformats.org/presentationml/2006/main">
   <p:cSld>
     <p:spTree>
@@ -21169,7 +21814,7 @@
 </p:sld>
 </file>
 
-<file path=ppt/slides/slide36.xml><?xml version="1.0" encoding="utf-8"?>
+<file path=ppt/slides/slide37.xml><?xml version="1.0" encoding="utf-8"?>
 <p:sld xmlns:a="http://schemas.openxmlformats.org/drawingml/2006/main" xmlns:r="http://schemas.openxmlformats.org/officeDocument/2006/relationships" xmlns:p="http://schemas.openxmlformats.org/presentationml/2006/main">
   <p:cSld>
     <p:spTree>
@@ -22532,7 +23177,7 @@
 </p:sld>
 </file>
 
-<file path=ppt/slides/slide37.xml><?xml version="1.0" encoding="utf-8"?>
+<file path=ppt/slides/slide38.xml><?xml version="1.0" encoding="utf-8"?>
 <p:sld xmlns:a="http://schemas.openxmlformats.org/drawingml/2006/main" xmlns:r="http://schemas.openxmlformats.org/officeDocument/2006/relationships" xmlns:p="http://schemas.openxmlformats.org/presentationml/2006/main">
   <p:cSld>
     <p:spTree>
@@ -23132,7 +23777,7 @@
 </p:sld>
 </file>
 
-<file path=ppt/slides/slide38.xml><?xml version="1.0" encoding="utf-8"?>
+<file path=ppt/slides/slide39.xml><?xml version="1.0" encoding="utf-8"?>
 <p:sld xmlns:a="http://schemas.openxmlformats.org/drawingml/2006/main" xmlns:r="http://schemas.openxmlformats.org/officeDocument/2006/relationships" xmlns:p="http://schemas.openxmlformats.org/presentationml/2006/main">
   <p:cSld>
     <p:spTree>
@@ -23687,419 +24332,6 @@
     <p:extLst>
       <p:ext uri="{BB962C8B-B14F-4D97-AF65-F5344CB8AC3E}">
         <p14:creationId xmlns:p14="http://schemas.microsoft.com/office/powerpoint/2010/main" val="223144042"/>
-      </p:ext>
-    </p:extLst>
-  </p:cSld>
-  <p:clrMapOvr>
-    <a:masterClrMapping/>
-  </p:clrMapOvr>
-</p:sld>
-</file>
-
-<file path=ppt/slides/slide39.xml><?xml version="1.0" encoding="utf-8"?>
-<p:sld xmlns:a="http://schemas.openxmlformats.org/drawingml/2006/main" xmlns:r="http://schemas.openxmlformats.org/officeDocument/2006/relationships" xmlns:p="http://schemas.openxmlformats.org/presentationml/2006/main">
-  <p:cSld>
-    <p:spTree>
-      <p:nvGrpSpPr>
-        <p:cNvPr id="1" name=""/>
-        <p:cNvGrpSpPr/>
-        <p:nvPr/>
-      </p:nvGrpSpPr>
-      <p:grpSpPr>
-        <a:xfrm>
-          <a:off x="0" y="0"/>
-          <a:ext cx="0" cy="0"/>
-          <a:chOff x="0" y="0"/>
-          <a:chExt cx="0" cy="0"/>
-        </a:xfrm>
-      </p:grpSpPr>
-      <p:sp>
-        <p:nvSpPr>
-          <p:cNvPr id="4" name="Title 3"/>
-          <p:cNvSpPr>
-            <a:spLocks noGrp="1"/>
-          </p:cNvSpPr>
-          <p:nvPr>
-            <p:ph type="title"/>
-          </p:nvPr>
-        </p:nvSpPr>
-        <p:spPr>
-          <a:xfrm>
-            <a:off x="541609" y="426301"/>
-            <a:ext cx="8578726" cy="749992"/>
-          </a:xfrm>
-        </p:spPr>
-        <p:txBody>
-          <a:bodyPr>
-            <a:noAutofit/>
-          </a:bodyPr>
-          <a:lstStyle/>
-          <a:p>
-            <a:r>
-              <a:rPr lang="en-US" sz="4000" dirty="0">
-                <a:latin typeface="Segoe UI Light" panose="020B0502040204020203" pitchFamily="34" charset="0"/>
-                <a:cs typeface="Segoe UI Light" panose="020B0502040204020203" pitchFamily="34" charset="0"/>
-              </a:rPr>
-              <a:t>Encapsulation!</a:t>
-            </a:r>
-          </a:p>
-        </p:txBody>
-      </p:sp>
-      <p:sp>
-        <p:nvSpPr>
-          <p:cNvPr id="25" name="Content Placeholder 17"/>
-          <p:cNvSpPr txBox="1">
-            <a:spLocks/>
-          </p:cNvSpPr>
-          <p:nvPr/>
-        </p:nvSpPr>
-        <p:spPr>
-          <a:xfrm>
-            <a:off x="541609" y="1455491"/>
-            <a:ext cx="5110161" cy="471149"/>
-          </a:xfrm>
-          <a:prstGeom prst="rect">
-            <a:avLst/>
-          </a:prstGeom>
-        </p:spPr>
-        <p:txBody>
-          <a:bodyPr vert="horz" lIns="91440" tIns="45720" rIns="91440" bIns="45720" rtlCol="0">
-            <a:normAutofit/>
-          </a:bodyPr>
-          <a:lstStyle>
-            <a:lvl1pPr marL="228600" indent="-228600" algn="l" defTabSz="914400" rtl="0" eaLnBrk="1" latinLnBrk="0" hangingPunct="1">
-              <a:lnSpc>
-                <a:spcPts val="1800"/>
-              </a:lnSpc>
-              <a:spcBef>
-                <a:spcPts val="1000"/>
-              </a:spcBef>
-              <a:spcAft>
-                <a:spcPts val="1000"/>
-              </a:spcAft>
-              <a:buFont typeface="Arial" panose="020B0604020202020204" pitchFamily="34" charset="0"/>
-              <a:buChar char="•"/>
-              <a:defRPr lang="en-US" sz="1200" kern="1200" smtClean="0">
-                <a:solidFill>
-                  <a:schemeClr val="tx1">
-                    <a:lumMod val="75000"/>
-                    <a:lumOff val="25000"/>
-                  </a:schemeClr>
-                </a:solidFill>
-                <a:latin typeface="+mn-lt"/>
-                <a:ea typeface="+mn-ea"/>
-                <a:cs typeface="+mn-cs"/>
-              </a:defRPr>
-            </a:lvl1pPr>
-            <a:lvl2pPr marL="685800" indent="-228600" algn="l" defTabSz="914400" rtl="0" eaLnBrk="1" latinLnBrk="0" hangingPunct="1">
-              <a:lnSpc>
-                <a:spcPts val="1800"/>
-              </a:lnSpc>
-              <a:spcBef>
-                <a:spcPts val="1000"/>
-              </a:spcBef>
-              <a:spcAft>
-                <a:spcPts val="1000"/>
-              </a:spcAft>
-              <a:buFont typeface="Arial" panose="020B0604020202020204" pitchFamily="34" charset="0"/>
-              <a:buChar char="•"/>
-              <a:defRPr lang="en-US" sz="1200" kern="1200" smtClean="0">
-                <a:solidFill>
-                  <a:schemeClr val="tx1">
-                    <a:lumMod val="75000"/>
-                    <a:lumOff val="25000"/>
-                  </a:schemeClr>
-                </a:solidFill>
-                <a:latin typeface="+mn-lt"/>
-                <a:ea typeface="+mn-ea"/>
-                <a:cs typeface="+mn-cs"/>
-              </a:defRPr>
-            </a:lvl2pPr>
-            <a:lvl3pPr marL="1143000" indent="-228600" algn="l" defTabSz="914400" rtl="0" eaLnBrk="1" latinLnBrk="0" hangingPunct="1">
-              <a:lnSpc>
-                <a:spcPts val="1800"/>
-              </a:lnSpc>
-              <a:spcBef>
-                <a:spcPts val="1000"/>
-              </a:spcBef>
-              <a:spcAft>
-                <a:spcPts val="1000"/>
-              </a:spcAft>
-              <a:buFont typeface="Arial" panose="020B0604020202020204" pitchFamily="34" charset="0"/>
-              <a:buChar char="•"/>
-              <a:defRPr lang="en-US" sz="1200" kern="1200" smtClean="0">
-                <a:solidFill>
-                  <a:schemeClr val="tx1">
-                    <a:lumMod val="75000"/>
-                    <a:lumOff val="25000"/>
-                  </a:schemeClr>
-                </a:solidFill>
-                <a:latin typeface="+mn-lt"/>
-                <a:ea typeface="+mn-ea"/>
-                <a:cs typeface="+mn-cs"/>
-              </a:defRPr>
-            </a:lvl3pPr>
-            <a:lvl4pPr marL="1600200" indent="-228600" algn="l" defTabSz="914400" rtl="0" eaLnBrk="1" latinLnBrk="0" hangingPunct="1">
-              <a:lnSpc>
-                <a:spcPts val="1800"/>
-              </a:lnSpc>
-              <a:spcBef>
-                <a:spcPts val="1000"/>
-              </a:spcBef>
-              <a:spcAft>
-                <a:spcPts val="1000"/>
-              </a:spcAft>
-              <a:buFont typeface="Arial" panose="020B0604020202020204" pitchFamily="34" charset="0"/>
-              <a:buChar char="•"/>
-              <a:defRPr lang="en-US" sz="1200" kern="1200" smtClean="0">
-                <a:solidFill>
-                  <a:schemeClr val="tx1">
-                    <a:lumMod val="75000"/>
-                    <a:lumOff val="25000"/>
-                  </a:schemeClr>
-                </a:solidFill>
-                <a:latin typeface="+mn-lt"/>
-                <a:ea typeface="+mn-ea"/>
-                <a:cs typeface="+mn-cs"/>
-              </a:defRPr>
-            </a:lvl4pPr>
-            <a:lvl5pPr marL="2057400" indent="-228600" algn="l" defTabSz="914400" rtl="0" eaLnBrk="1" latinLnBrk="0" hangingPunct="1">
-              <a:lnSpc>
-                <a:spcPts val="1800"/>
-              </a:lnSpc>
-              <a:spcBef>
-                <a:spcPts val="1000"/>
-              </a:spcBef>
-              <a:spcAft>
-                <a:spcPts val="1000"/>
-              </a:spcAft>
-              <a:buFont typeface="Arial" panose="020B0604020202020204" pitchFamily="34" charset="0"/>
-              <a:buChar char="•"/>
-              <a:defRPr lang="en-US" sz="1200" kern="1200">
-                <a:solidFill>
-                  <a:schemeClr val="tx1">
-                    <a:lumMod val="75000"/>
-                    <a:lumOff val="25000"/>
-                  </a:schemeClr>
-                </a:solidFill>
-                <a:latin typeface="+mn-lt"/>
-                <a:ea typeface="+mn-ea"/>
-                <a:cs typeface="+mn-cs"/>
-              </a:defRPr>
-            </a:lvl5pPr>
-            <a:lvl6pPr marL="2514600" indent="-228600" algn="l" defTabSz="914400" rtl="0" eaLnBrk="1" latinLnBrk="0" hangingPunct="1">
-              <a:lnSpc>
-                <a:spcPct val="90000"/>
-              </a:lnSpc>
-              <a:spcBef>
-                <a:spcPct val="30000"/>
-              </a:spcBef>
-              <a:buFont typeface="Arial" panose="020B0604020202020204" pitchFamily="34" charset="0"/>
-              <a:buChar char="•"/>
-              <a:defRPr sz="1800" kern="1200">
-                <a:solidFill>
-                  <a:schemeClr val="tx1"/>
-                </a:solidFill>
-                <a:latin typeface="+mn-lt"/>
-                <a:ea typeface="+mn-ea"/>
-                <a:cs typeface="+mn-cs"/>
-              </a:defRPr>
-            </a:lvl6pPr>
-            <a:lvl7pPr marL="2971800" indent="-228600" algn="l" defTabSz="914400" rtl="0" eaLnBrk="1" latinLnBrk="0" hangingPunct="1">
-              <a:lnSpc>
-                <a:spcPct val="90000"/>
-              </a:lnSpc>
-              <a:spcBef>
-                <a:spcPct val="30000"/>
-              </a:spcBef>
-              <a:buFont typeface="Arial" panose="020B0604020202020204" pitchFamily="34" charset="0"/>
-              <a:buChar char="•"/>
-              <a:defRPr sz="1800" kern="1200">
-                <a:solidFill>
-                  <a:schemeClr val="tx1"/>
-                </a:solidFill>
-                <a:latin typeface="+mn-lt"/>
-                <a:ea typeface="+mn-ea"/>
-                <a:cs typeface="+mn-cs"/>
-              </a:defRPr>
-            </a:lvl7pPr>
-            <a:lvl8pPr marL="3429000" indent="-228600" algn="l" defTabSz="914400" rtl="0" eaLnBrk="1" latinLnBrk="0" hangingPunct="1">
-              <a:lnSpc>
-                <a:spcPct val="90000"/>
-              </a:lnSpc>
-              <a:spcBef>
-                <a:spcPct val="30000"/>
-              </a:spcBef>
-              <a:buFont typeface="Arial" panose="020B0604020202020204" pitchFamily="34" charset="0"/>
-              <a:buChar char="•"/>
-              <a:defRPr sz="1800" kern="1200">
-                <a:solidFill>
-                  <a:schemeClr val="tx1"/>
-                </a:solidFill>
-                <a:latin typeface="+mn-lt"/>
-                <a:ea typeface="+mn-ea"/>
-                <a:cs typeface="+mn-cs"/>
-              </a:defRPr>
-            </a:lvl8pPr>
-            <a:lvl9pPr marL="3886200" indent="-228600" algn="l" defTabSz="914400" rtl="0" eaLnBrk="1" latinLnBrk="0" hangingPunct="1">
-              <a:lnSpc>
-                <a:spcPct val="90000"/>
-              </a:lnSpc>
-              <a:spcBef>
-                <a:spcPct val="30000"/>
-              </a:spcBef>
-              <a:buFont typeface="Arial" panose="020B0604020202020204" pitchFamily="34" charset="0"/>
-              <a:buChar char="•"/>
-              <a:defRPr sz="1800" kern="1200">
-                <a:solidFill>
-                  <a:schemeClr val="tx1"/>
-                </a:solidFill>
-                <a:latin typeface="+mn-lt"/>
-                <a:ea typeface="+mn-ea"/>
-                <a:cs typeface="+mn-cs"/>
-              </a:defRPr>
-            </a:lvl9pPr>
-          </a:lstStyle>
-          <a:p>
-            <a:pPr marL="0" indent="0">
-              <a:spcAft>
-                <a:spcPts val="2000"/>
-              </a:spcAft>
-              <a:buNone/>
-            </a:pPr>
-            <a:endParaRPr lang="en-US" sz="1800" dirty="0">
-              <a:latin typeface="Segoe UI" panose="020B0502040204020203" pitchFamily="34" charset="0"/>
-              <a:cs typeface="Segoe UI" panose="020B0502040204020203" pitchFamily="34" charset="0"/>
-            </a:endParaRPr>
-          </a:p>
-        </p:txBody>
-      </p:sp>
-      <p:sp>
-        <p:nvSpPr>
-          <p:cNvPr id="2" name="TextBox 1">
-            <a:extLst>
-              <a:ext uri="{FF2B5EF4-FFF2-40B4-BE49-F238E27FC236}">
-                <a16:creationId xmlns:a16="http://schemas.microsoft.com/office/drawing/2014/main" id="{03A30641-B566-4F11-A31A-FAB971D03D80}"/>
-              </a:ext>
-            </a:extLst>
-          </p:cNvPr>
-          <p:cNvSpPr txBox="1"/>
-          <p:nvPr/>
-        </p:nvSpPr>
-        <p:spPr>
-          <a:xfrm>
-            <a:off x="169676" y="1586080"/>
-            <a:ext cx="10559845" cy="4801314"/>
-          </a:xfrm>
-          <a:prstGeom prst="rect">
-            <a:avLst/>
-          </a:prstGeom>
-          <a:noFill/>
-        </p:spPr>
-        <p:txBody>
-          <a:bodyPr wrap="square" rtlCol="0">
-            <a:spAutoFit/>
-          </a:bodyPr>
-          <a:lstStyle/>
-          <a:p>
-            <a:pPr marL="1028700" lvl="1" indent="-571500">
-              <a:buFont typeface="Arial" panose="020B0604020202020204" pitchFamily="34" charset="0"/>
-              <a:buChar char="•"/>
-            </a:pPr>
-            <a:r>
-              <a:rPr lang="en-GB" sz="3600" dirty="0">
-                <a:solidFill>
-                  <a:schemeClr val="bg2">
-                    <a:lumMod val="25000"/>
-                  </a:schemeClr>
-                </a:solidFill>
-                <a:latin typeface="Segoe UI Light" panose="020B0502040204020203" pitchFamily="34" charset="0"/>
-                <a:cs typeface="Segoe UI Light" panose="020B0502040204020203" pitchFamily="34" charset="0"/>
-              </a:rPr>
-              <a:t>Very important.</a:t>
-            </a:r>
-          </a:p>
-          <a:p>
-            <a:pPr marL="1028700" lvl="1" indent="-571500">
-              <a:buFont typeface="Arial" panose="020B0604020202020204" pitchFamily="34" charset="0"/>
-              <a:buChar char="•"/>
-            </a:pPr>
-            <a:r>
-              <a:rPr lang="en-GB" sz="3600" dirty="0">
-                <a:solidFill>
-                  <a:schemeClr val="bg2">
-                    <a:lumMod val="25000"/>
-                  </a:schemeClr>
-                </a:solidFill>
-                <a:latin typeface="Segoe UI Light" panose="020B0502040204020203" pitchFamily="34" charset="0"/>
-                <a:cs typeface="Segoe UI Light" panose="020B0502040204020203" pitchFamily="34" charset="0"/>
-              </a:rPr>
-              <a:t>Stumbling block in past.</a:t>
-            </a:r>
-          </a:p>
-          <a:p>
-            <a:pPr marL="1028700" lvl="1" indent="-571500">
-              <a:buFont typeface="Arial" panose="020B0604020202020204" pitchFamily="34" charset="0"/>
-              <a:buChar char="•"/>
-            </a:pPr>
-            <a:r>
-              <a:rPr lang="en-GB" sz="3600" dirty="0">
-                <a:solidFill>
-                  <a:schemeClr val="bg2">
-                    <a:lumMod val="25000"/>
-                  </a:schemeClr>
-                </a:solidFill>
-                <a:latin typeface="Segoe UI Light" panose="020B0502040204020203" pitchFamily="34" charset="0"/>
-                <a:cs typeface="Segoe UI Light" panose="020B0502040204020203" pitchFamily="34" charset="0"/>
-              </a:rPr>
-              <a:t>Now fully implemented with the Shadow DOM.</a:t>
-            </a:r>
-          </a:p>
-          <a:p>
-            <a:pPr marL="1028700" lvl="1" indent="-571500">
-              <a:buFont typeface="Arial" panose="020B0604020202020204" pitchFamily="34" charset="0"/>
-              <a:buChar char="•"/>
-            </a:pPr>
-            <a:r>
-              <a:rPr lang="en-GB" sz="3600" dirty="0">
-                <a:solidFill>
-                  <a:schemeClr val="bg2">
-                    <a:lumMod val="25000"/>
-                  </a:schemeClr>
-                </a:solidFill>
-                <a:latin typeface="Segoe UI Light" panose="020B0502040204020203" pitchFamily="34" charset="0"/>
-                <a:cs typeface="Segoe UI Light" panose="020B0502040204020203" pitchFamily="34" charset="0"/>
-              </a:rPr>
-              <a:t>We will see it in action in the demos but CSS is fully scoped with no bleeding between Light and Shadow DOM.</a:t>
-            </a:r>
-          </a:p>
-          <a:p>
-            <a:pPr marL="1028700" lvl="1" indent="-571500">
-              <a:buFont typeface="Arial" panose="020B0604020202020204" pitchFamily="34" charset="0"/>
-              <a:buChar char="•"/>
-            </a:pPr>
-            <a:r>
-              <a:rPr lang="en-GB" sz="3600" dirty="0">
-                <a:solidFill>
-                  <a:schemeClr val="bg2">
-                    <a:lumMod val="25000"/>
-                  </a:schemeClr>
-                </a:solidFill>
-                <a:latin typeface="Segoe UI Light" panose="020B0502040204020203" pitchFamily="34" charset="0"/>
-                <a:cs typeface="Segoe UI Light" panose="020B0502040204020203" pitchFamily="34" charset="0"/>
-              </a:rPr>
-              <a:t>Rules to allow crossing of boundary for CSS and JS…</a:t>
-            </a:r>
-          </a:p>
-          <a:p>
-            <a:endParaRPr lang="en-GB" dirty="0"/>
-          </a:p>
-        </p:txBody>
-      </p:sp>
-    </p:spTree>
-    <p:extLst>
-      <p:ext uri="{BB962C8B-B14F-4D97-AF65-F5344CB8AC3E}">
-        <p14:creationId xmlns:p14="http://schemas.microsoft.com/office/powerpoint/2010/main" val="984130937"/>
       </p:ext>
     </p:extLst>
   </p:cSld>
@@ -24895,6 +25127,419 @@
         <p:spPr>
           <a:xfrm>
             <a:off x="541609" y="426301"/>
+            <a:ext cx="8578726" cy="749992"/>
+          </a:xfrm>
+        </p:spPr>
+        <p:txBody>
+          <a:bodyPr>
+            <a:noAutofit/>
+          </a:bodyPr>
+          <a:lstStyle/>
+          <a:p>
+            <a:r>
+              <a:rPr lang="en-US" sz="4000" dirty="0">
+                <a:latin typeface="Segoe UI Light" panose="020B0502040204020203" pitchFamily="34" charset="0"/>
+                <a:cs typeface="Segoe UI Light" panose="020B0502040204020203" pitchFamily="34" charset="0"/>
+              </a:rPr>
+              <a:t>Encapsulation!</a:t>
+            </a:r>
+          </a:p>
+        </p:txBody>
+      </p:sp>
+      <p:sp>
+        <p:nvSpPr>
+          <p:cNvPr id="25" name="Content Placeholder 17"/>
+          <p:cNvSpPr txBox="1">
+            <a:spLocks/>
+          </p:cNvSpPr>
+          <p:nvPr/>
+        </p:nvSpPr>
+        <p:spPr>
+          <a:xfrm>
+            <a:off x="541609" y="1455491"/>
+            <a:ext cx="5110161" cy="471149"/>
+          </a:xfrm>
+          <a:prstGeom prst="rect">
+            <a:avLst/>
+          </a:prstGeom>
+        </p:spPr>
+        <p:txBody>
+          <a:bodyPr vert="horz" lIns="91440" tIns="45720" rIns="91440" bIns="45720" rtlCol="0">
+            <a:normAutofit/>
+          </a:bodyPr>
+          <a:lstStyle>
+            <a:lvl1pPr marL="228600" indent="-228600" algn="l" defTabSz="914400" rtl="0" eaLnBrk="1" latinLnBrk="0" hangingPunct="1">
+              <a:lnSpc>
+                <a:spcPts val="1800"/>
+              </a:lnSpc>
+              <a:spcBef>
+                <a:spcPts val="1000"/>
+              </a:spcBef>
+              <a:spcAft>
+                <a:spcPts val="1000"/>
+              </a:spcAft>
+              <a:buFont typeface="Arial" panose="020B0604020202020204" pitchFamily="34" charset="0"/>
+              <a:buChar char="•"/>
+              <a:defRPr lang="en-US" sz="1200" kern="1200" smtClean="0">
+                <a:solidFill>
+                  <a:schemeClr val="tx1">
+                    <a:lumMod val="75000"/>
+                    <a:lumOff val="25000"/>
+                  </a:schemeClr>
+                </a:solidFill>
+                <a:latin typeface="+mn-lt"/>
+                <a:ea typeface="+mn-ea"/>
+                <a:cs typeface="+mn-cs"/>
+              </a:defRPr>
+            </a:lvl1pPr>
+            <a:lvl2pPr marL="685800" indent="-228600" algn="l" defTabSz="914400" rtl="0" eaLnBrk="1" latinLnBrk="0" hangingPunct="1">
+              <a:lnSpc>
+                <a:spcPts val="1800"/>
+              </a:lnSpc>
+              <a:spcBef>
+                <a:spcPts val="1000"/>
+              </a:spcBef>
+              <a:spcAft>
+                <a:spcPts val="1000"/>
+              </a:spcAft>
+              <a:buFont typeface="Arial" panose="020B0604020202020204" pitchFamily="34" charset="0"/>
+              <a:buChar char="•"/>
+              <a:defRPr lang="en-US" sz="1200" kern="1200" smtClean="0">
+                <a:solidFill>
+                  <a:schemeClr val="tx1">
+                    <a:lumMod val="75000"/>
+                    <a:lumOff val="25000"/>
+                  </a:schemeClr>
+                </a:solidFill>
+                <a:latin typeface="+mn-lt"/>
+                <a:ea typeface="+mn-ea"/>
+                <a:cs typeface="+mn-cs"/>
+              </a:defRPr>
+            </a:lvl2pPr>
+            <a:lvl3pPr marL="1143000" indent="-228600" algn="l" defTabSz="914400" rtl="0" eaLnBrk="1" latinLnBrk="0" hangingPunct="1">
+              <a:lnSpc>
+                <a:spcPts val="1800"/>
+              </a:lnSpc>
+              <a:spcBef>
+                <a:spcPts val="1000"/>
+              </a:spcBef>
+              <a:spcAft>
+                <a:spcPts val="1000"/>
+              </a:spcAft>
+              <a:buFont typeface="Arial" panose="020B0604020202020204" pitchFamily="34" charset="0"/>
+              <a:buChar char="•"/>
+              <a:defRPr lang="en-US" sz="1200" kern="1200" smtClean="0">
+                <a:solidFill>
+                  <a:schemeClr val="tx1">
+                    <a:lumMod val="75000"/>
+                    <a:lumOff val="25000"/>
+                  </a:schemeClr>
+                </a:solidFill>
+                <a:latin typeface="+mn-lt"/>
+                <a:ea typeface="+mn-ea"/>
+                <a:cs typeface="+mn-cs"/>
+              </a:defRPr>
+            </a:lvl3pPr>
+            <a:lvl4pPr marL="1600200" indent="-228600" algn="l" defTabSz="914400" rtl="0" eaLnBrk="1" latinLnBrk="0" hangingPunct="1">
+              <a:lnSpc>
+                <a:spcPts val="1800"/>
+              </a:lnSpc>
+              <a:spcBef>
+                <a:spcPts val="1000"/>
+              </a:spcBef>
+              <a:spcAft>
+                <a:spcPts val="1000"/>
+              </a:spcAft>
+              <a:buFont typeface="Arial" panose="020B0604020202020204" pitchFamily="34" charset="0"/>
+              <a:buChar char="•"/>
+              <a:defRPr lang="en-US" sz="1200" kern="1200" smtClean="0">
+                <a:solidFill>
+                  <a:schemeClr val="tx1">
+                    <a:lumMod val="75000"/>
+                    <a:lumOff val="25000"/>
+                  </a:schemeClr>
+                </a:solidFill>
+                <a:latin typeface="+mn-lt"/>
+                <a:ea typeface="+mn-ea"/>
+                <a:cs typeface="+mn-cs"/>
+              </a:defRPr>
+            </a:lvl4pPr>
+            <a:lvl5pPr marL="2057400" indent="-228600" algn="l" defTabSz="914400" rtl="0" eaLnBrk="1" latinLnBrk="0" hangingPunct="1">
+              <a:lnSpc>
+                <a:spcPts val="1800"/>
+              </a:lnSpc>
+              <a:spcBef>
+                <a:spcPts val="1000"/>
+              </a:spcBef>
+              <a:spcAft>
+                <a:spcPts val="1000"/>
+              </a:spcAft>
+              <a:buFont typeface="Arial" panose="020B0604020202020204" pitchFamily="34" charset="0"/>
+              <a:buChar char="•"/>
+              <a:defRPr lang="en-US" sz="1200" kern="1200">
+                <a:solidFill>
+                  <a:schemeClr val="tx1">
+                    <a:lumMod val="75000"/>
+                    <a:lumOff val="25000"/>
+                  </a:schemeClr>
+                </a:solidFill>
+                <a:latin typeface="+mn-lt"/>
+                <a:ea typeface="+mn-ea"/>
+                <a:cs typeface="+mn-cs"/>
+              </a:defRPr>
+            </a:lvl5pPr>
+            <a:lvl6pPr marL="2514600" indent="-228600" algn="l" defTabSz="914400" rtl="0" eaLnBrk="1" latinLnBrk="0" hangingPunct="1">
+              <a:lnSpc>
+                <a:spcPct val="90000"/>
+              </a:lnSpc>
+              <a:spcBef>
+                <a:spcPct val="30000"/>
+              </a:spcBef>
+              <a:buFont typeface="Arial" panose="020B0604020202020204" pitchFamily="34" charset="0"/>
+              <a:buChar char="•"/>
+              <a:defRPr sz="1800" kern="1200">
+                <a:solidFill>
+                  <a:schemeClr val="tx1"/>
+                </a:solidFill>
+                <a:latin typeface="+mn-lt"/>
+                <a:ea typeface="+mn-ea"/>
+                <a:cs typeface="+mn-cs"/>
+              </a:defRPr>
+            </a:lvl6pPr>
+            <a:lvl7pPr marL="2971800" indent="-228600" algn="l" defTabSz="914400" rtl="0" eaLnBrk="1" latinLnBrk="0" hangingPunct="1">
+              <a:lnSpc>
+                <a:spcPct val="90000"/>
+              </a:lnSpc>
+              <a:spcBef>
+                <a:spcPct val="30000"/>
+              </a:spcBef>
+              <a:buFont typeface="Arial" panose="020B0604020202020204" pitchFamily="34" charset="0"/>
+              <a:buChar char="•"/>
+              <a:defRPr sz="1800" kern="1200">
+                <a:solidFill>
+                  <a:schemeClr val="tx1"/>
+                </a:solidFill>
+                <a:latin typeface="+mn-lt"/>
+                <a:ea typeface="+mn-ea"/>
+                <a:cs typeface="+mn-cs"/>
+              </a:defRPr>
+            </a:lvl7pPr>
+            <a:lvl8pPr marL="3429000" indent="-228600" algn="l" defTabSz="914400" rtl="0" eaLnBrk="1" latinLnBrk="0" hangingPunct="1">
+              <a:lnSpc>
+                <a:spcPct val="90000"/>
+              </a:lnSpc>
+              <a:spcBef>
+                <a:spcPct val="30000"/>
+              </a:spcBef>
+              <a:buFont typeface="Arial" panose="020B0604020202020204" pitchFamily="34" charset="0"/>
+              <a:buChar char="•"/>
+              <a:defRPr sz="1800" kern="1200">
+                <a:solidFill>
+                  <a:schemeClr val="tx1"/>
+                </a:solidFill>
+                <a:latin typeface="+mn-lt"/>
+                <a:ea typeface="+mn-ea"/>
+                <a:cs typeface="+mn-cs"/>
+              </a:defRPr>
+            </a:lvl8pPr>
+            <a:lvl9pPr marL="3886200" indent="-228600" algn="l" defTabSz="914400" rtl="0" eaLnBrk="1" latinLnBrk="0" hangingPunct="1">
+              <a:lnSpc>
+                <a:spcPct val="90000"/>
+              </a:lnSpc>
+              <a:spcBef>
+                <a:spcPct val="30000"/>
+              </a:spcBef>
+              <a:buFont typeface="Arial" panose="020B0604020202020204" pitchFamily="34" charset="0"/>
+              <a:buChar char="•"/>
+              <a:defRPr sz="1800" kern="1200">
+                <a:solidFill>
+                  <a:schemeClr val="tx1"/>
+                </a:solidFill>
+                <a:latin typeface="+mn-lt"/>
+                <a:ea typeface="+mn-ea"/>
+                <a:cs typeface="+mn-cs"/>
+              </a:defRPr>
+            </a:lvl9pPr>
+          </a:lstStyle>
+          <a:p>
+            <a:pPr marL="0" indent="0">
+              <a:spcAft>
+                <a:spcPts val="2000"/>
+              </a:spcAft>
+              <a:buNone/>
+            </a:pPr>
+            <a:endParaRPr lang="en-US" sz="1800" dirty="0">
+              <a:latin typeface="Segoe UI" panose="020B0502040204020203" pitchFamily="34" charset="0"/>
+              <a:cs typeface="Segoe UI" panose="020B0502040204020203" pitchFamily="34" charset="0"/>
+            </a:endParaRPr>
+          </a:p>
+        </p:txBody>
+      </p:sp>
+      <p:sp>
+        <p:nvSpPr>
+          <p:cNvPr id="2" name="TextBox 1">
+            <a:extLst>
+              <a:ext uri="{FF2B5EF4-FFF2-40B4-BE49-F238E27FC236}">
+                <a16:creationId xmlns:a16="http://schemas.microsoft.com/office/drawing/2014/main" id="{03A30641-B566-4F11-A31A-FAB971D03D80}"/>
+              </a:ext>
+            </a:extLst>
+          </p:cNvPr>
+          <p:cNvSpPr txBox="1"/>
+          <p:nvPr/>
+        </p:nvSpPr>
+        <p:spPr>
+          <a:xfrm>
+            <a:off x="169676" y="1586080"/>
+            <a:ext cx="10559845" cy="4801314"/>
+          </a:xfrm>
+          <a:prstGeom prst="rect">
+            <a:avLst/>
+          </a:prstGeom>
+          <a:noFill/>
+        </p:spPr>
+        <p:txBody>
+          <a:bodyPr wrap="square" rtlCol="0">
+            <a:spAutoFit/>
+          </a:bodyPr>
+          <a:lstStyle/>
+          <a:p>
+            <a:pPr marL="1028700" lvl="1" indent="-571500">
+              <a:buFont typeface="Arial" panose="020B0604020202020204" pitchFamily="34" charset="0"/>
+              <a:buChar char="•"/>
+            </a:pPr>
+            <a:r>
+              <a:rPr lang="en-GB" sz="3600" dirty="0">
+                <a:solidFill>
+                  <a:schemeClr val="bg2">
+                    <a:lumMod val="25000"/>
+                  </a:schemeClr>
+                </a:solidFill>
+                <a:latin typeface="Segoe UI Light" panose="020B0502040204020203" pitchFamily="34" charset="0"/>
+                <a:cs typeface="Segoe UI Light" panose="020B0502040204020203" pitchFamily="34" charset="0"/>
+              </a:rPr>
+              <a:t>Very important.</a:t>
+            </a:r>
+          </a:p>
+          <a:p>
+            <a:pPr marL="1028700" lvl="1" indent="-571500">
+              <a:buFont typeface="Arial" panose="020B0604020202020204" pitchFamily="34" charset="0"/>
+              <a:buChar char="•"/>
+            </a:pPr>
+            <a:r>
+              <a:rPr lang="en-GB" sz="3600" dirty="0">
+                <a:solidFill>
+                  <a:schemeClr val="bg2">
+                    <a:lumMod val="25000"/>
+                  </a:schemeClr>
+                </a:solidFill>
+                <a:latin typeface="Segoe UI Light" panose="020B0502040204020203" pitchFamily="34" charset="0"/>
+                <a:cs typeface="Segoe UI Light" panose="020B0502040204020203" pitchFamily="34" charset="0"/>
+              </a:rPr>
+              <a:t>Stumbling block in past.</a:t>
+            </a:r>
+          </a:p>
+          <a:p>
+            <a:pPr marL="1028700" lvl="1" indent="-571500">
+              <a:buFont typeface="Arial" panose="020B0604020202020204" pitchFamily="34" charset="0"/>
+              <a:buChar char="•"/>
+            </a:pPr>
+            <a:r>
+              <a:rPr lang="en-GB" sz="3600" dirty="0">
+                <a:solidFill>
+                  <a:schemeClr val="bg2">
+                    <a:lumMod val="25000"/>
+                  </a:schemeClr>
+                </a:solidFill>
+                <a:latin typeface="Segoe UI Light" panose="020B0502040204020203" pitchFamily="34" charset="0"/>
+                <a:cs typeface="Segoe UI Light" panose="020B0502040204020203" pitchFamily="34" charset="0"/>
+              </a:rPr>
+              <a:t>Now fully implemented with the Shadow DOM.</a:t>
+            </a:r>
+          </a:p>
+          <a:p>
+            <a:pPr marL="1028700" lvl="1" indent="-571500">
+              <a:buFont typeface="Arial" panose="020B0604020202020204" pitchFamily="34" charset="0"/>
+              <a:buChar char="•"/>
+            </a:pPr>
+            <a:r>
+              <a:rPr lang="en-GB" sz="3600" dirty="0">
+                <a:solidFill>
+                  <a:schemeClr val="bg2">
+                    <a:lumMod val="25000"/>
+                  </a:schemeClr>
+                </a:solidFill>
+                <a:latin typeface="Segoe UI Light" panose="020B0502040204020203" pitchFamily="34" charset="0"/>
+                <a:cs typeface="Segoe UI Light" panose="020B0502040204020203" pitchFamily="34" charset="0"/>
+              </a:rPr>
+              <a:t>We will see it in action in the demos but CSS is fully scoped with no bleeding between Light and Shadow DOM.</a:t>
+            </a:r>
+          </a:p>
+          <a:p>
+            <a:pPr marL="1028700" lvl="1" indent="-571500">
+              <a:buFont typeface="Arial" panose="020B0604020202020204" pitchFamily="34" charset="0"/>
+              <a:buChar char="•"/>
+            </a:pPr>
+            <a:r>
+              <a:rPr lang="en-GB" sz="3600" dirty="0">
+                <a:solidFill>
+                  <a:schemeClr val="bg2">
+                    <a:lumMod val="25000"/>
+                  </a:schemeClr>
+                </a:solidFill>
+                <a:latin typeface="Segoe UI Light" panose="020B0502040204020203" pitchFamily="34" charset="0"/>
+                <a:cs typeface="Segoe UI Light" panose="020B0502040204020203" pitchFamily="34" charset="0"/>
+              </a:rPr>
+              <a:t>Rules to allow crossing of boundary for CSS and JS…</a:t>
+            </a:r>
+          </a:p>
+          <a:p>
+            <a:endParaRPr lang="en-GB" dirty="0"/>
+          </a:p>
+        </p:txBody>
+      </p:sp>
+    </p:spTree>
+    <p:extLst>
+      <p:ext uri="{BB962C8B-B14F-4D97-AF65-F5344CB8AC3E}">
+        <p14:creationId xmlns:p14="http://schemas.microsoft.com/office/powerpoint/2010/main" val="984130937"/>
+      </p:ext>
+    </p:extLst>
+  </p:cSld>
+  <p:clrMapOvr>
+    <a:masterClrMapping/>
+  </p:clrMapOvr>
+</p:sld>
+</file>
+
+<file path=ppt/slides/slide41.xml><?xml version="1.0" encoding="utf-8"?>
+<p:sld xmlns:a="http://schemas.openxmlformats.org/drawingml/2006/main" xmlns:r="http://schemas.openxmlformats.org/officeDocument/2006/relationships" xmlns:p="http://schemas.openxmlformats.org/presentationml/2006/main">
+  <p:cSld>
+    <p:spTree>
+      <p:nvGrpSpPr>
+        <p:cNvPr id="1" name=""/>
+        <p:cNvGrpSpPr/>
+        <p:nvPr/>
+      </p:nvGrpSpPr>
+      <p:grpSpPr>
+        <a:xfrm>
+          <a:off x="0" y="0"/>
+          <a:ext cx="0" cy="0"/>
+          <a:chOff x="0" y="0"/>
+          <a:chExt cx="0" cy="0"/>
+        </a:xfrm>
+      </p:grpSpPr>
+      <p:sp>
+        <p:nvSpPr>
+          <p:cNvPr id="4" name="Title 3"/>
+          <p:cNvSpPr>
+            <a:spLocks noGrp="1"/>
+          </p:cNvSpPr>
+          <p:nvPr>
+            <p:ph type="title"/>
+          </p:nvPr>
+        </p:nvSpPr>
+        <p:spPr>
+          <a:xfrm>
+            <a:off x="541609" y="426301"/>
             <a:ext cx="9869216" cy="749992"/>
           </a:xfrm>
         </p:spPr>
@@ -25190,7 +25835,7 @@
 </p:sld>
 </file>
 
-<file path=ppt/slides/slide41.xml><?xml version="1.0" encoding="utf-8"?>
+<file path=ppt/slides/slide42.xml><?xml version="1.0" encoding="utf-8"?>
 <p:sld xmlns:a="http://schemas.openxmlformats.org/drawingml/2006/main" xmlns:r="http://schemas.openxmlformats.org/officeDocument/2006/relationships" xmlns:p="http://schemas.openxmlformats.org/presentationml/2006/main">
   <p:cSld>
     <p:spTree>
@@ -25588,7 +26233,7 @@
 </p:sld>
 </file>
 
-<file path=ppt/slides/slide42.xml><?xml version="1.0" encoding="utf-8"?>
+<file path=ppt/slides/slide43.xml><?xml version="1.0" encoding="utf-8"?>
 <p:sld xmlns:a="http://schemas.openxmlformats.org/drawingml/2006/main" xmlns:r="http://schemas.openxmlformats.org/officeDocument/2006/relationships" xmlns:p="http://schemas.openxmlformats.org/presentationml/2006/main">
   <p:cSld>
     <p:spTree>
@@ -26087,7 +26732,7 @@
 </p:sld>
 </file>
 
-<file path=ppt/slides/slide43.xml><?xml version="1.0" encoding="utf-8"?>
+<file path=ppt/slides/slide44.xml><?xml version="1.0" encoding="utf-8"?>
 <p:sld xmlns:a="http://schemas.openxmlformats.org/drawingml/2006/main" xmlns:r="http://schemas.openxmlformats.org/officeDocument/2006/relationships" xmlns:p="http://schemas.openxmlformats.org/presentationml/2006/main">
   <p:cSld>
     <p:spTree>
@@ -26934,7 +27579,7 @@
 </p:sld>
 </file>
 
-<file path=ppt/slides/slide44.xml><?xml version="1.0" encoding="utf-8"?>
+<file path=ppt/slides/slide45.xml><?xml version="1.0" encoding="utf-8"?>
 <p:sld xmlns:a="http://schemas.openxmlformats.org/drawingml/2006/main" xmlns:r="http://schemas.openxmlformats.org/officeDocument/2006/relationships" xmlns:p="http://schemas.openxmlformats.org/presentationml/2006/main">
   <p:cSld>
     <p:spTree>
@@ -27570,388 +28215,6 @@
 </p:sld>
 </file>
 
-<file path=ppt/slides/slide45.xml><?xml version="1.0" encoding="utf-8"?>
-<p:sld xmlns:a="http://schemas.openxmlformats.org/drawingml/2006/main" xmlns:r="http://schemas.openxmlformats.org/officeDocument/2006/relationships" xmlns:p="http://schemas.openxmlformats.org/presentationml/2006/main">
-  <p:cSld>
-    <p:spTree>
-      <p:nvGrpSpPr>
-        <p:cNvPr id="1" name=""/>
-        <p:cNvGrpSpPr/>
-        <p:nvPr/>
-      </p:nvGrpSpPr>
-      <p:grpSpPr>
-        <a:xfrm>
-          <a:off x="0" y="0"/>
-          <a:ext cx="0" cy="0"/>
-          <a:chOff x="0" y="0"/>
-          <a:chExt cx="0" cy="0"/>
-        </a:xfrm>
-      </p:grpSpPr>
-      <p:sp>
-        <p:nvSpPr>
-          <p:cNvPr id="4" name="Title 3"/>
-          <p:cNvSpPr>
-            <a:spLocks noGrp="1"/>
-          </p:cNvSpPr>
-          <p:nvPr>
-            <p:ph type="title"/>
-          </p:nvPr>
-        </p:nvSpPr>
-        <p:spPr>
-          <a:xfrm>
-            <a:off x="541609" y="426301"/>
-            <a:ext cx="8578726" cy="749992"/>
-          </a:xfrm>
-        </p:spPr>
-        <p:txBody>
-          <a:bodyPr>
-            <a:noAutofit/>
-          </a:bodyPr>
-          <a:lstStyle/>
-          <a:p>
-            <a:r>
-              <a:rPr lang="en-US" sz="4000" dirty="0">
-                <a:latin typeface="Segoe UI Light" panose="020B0502040204020203" pitchFamily="34" charset="0"/>
-                <a:cs typeface="Segoe UI Light" panose="020B0502040204020203" pitchFamily="34" charset="0"/>
-              </a:rPr>
-              <a:t>Types of Web Components</a:t>
-            </a:r>
-          </a:p>
-        </p:txBody>
-      </p:sp>
-      <p:sp>
-        <p:nvSpPr>
-          <p:cNvPr id="25" name="Content Placeholder 17"/>
-          <p:cNvSpPr txBox="1">
-            <a:spLocks/>
-          </p:cNvSpPr>
-          <p:nvPr/>
-        </p:nvSpPr>
-        <p:spPr>
-          <a:xfrm>
-            <a:off x="678427" y="1330374"/>
-            <a:ext cx="5110161" cy="471149"/>
-          </a:xfrm>
-          <a:prstGeom prst="rect">
-            <a:avLst/>
-          </a:prstGeom>
-        </p:spPr>
-        <p:txBody>
-          <a:bodyPr vert="horz" lIns="91440" tIns="45720" rIns="91440" bIns="45720" rtlCol="0">
-            <a:normAutofit/>
-          </a:bodyPr>
-          <a:lstStyle>
-            <a:lvl1pPr marL="228600" indent="-228600" algn="l" defTabSz="914400" rtl="0" eaLnBrk="1" latinLnBrk="0" hangingPunct="1">
-              <a:lnSpc>
-                <a:spcPts val="1800"/>
-              </a:lnSpc>
-              <a:spcBef>
-                <a:spcPts val="1000"/>
-              </a:spcBef>
-              <a:spcAft>
-                <a:spcPts val="1000"/>
-              </a:spcAft>
-              <a:buFont typeface="Arial" panose="020B0604020202020204" pitchFamily="34" charset="0"/>
-              <a:buChar char="•"/>
-              <a:defRPr lang="en-US" sz="1200" kern="1200" smtClean="0">
-                <a:solidFill>
-                  <a:schemeClr val="tx1">
-                    <a:lumMod val="75000"/>
-                    <a:lumOff val="25000"/>
-                  </a:schemeClr>
-                </a:solidFill>
-                <a:latin typeface="+mn-lt"/>
-                <a:ea typeface="+mn-ea"/>
-                <a:cs typeface="+mn-cs"/>
-              </a:defRPr>
-            </a:lvl1pPr>
-            <a:lvl2pPr marL="685800" indent="-228600" algn="l" defTabSz="914400" rtl="0" eaLnBrk="1" latinLnBrk="0" hangingPunct="1">
-              <a:lnSpc>
-                <a:spcPts val="1800"/>
-              </a:lnSpc>
-              <a:spcBef>
-                <a:spcPts val="1000"/>
-              </a:spcBef>
-              <a:spcAft>
-                <a:spcPts val="1000"/>
-              </a:spcAft>
-              <a:buFont typeface="Arial" panose="020B0604020202020204" pitchFamily="34" charset="0"/>
-              <a:buChar char="•"/>
-              <a:defRPr lang="en-US" sz="1200" kern="1200" smtClean="0">
-                <a:solidFill>
-                  <a:schemeClr val="tx1">
-                    <a:lumMod val="75000"/>
-                    <a:lumOff val="25000"/>
-                  </a:schemeClr>
-                </a:solidFill>
-                <a:latin typeface="+mn-lt"/>
-                <a:ea typeface="+mn-ea"/>
-                <a:cs typeface="+mn-cs"/>
-              </a:defRPr>
-            </a:lvl2pPr>
-            <a:lvl3pPr marL="1143000" indent="-228600" algn="l" defTabSz="914400" rtl="0" eaLnBrk="1" latinLnBrk="0" hangingPunct="1">
-              <a:lnSpc>
-                <a:spcPts val="1800"/>
-              </a:lnSpc>
-              <a:spcBef>
-                <a:spcPts val="1000"/>
-              </a:spcBef>
-              <a:spcAft>
-                <a:spcPts val="1000"/>
-              </a:spcAft>
-              <a:buFont typeface="Arial" panose="020B0604020202020204" pitchFamily="34" charset="0"/>
-              <a:buChar char="•"/>
-              <a:defRPr lang="en-US" sz="1200" kern="1200" smtClean="0">
-                <a:solidFill>
-                  <a:schemeClr val="tx1">
-                    <a:lumMod val="75000"/>
-                    <a:lumOff val="25000"/>
-                  </a:schemeClr>
-                </a:solidFill>
-                <a:latin typeface="+mn-lt"/>
-                <a:ea typeface="+mn-ea"/>
-                <a:cs typeface="+mn-cs"/>
-              </a:defRPr>
-            </a:lvl3pPr>
-            <a:lvl4pPr marL="1600200" indent="-228600" algn="l" defTabSz="914400" rtl="0" eaLnBrk="1" latinLnBrk="0" hangingPunct="1">
-              <a:lnSpc>
-                <a:spcPts val="1800"/>
-              </a:lnSpc>
-              <a:spcBef>
-                <a:spcPts val="1000"/>
-              </a:spcBef>
-              <a:spcAft>
-                <a:spcPts val="1000"/>
-              </a:spcAft>
-              <a:buFont typeface="Arial" panose="020B0604020202020204" pitchFamily="34" charset="0"/>
-              <a:buChar char="•"/>
-              <a:defRPr lang="en-US" sz="1200" kern="1200" smtClean="0">
-                <a:solidFill>
-                  <a:schemeClr val="tx1">
-                    <a:lumMod val="75000"/>
-                    <a:lumOff val="25000"/>
-                  </a:schemeClr>
-                </a:solidFill>
-                <a:latin typeface="+mn-lt"/>
-                <a:ea typeface="+mn-ea"/>
-                <a:cs typeface="+mn-cs"/>
-              </a:defRPr>
-            </a:lvl4pPr>
-            <a:lvl5pPr marL="2057400" indent="-228600" algn="l" defTabSz="914400" rtl="0" eaLnBrk="1" latinLnBrk="0" hangingPunct="1">
-              <a:lnSpc>
-                <a:spcPts val="1800"/>
-              </a:lnSpc>
-              <a:spcBef>
-                <a:spcPts val="1000"/>
-              </a:spcBef>
-              <a:spcAft>
-                <a:spcPts val="1000"/>
-              </a:spcAft>
-              <a:buFont typeface="Arial" panose="020B0604020202020204" pitchFamily="34" charset="0"/>
-              <a:buChar char="•"/>
-              <a:defRPr lang="en-US" sz="1200" kern="1200">
-                <a:solidFill>
-                  <a:schemeClr val="tx1">
-                    <a:lumMod val="75000"/>
-                    <a:lumOff val="25000"/>
-                  </a:schemeClr>
-                </a:solidFill>
-                <a:latin typeface="+mn-lt"/>
-                <a:ea typeface="+mn-ea"/>
-                <a:cs typeface="+mn-cs"/>
-              </a:defRPr>
-            </a:lvl5pPr>
-            <a:lvl6pPr marL="2514600" indent="-228600" algn="l" defTabSz="914400" rtl="0" eaLnBrk="1" latinLnBrk="0" hangingPunct="1">
-              <a:lnSpc>
-                <a:spcPct val="90000"/>
-              </a:lnSpc>
-              <a:spcBef>
-                <a:spcPct val="30000"/>
-              </a:spcBef>
-              <a:buFont typeface="Arial" panose="020B0604020202020204" pitchFamily="34" charset="0"/>
-              <a:buChar char="•"/>
-              <a:defRPr sz="1800" kern="1200">
-                <a:solidFill>
-                  <a:schemeClr val="tx1"/>
-                </a:solidFill>
-                <a:latin typeface="+mn-lt"/>
-                <a:ea typeface="+mn-ea"/>
-                <a:cs typeface="+mn-cs"/>
-              </a:defRPr>
-            </a:lvl6pPr>
-            <a:lvl7pPr marL="2971800" indent="-228600" algn="l" defTabSz="914400" rtl="0" eaLnBrk="1" latinLnBrk="0" hangingPunct="1">
-              <a:lnSpc>
-                <a:spcPct val="90000"/>
-              </a:lnSpc>
-              <a:spcBef>
-                <a:spcPct val="30000"/>
-              </a:spcBef>
-              <a:buFont typeface="Arial" panose="020B0604020202020204" pitchFamily="34" charset="0"/>
-              <a:buChar char="•"/>
-              <a:defRPr sz="1800" kern="1200">
-                <a:solidFill>
-                  <a:schemeClr val="tx1"/>
-                </a:solidFill>
-                <a:latin typeface="+mn-lt"/>
-                <a:ea typeface="+mn-ea"/>
-                <a:cs typeface="+mn-cs"/>
-              </a:defRPr>
-            </a:lvl7pPr>
-            <a:lvl8pPr marL="3429000" indent="-228600" algn="l" defTabSz="914400" rtl="0" eaLnBrk="1" latinLnBrk="0" hangingPunct="1">
-              <a:lnSpc>
-                <a:spcPct val="90000"/>
-              </a:lnSpc>
-              <a:spcBef>
-                <a:spcPct val="30000"/>
-              </a:spcBef>
-              <a:buFont typeface="Arial" panose="020B0604020202020204" pitchFamily="34" charset="0"/>
-              <a:buChar char="•"/>
-              <a:defRPr sz="1800" kern="1200">
-                <a:solidFill>
-                  <a:schemeClr val="tx1"/>
-                </a:solidFill>
-                <a:latin typeface="+mn-lt"/>
-                <a:ea typeface="+mn-ea"/>
-                <a:cs typeface="+mn-cs"/>
-              </a:defRPr>
-            </a:lvl8pPr>
-            <a:lvl9pPr marL="3886200" indent="-228600" algn="l" defTabSz="914400" rtl="0" eaLnBrk="1" latinLnBrk="0" hangingPunct="1">
-              <a:lnSpc>
-                <a:spcPct val="90000"/>
-              </a:lnSpc>
-              <a:spcBef>
-                <a:spcPct val="30000"/>
-              </a:spcBef>
-              <a:buFont typeface="Arial" panose="020B0604020202020204" pitchFamily="34" charset="0"/>
-              <a:buChar char="•"/>
-              <a:defRPr sz="1800" kern="1200">
-                <a:solidFill>
-                  <a:schemeClr val="tx1"/>
-                </a:solidFill>
-                <a:latin typeface="+mn-lt"/>
-                <a:ea typeface="+mn-ea"/>
-                <a:cs typeface="+mn-cs"/>
-              </a:defRPr>
-            </a:lvl9pPr>
-          </a:lstStyle>
-          <a:p>
-            <a:pPr marL="0" indent="0">
-              <a:spcAft>
-                <a:spcPts val="2000"/>
-              </a:spcAft>
-              <a:buNone/>
-            </a:pPr>
-            <a:endParaRPr lang="en-US" sz="1800" dirty="0">
-              <a:latin typeface="Segoe UI" panose="020B0502040204020203" pitchFamily="34" charset="0"/>
-              <a:cs typeface="Segoe UI" panose="020B0502040204020203" pitchFamily="34" charset="0"/>
-            </a:endParaRPr>
-          </a:p>
-        </p:txBody>
-      </p:sp>
-      <p:sp>
-        <p:nvSpPr>
-          <p:cNvPr id="8" name="TextBox 7">
-            <a:extLst>
-              <a:ext uri="{FF2B5EF4-FFF2-40B4-BE49-F238E27FC236}">
-                <a16:creationId xmlns:a16="http://schemas.microsoft.com/office/drawing/2014/main" id="{D4329088-EA16-420B-B145-A30265C6D3B4}"/>
-              </a:ext>
-            </a:extLst>
-          </p:cNvPr>
-          <p:cNvSpPr txBox="1"/>
-          <p:nvPr/>
-        </p:nvSpPr>
-        <p:spPr>
-          <a:xfrm>
-            <a:off x="541609" y="1691065"/>
-            <a:ext cx="10971964" cy="4185761"/>
-          </a:xfrm>
-          <a:prstGeom prst="rect">
-            <a:avLst/>
-          </a:prstGeom>
-          <a:noFill/>
-        </p:spPr>
-        <p:txBody>
-          <a:bodyPr wrap="square">
-            <a:spAutoFit/>
-          </a:bodyPr>
-          <a:lstStyle/>
-          <a:p>
-            <a:pPr marL="457200" lvl="1" indent="0">
-              <a:buNone/>
-            </a:pPr>
-            <a:r>
-              <a:rPr lang="en-GB" sz="3800" dirty="0">
-                <a:solidFill>
-                  <a:schemeClr val="bg2">
-                    <a:lumMod val="25000"/>
-                  </a:schemeClr>
-                </a:solidFill>
-                <a:latin typeface="Segoe UI Light" panose="020B0502040204020203" pitchFamily="34" charset="0"/>
-                <a:cs typeface="Segoe UI Light" panose="020B0502040204020203" pitchFamily="34" charset="0"/>
-              </a:rPr>
-              <a:t>These are only limited by our use of JS as they are regular JS components.</a:t>
-            </a:r>
-          </a:p>
-          <a:p>
-            <a:pPr marL="457200" lvl="1" indent="0">
-              <a:buNone/>
-            </a:pPr>
-            <a:endParaRPr lang="en-GB" sz="3800" dirty="0">
-              <a:solidFill>
-                <a:schemeClr val="bg2">
-                  <a:lumMod val="25000"/>
-                </a:schemeClr>
-              </a:solidFill>
-              <a:latin typeface="Segoe UI Light" panose="020B0502040204020203" pitchFamily="34" charset="0"/>
-              <a:cs typeface="Segoe UI Light" panose="020B0502040204020203" pitchFamily="34" charset="0"/>
-            </a:endParaRPr>
-          </a:p>
-          <a:p>
-            <a:pPr marL="457200" lvl="1" indent="0">
-              <a:buNone/>
-            </a:pPr>
-            <a:r>
-              <a:rPr lang="en-GB" sz="3800" dirty="0">
-                <a:solidFill>
-                  <a:schemeClr val="bg2">
-                    <a:lumMod val="25000"/>
-                  </a:schemeClr>
-                </a:solidFill>
-                <a:latin typeface="Segoe UI Light" panose="020B0502040204020203" pitchFamily="34" charset="0"/>
-                <a:cs typeface="Segoe UI Light" panose="020B0502040204020203" pitchFamily="34" charset="0"/>
-              </a:rPr>
-              <a:t>We will look at couple of UI components and many more highly functional components that have built in functionality…</a:t>
-            </a:r>
-          </a:p>
-          <a:p>
-            <a:pPr marL="457200" lvl="1" indent="0">
-              <a:buNone/>
-            </a:pPr>
-            <a:endParaRPr lang="en-GB" sz="3800" dirty="0">
-              <a:solidFill>
-                <a:schemeClr val="bg2">
-                  <a:lumMod val="25000"/>
-                </a:schemeClr>
-              </a:solidFill>
-              <a:latin typeface="Segoe UI Light" panose="020B0502040204020203" pitchFamily="34" charset="0"/>
-              <a:cs typeface="Segoe UI Light" panose="020B0502040204020203" pitchFamily="34" charset="0"/>
-            </a:endParaRPr>
-          </a:p>
-        </p:txBody>
-      </p:sp>
-    </p:spTree>
-    <p:extLst>
-      <p:ext uri="{BB962C8B-B14F-4D97-AF65-F5344CB8AC3E}">
-        <p14:creationId xmlns:p14="http://schemas.microsoft.com/office/powerpoint/2010/main" val="2010978496"/>
-      </p:ext>
-    </p:extLst>
-  </p:cSld>
-  <p:clrMapOvr>
-    <a:masterClrMapping/>
-  </p:clrMapOvr>
-</p:sld>
-</file>
-
 <file path=ppt/slides/slide46.xml><?xml version="1.0" encoding="utf-8"?>
 <p:sld xmlns:a="http://schemas.openxmlformats.org/drawingml/2006/main" xmlns:r="http://schemas.openxmlformats.org/officeDocument/2006/relationships" xmlns:p="http://schemas.openxmlformats.org/presentationml/2006/main">
   <p:cSld>
@@ -28011,7 +28274,7 @@
         </p:nvSpPr>
         <p:spPr>
           <a:xfrm>
-            <a:off x="541609" y="1455491"/>
+            <a:off x="678427" y="1330374"/>
             <a:ext cx="5110161" cy="471149"/>
           </a:xfrm>
           <a:prstGeom prst="rect">
@@ -28244,8 +28507,8 @@
         </p:nvSpPr>
         <p:spPr>
           <a:xfrm>
-            <a:off x="541609" y="1012639"/>
-            <a:ext cx="10971964" cy="6524863"/>
+            <a:off x="541609" y="1691065"/>
+            <a:ext cx="10971964" cy="4185761"/>
           </a:xfrm>
           <a:prstGeom prst="rect">
             <a:avLst/>
@@ -28257,6 +28520,23 @@
             <a:spAutoFit/>
           </a:bodyPr>
           <a:lstStyle/>
+          <a:p>
+            <a:pPr marL="457200" lvl="1" indent="0">
+              <a:buNone/>
+            </a:pPr>
+            <a:r>
+              <a:rPr lang="en-GB" sz="3800" dirty="0">
+                <a:solidFill>
+                  <a:schemeClr val="bg2">
+                    <a:lumMod val="25000"/>
+                  </a:schemeClr>
+                </a:solidFill>
+                <a:latin typeface="Segoe UI Light" panose="020B0502040204020203" pitchFamily="34" charset="0"/>
+                <a:cs typeface="Segoe UI Light" panose="020B0502040204020203" pitchFamily="34" charset="0"/>
+              </a:rPr>
+              <a:t>These are only limited by our use of JS as they are regular JS components.</a:t>
+            </a:r>
+          </a:p>
           <a:p>
             <a:pPr marL="457200" lvl="1" indent="0">
               <a:buNone/>
@@ -28272,9 +28552,8 @@
             </a:endParaRPr>
           </a:p>
           <a:p>
-            <a:pPr marL="1028700" lvl="1" indent="-571500">
-              <a:buFont typeface="Arial" panose="020B0604020202020204" pitchFamily="34" charset="0"/>
-              <a:buChar char="•"/>
+            <a:pPr marL="457200" lvl="1" indent="0">
+              <a:buNone/>
             </a:pPr>
             <a:r>
               <a:rPr lang="en-GB" sz="3800" dirty="0">
@@ -28286,79 +28565,7 @@
                 <a:latin typeface="Segoe UI Light" panose="020B0502040204020203" pitchFamily="34" charset="0"/>
                 <a:cs typeface="Segoe UI Light" panose="020B0502040204020203" pitchFamily="34" charset="0"/>
               </a:rPr>
-              <a:t>Fetch requests.</a:t>
-            </a:r>
-          </a:p>
-          <a:p>
-            <a:pPr marL="1028700" lvl="1" indent="-571500">
-              <a:buFont typeface="Arial" panose="020B0604020202020204" pitchFamily="34" charset="0"/>
-              <a:buChar char="•"/>
-            </a:pPr>
-            <a:r>
-              <a:rPr lang="en-GB" sz="3800" dirty="0">
-                <a:solidFill>
-                  <a:schemeClr val="bg2">
-                    <a:lumMod val="25000"/>
-                  </a:schemeClr>
-                </a:solidFill>
-                <a:latin typeface="Segoe UI Light" panose="020B0502040204020203" pitchFamily="34" charset="0"/>
-                <a:cs typeface="Segoe UI Light" panose="020B0502040204020203" pitchFamily="34" charset="0"/>
-              </a:rPr>
-              <a:t>Lazy loading and dynamic loading (scripts/components).</a:t>
-            </a:r>
-          </a:p>
-          <a:p>
-            <a:pPr marL="1028700" lvl="1" indent="-571500">
-              <a:buFont typeface="Arial" panose="020B0604020202020204" pitchFamily="34" charset="0"/>
-              <a:buChar char="•"/>
-            </a:pPr>
-            <a:r>
-              <a:rPr lang="en-GB" sz="3800" dirty="0">
-                <a:solidFill>
-                  <a:schemeClr val="bg2">
-                    <a:lumMod val="25000"/>
-                  </a:schemeClr>
-                </a:solidFill>
-                <a:latin typeface="Segoe UI Light" panose="020B0502040204020203" pitchFamily="34" charset="0"/>
-                <a:cs typeface="Segoe UI Light" panose="020B0502040204020203" pitchFamily="34" charset="0"/>
-              </a:rPr>
-              <a:t>Storing JSON in IndexedDB and rendering it via templates.</a:t>
-            </a:r>
-          </a:p>
-          <a:p>
-            <a:pPr marL="1028700" lvl="1" indent="-571500">
-              <a:buFont typeface="Arial" panose="020B0604020202020204" pitchFamily="34" charset="0"/>
-              <a:buChar char="•"/>
-            </a:pPr>
-            <a:r>
-              <a:rPr lang="en-GB" sz="3800" dirty="0">
-                <a:solidFill>
-                  <a:schemeClr val="bg2">
-                    <a:lumMod val="25000"/>
-                  </a:schemeClr>
-                </a:solidFill>
-                <a:latin typeface="Segoe UI Light" panose="020B0502040204020203" pitchFamily="34" charset="0"/>
-                <a:cs typeface="Segoe UI Light" panose="020B0502040204020203" pitchFamily="34" charset="0"/>
-              </a:rPr>
-              <a:t>Authentication and storage of JSON Web Tokens.</a:t>
-            </a:r>
-          </a:p>
-          <a:p>
-            <a:pPr marL="1028700" lvl="1" indent="-571500">
-              <a:buFont typeface="Arial" panose="020B0604020202020204" pitchFamily="34" charset="0"/>
-              <a:buChar char="•"/>
-            </a:pPr>
-            <a:r>
-              <a:rPr lang="en-GB" sz="3800" dirty="0">
-                <a:solidFill>
-                  <a:schemeClr val="bg2">
-                    <a:lumMod val="25000"/>
-                  </a:schemeClr>
-                </a:solidFill>
-                <a:latin typeface="Segoe UI Light" panose="020B0502040204020203" pitchFamily="34" charset="0"/>
-                <a:cs typeface="Segoe UI Light" panose="020B0502040204020203" pitchFamily="34" charset="0"/>
-              </a:rPr>
-              <a:t>Added offline capability and ‘instant’ pages.</a:t>
+              <a:t>We will look at couple of UI components and many more highly functional components that have built in functionality…</a:t>
             </a:r>
           </a:p>
           <a:p>
@@ -28375,26 +28582,12 @@
               <a:cs typeface="Segoe UI Light" panose="020B0502040204020203" pitchFamily="34" charset="0"/>
             </a:endParaRPr>
           </a:p>
-          <a:p>
-            <a:pPr marL="457200" lvl="1" indent="0">
-              <a:buNone/>
-            </a:pPr>
-            <a:endParaRPr lang="en-GB" sz="3800" dirty="0">
-              <a:solidFill>
-                <a:schemeClr val="bg2">
-                  <a:lumMod val="25000"/>
-                </a:schemeClr>
-              </a:solidFill>
-              <a:latin typeface="Segoe UI Light" panose="020B0502040204020203" pitchFamily="34" charset="0"/>
-              <a:cs typeface="Segoe UI Light" panose="020B0502040204020203" pitchFamily="34" charset="0"/>
-            </a:endParaRPr>
-          </a:p>
         </p:txBody>
       </p:sp>
     </p:spTree>
     <p:extLst>
       <p:ext uri="{BB962C8B-B14F-4D97-AF65-F5344CB8AC3E}">
-        <p14:creationId xmlns:p14="http://schemas.microsoft.com/office/powerpoint/2010/main" val="1862207496"/>
+        <p14:creationId xmlns:p14="http://schemas.microsoft.com/office/powerpoint/2010/main" val="2010978496"/>
       </p:ext>
     </p:extLst>
   </p:cSld>
@@ -28448,7 +28641,7 @@
                 <a:latin typeface="Segoe UI Light" panose="020B0502040204020203" pitchFamily="34" charset="0"/>
                 <a:cs typeface="Segoe UI Light" panose="020B0502040204020203" pitchFamily="34" charset="0"/>
               </a:rPr>
-              <a:t>Useful references</a:t>
+              <a:t>Types of Web Components</a:t>
             </a:r>
           </a:p>
         </p:txBody>
@@ -28684,422 +28877,34 @@
       </p:sp>
       <p:sp>
         <p:nvSpPr>
-          <p:cNvPr id="36" name="Content Placeholder 17"/>
-          <p:cNvSpPr txBox="1">
-            <a:spLocks/>
-          </p:cNvSpPr>
+          <p:cNvPr id="8" name="TextBox 7">
+            <a:extLst>
+              <a:ext uri="{FF2B5EF4-FFF2-40B4-BE49-F238E27FC236}">
+                <a16:creationId xmlns:a16="http://schemas.microsoft.com/office/drawing/2014/main" id="{D4329088-EA16-420B-B145-A30265C6D3B4}"/>
+              </a:ext>
+            </a:extLst>
+          </p:cNvPr>
+          <p:cNvSpPr txBox="1"/>
           <p:nvPr/>
         </p:nvSpPr>
         <p:spPr>
           <a:xfrm>
-            <a:off x="667892" y="1550741"/>
-            <a:ext cx="10356444" cy="5147658"/>
+            <a:off x="541609" y="1012639"/>
+            <a:ext cx="10971964" cy="6524863"/>
           </a:xfrm>
           <a:prstGeom prst="rect">
             <a:avLst/>
           </a:prstGeom>
+          <a:noFill/>
         </p:spPr>
         <p:txBody>
-          <a:bodyPr vert="horz" lIns="91440" tIns="45720" rIns="91440" bIns="45720" rtlCol="0">
-            <a:noAutofit/>
+          <a:bodyPr wrap="square">
+            <a:spAutoFit/>
           </a:bodyPr>
-          <a:lstStyle>
-            <a:lvl1pPr marL="228600" indent="-228600" algn="l" defTabSz="914400" rtl="0" eaLnBrk="1" latinLnBrk="0" hangingPunct="1">
-              <a:lnSpc>
-                <a:spcPts val="1800"/>
-              </a:lnSpc>
-              <a:spcBef>
-                <a:spcPts val="1000"/>
-              </a:spcBef>
-              <a:spcAft>
-                <a:spcPts val="1000"/>
-              </a:spcAft>
-              <a:buFont typeface="Arial" panose="020B0604020202020204" pitchFamily="34" charset="0"/>
-              <a:buChar char="•"/>
-              <a:defRPr lang="en-US" sz="1200" kern="1200" smtClean="0">
-                <a:solidFill>
-                  <a:schemeClr val="tx1">
-                    <a:lumMod val="75000"/>
-                    <a:lumOff val="25000"/>
-                  </a:schemeClr>
-                </a:solidFill>
-                <a:latin typeface="+mn-lt"/>
-                <a:ea typeface="+mn-ea"/>
-                <a:cs typeface="+mn-cs"/>
-              </a:defRPr>
-            </a:lvl1pPr>
-            <a:lvl2pPr marL="685800" indent="-228600" algn="l" defTabSz="914400" rtl="0" eaLnBrk="1" latinLnBrk="0" hangingPunct="1">
-              <a:lnSpc>
-                <a:spcPts val="1800"/>
-              </a:lnSpc>
-              <a:spcBef>
-                <a:spcPts val="1000"/>
-              </a:spcBef>
-              <a:spcAft>
-                <a:spcPts val="1000"/>
-              </a:spcAft>
-              <a:buFont typeface="Arial" panose="020B0604020202020204" pitchFamily="34" charset="0"/>
-              <a:buChar char="•"/>
-              <a:defRPr lang="en-US" sz="1200" kern="1200" smtClean="0">
-                <a:solidFill>
-                  <a:schemeClr val="tx1">
-                    <a:lumMod val="75000"/>
-                    <a:lumOff val="25000"/>
-                  </a:schemeClr>
-                </a:solidFill>
-                <a:latin typeface="+mn-lt"/>
-                <a:ea typeface="+mn-ea"/>
-                <a:cs typeface="+mn-cs"/>
-              </a:defRPr>
-            </a:lvl2pPr>
-            <a:lvl3pPr marL="1143000" indent="-228600" algn="l" defTabSz="914400" rtl="0" eaLnBrk="1" latinLnBrk="0" hangingPunct="1">
-              <a:lnSpc>
-                <a:spcPts val="1800"/>
-              </a:lnSpc>
-              <a:spcBef>
-                <a:spcPts val="1000"/>
-              </a:spcBef>
-              <a:spcAft>
-                <a:spcPts val="1000"/>
-              </a:spcAft>
-              <a:buFont typeface="Arial" panose="020B0604020202020204" pitchFamily="34" charset="0"/>
-              <a:buChar char="•"/>
-              <a:defRPr lang="en-US" sz="1200" kern="1200" smtClean="0">
-                <a:solidFill>
-                  <a:schemeClr val="tx1">
-                    <a:lumMod val="75000"/>
-                    <a:lumOff val="25000"/>
-                  </a:schemeClr>
-                </a:solidFill>
-                <a:latin typeface="+mn-lt"/>
-                <a:ea typeface="+mn-ea"/>
-                <a:cs typeface="+mn-cs"/>
-              </a:defRPr>
-            </a:lvl3pPr>
-            <a:lvl4pPr marL="1600200" indent="-228600" algn="l" defTabSz="914400" rtl="0" eaLnBrk="1" latinLnBrk="0" hangingPunct="1">
-              <a:lnSpc>
-                <a:spcPts val="1800"/>
-              </a:lnSpc>
-              <a:spcBef>
-                <a:spcPts val="1000"/>
-              </a:spcBef>
-              <a:spcAft>
-                <a:spcPts val="1000"/>
-              </a:spcAft>
-              <a:buFont typeface="Arial" panose="020B0604020202020204" pitchFamily="34" charset="0"/>
-              <a:buChar char="•"/>
-              <a:defRPr lang="en-US" sz="1200" kern="1200" smtClean="0">
-                <a:solidFill>
-                  <a:schemeClr val="tx1">
-                    <a:lumMod val="75000"/>
-                    <a:lumOff val="25000"/>
-                  </a:schemeClr>
-                </a:solidFill>
-                <a:latin typeface="+mn-lt"/>
-                <a:ea typeface="+mn-ea"/>
-                <a:cs typeface="+mn-cs"/>
-              </a:defRPr>
-            </a:lvl4pPr>
-            <a:lvl5pPr marL="2057400" indent="-228600" algn="l" defTabSz="914400" rtl="0" eaLnBrk="1" latinLnBrk="0" hangingPunct="1">
-              <a:lnSpc>
-                <a:spcPts val="1800"/>
-              </a:lnSpc>
-              <a:spcBef>
-                <a:spcPts val="1000"/>
-              </a:spcBef>
-              <a:spcAft>
-                <a:spcPts val="1000"/>
-              </a:spcAft>
-              <a:buFont typeface="Arial" panose="020B0604020202020204" pitchFamily="34" charset="0"/>
-              <a:buChar char="•"/>
-              <a:defRPr lang="en-US" sz="1200" kern="1200">
-                <a:solidFill>
-                  <a:schemeClr val="tx1">
-                    <a:lumMod val="75000"/>
-                    <a:lumOff val="25000"/>
-                  </a:schemeClr>
-                </a:solidFill>
-                <a:latin typeface="+mn-lt"/>
-                <a:ea typeface="+mn-ea"/>
-                <a:cs typeface="+mn-cs"/>
-              </a:defRPr>
-            </a:lvl5pPr>
-            <a:lvl6pPr marL="2514600" indent="-228600" algn="l" defTabSz="914400" rtl="0" eaLnBrk="1" latinLnBrk="0" hangingPunct="1">
-              <a:lnSpc>
-                <a:spcPct val="90000"/>
-              </a:lnSpc>
-              <a:spcBef>
-                <a:spcPct val="30000"/>
-              </a:spcBef>
-              <a:buFont typeface="Arial" panose="020B0604020202020204" pitchFamily="34" charset="0"/>
-              <a:buChar char="•"/>
-              <a:defRPr sz="1800" kern="1200">
-                <a:solidFill>
-                  <a:schemeClr val="tx1"/>
-                </a:solidFill>
-                <a:latin typeface="+mn-lt"/>
-                <a:ea typeface="+mn-ea"/>
-                <a:cs typeface="+mn-cs"/>
-              </a:defRPr>
-            </a:lvl6pPr>
-            <a:lvl7pPr marL="2971800" indent="-228600" algn="l" defTabSz="914400" rtl="0" eaLnBrk="1" latinLnBrk="0" hangingPunct="1">
-              <a:lnSpc>
-                <a:spcPct val="90000"/>
-              </a:lnSpc>
-              <a:spcBef>
-                <a:spcPct val="30000"/>
-              </a:spcBef>
-              <a:buFont typeface="Arial" panose="020B0604020202020204" pitchFamily="34" charset="0"/>
-              <a:buChar char="•"/>
-              <a:defRPr sz="1800" kern="1200">
-                <a:solidFill>
-                  <a:schemeClr val="tx1"/>
-                </a:solidFill>
-                <a:latin typeface="+mn-lt"/>
-                <a:ea typeface="+mn-ea"/>
-                <a:cs typeface="+mn-cs"/>
-              </a:defRPr>
-            </a:lvl7pPr>
-            <a:lvl8pPr marL="3429000" indent="-228600" algn="l" defTabSz="914400" rtl="0" eaLnBrk="1" latinLnBrk="0" hangingPunct="1">
-              <a:lnSpc>
-                <a:spcPct val="90000"/>
-              </a:lnSpc>
-              <a:spcBef>
-                <a:spcPct val="30000"/>
-              </a:spcBef>
-              <a:buFont typeface="Arial" panose="020B0604020202020204" pitchFamily="34" charset="0"/>
-              <a:buChar char="•"/>
-              <a:defRPr sz="1800" kern="1200">
-                <a:solidFill>
-                  <a:schemeClr val="tx1"/>
-                </a:solidFill>
-                <a:latin typeface="+mn-lt"/>
-                <a:ea typeface="+mn-ea"/>
-                <a:cs typeface="+mn-cs"/>
-              </a:defRPr>
-            </a:lvl8pPr>
-            <a:lvl9pPr marL="3886200" indent="-228600" algn="l" defTabSz="914400" rtl="0" eaLnBrk="1" latinLnBrk="0" hangingPunct="1">
-              <a:lnSpc>
-                <a:spcPct val="90000"/>
-              </a:lnSpc>
-              <a:spcBef>
-                <a:spcPct val="30000"/>
-              </a:spcBef>
-              <a:buFont typeface="Arial" panose="020B0604020202020204" pitchFamily="34" charset="0"/>
-              <a:buChar char="•"/>
-              <a:defRPr sz="1800" kern="1200">
-                <a:solidFill>
-                  <a:schemeClr val="tx1"/>
-                </a:solidFill>
-                <a:latin typeface="+mn-lt"/>
-                <a:ea typeface="+mn-ea"/>
-                <a:cs typeface="+mn-cs"/>
-              </a:defRPr>
-            </a:lvl9pPr>
-          </a:lstStyle>
+          <a:lstStyle/>
           <a:p>
             <a:pPr marL="457200" lvl="1" indent="0">
-              <a:lnSpc>
-                <a:spcPts val="3000"/>
-              </a:lnSpc>
               <a:buNone/>
-            </a:pPr>
-            <a:r>
-              <a:rPr lang="en-GB" sz="3800" b="1" dirty="0">
-                <a:solidFill>
-                  <a:schemeClr val="bg2">
-                    <a:lumMod val="25000"/>
-                  </a:schemeClr>
-                </a:solidFill>
-                <a:latin typeface="Segoe UI Light" panose="020B0502040204020203" pitchFamily="34" charset="0"/>
-                <a:cs typeface="Segoe UI Light" panose="020B0502040204020203" pitchFamily="34" charset="0"/>
-                <a:hlinkClick r:id="rId2">
-                  <a:extLst>
-                    <a:ext uri="{A12FA001-AC4F-418D-AE19-62706E023703}">
-                      <ahyp:hlinkClr xmlns:ahyp="http://schemas.microsoft.com/office/drawing/2018/hyperlinkcolor" val="tx"/>
-                    </a:ext>
-                  </a:extLst>
-                </a:hlinkClick>
-              </a:rPr>
-              <a:t>https://www.webcomponents.org/</a:t>
-            </a:r>
-            <a:r>
-              <a:rPr lang="en-GB" sz="3800" b="1" dirty="0">
-                <a:solidFill>
-                  <a:schemeClr val="bg2">
-                    <a:lumMod val="25000"/>
-                  </a:schemeClr>
-                </a:solidFill>
-                <a:latin typeface="Segoe UI Light" panose="020B0502040204020203" pitchFamily="34" charset="0"/>
-                <a:cs typeface="Segoe UI Light" panose="020B0502040204020203" pitchFamily="34" charset="0"/>
-              </a:rPr>
-              <a:t> </a:t>
-            </a:r>
-          </a:p>
-          <a:p>
-            <a:pPr marL="457200" lvl="1" indent="0">
-              <a:lnSpc>
-                <a:spcPts val="3000"/>
-              </a:lnSpc>
-              <a:buNone/>
-            </a:pPr>
-            <a:r>
-              <a:rPr lang="en-GB" sz="3800" dirty="0">
-                <a:solidFill>
-                  <a:schemeClr val="bg2">
-                    <a:lumMod val="25000"/>
-                  </a:schemeClr>
-                </a:solidFill>
-                <a:latin typeface="Segoe UI Light" panose="020B0502040204020203" pitchFamily="34" charset="0"/>
-                <a:cs typeface="Segoe UI Light" panose="020B0502040204020203" pitchFamily="34" charset="0"/>
-              </a:rPr>
-              <a:t>- main reference site</a:t>
-            </a:r>
-          </a:p>
-          <a:p>
-            <a:pPr marL="457200" lvl="1" indent="0">
-              <a:lnSpc>
-                <a:spcPts val="3000"/>
-              </a:lnSpc>
-              <a:buNone/>
-            </a:pPr>
-            <a:r>
-              <a:rPr lang="en-GB" sz="3800" b="1" dirty="0">
-                <a:solidFill>
-                  <a:schemeClr val="bg2">
-                    <a:lumMod val="25000"/>
-                  </a:schemeClr>
-                </a:solidFill>
-                <a:latin typeface="Segoe UI Light" panose="020B0502040204020203" pitchFamily="34" charset="0"/>
-                <a:cs typeface="Segoe UI Light" panose="020B0502040204020203" pitchFamily="34" charset="0"/>
-                <a:hlinkClick r:id="rId3">
-                  <a:extLst>
-                    <a:ext uri="{A12FA001-AC4F-418D-AE19-62706E023703}">
-                      <ahyp:hlinkClr xmlns:ahyp="http://schemas.microsoft.com/office/drawing/2018/hyperlinkcolor" val="tx"/>
-                    </a:ext>
-                  </a:extLst>
-                </a:hlinkClick>
-              </a:rPr>
-              <a:t>https://custom-elements-everywhere.com/</a:t>
-            </a:r>
-            <a:r>
-              <a:rPr lang="en-GB" sz="3800" b="1" dirty="0">
-                <a:solidFill>
-                  <a:schemeClr val="bg2">
-                    <a:lumMod val="25000"/>
-                  </a:schemeClr>
-                </a:solidFill>
-                <a:latin typeface="Segoe UI Light" panose="020B0502040204020203" pitchFamily="34" charset="0"/>
-                <a:cs typeface="Segoe UI Light" panose="020B0502040204020203" pitchFamily="34" charset="0"/>
-              </a:rPr>
-              <a:t> </a:t>
-            </a:r>
-          </a:p>
-          <a:p>
-            <a:pPr marL="457200" lvl="1" indent="0">
-              <a:lnSpc>
-                <a:spcPts val="3500"/>
-              </a:lnSpc>
-              <a:buNone/>
-            </a:pPr>
-            <a:r>
-              <a:rPr lang="en-GB" sz="3800" dirty="0">
-                <a:solidFill>
-                  <a:schemeClr val="bg2">
-                    <a:lumMod val="25000"/>
-                  </a:schemeClr>
-                </a:solidFill>
-                <a:latin typeface="Segoe UI Light" panose="020B0502040204020203" pitchFamily="34" charset="0"/>
-                <a:cs typeface="Segoe UI Light" panose="020B0502040204020203" pitchFamily="34" charset="0"/>
-              </a:rPr>
-              <a:t>(Making sure frameworks and custom elements can be BFFs )</a:t>
-            </a:r>
-          </a:p>
-          <a:p>
-            <a:pPr marL="457200" lvl="1" indent="0">
-              <a:lnSpc>
-                <a:spcPts val="3000"/>
-              </a:lnSpc>
-              <a:buNone/>
-            </a:pPr>
-            <a:r>
-              <a:rPr lang="en-GB" sz="3800" b="1" dirty="0">
-                <a:solidFill>
-                  <a:schemeClr val="bg2">
-                    <a:lumMod val="25000"/>
-                  </a:schemeClr>
-                </a:solidFill>
-                <a:latin typeface="Segoe UI Light" panose="020B0502040204020203" pitchFamily="34" charset="0"/>
-                <a:cs typeface="Segoe UI Light" panose="020B0502040204020203" pitchFamily="34" charset="0"/>
-                <a:hlinkClick r:id="rId4">
-                  <a:extLst>
-                    <a:ext uri="{A12FA001-AC4F-418D-AE19-62706E023703}">
-                      <ahyp:hlinkClr xmlns:ahyp="http://schemas.microsoft.com/office/drawing/2018/hyperlinkcolor" val="tx"/>
-                    </a:ext>
-                  </a:extLst>
-                </a:hlinkClick>
-              </a:rPr>
-              <a:t>https://webcomponents.dev/</a:t>
-            </a:r>
-            <a:r>
-              <a:rPr lang="en-GB" sz="3800" b="1" dirty="0">
-                <a:solidFill>
-                  <a:schemeClr val="bg2">
-                    <a:lumMod val="25000"/>
-                  </a:schemeClr>
-                </a:solidFill>
-                <a:latin typeface="Segoe UI Light" panose="020B0502040204020203" pitchFamily="34" charset="0"/>
-                <a:cs typeface="Segoe UI Light" panose="020B0502040204020203" pitchFamily="34" charset="0"/>
-              </a:rPr>
-              <a:t> </a:t>
-            </a:r>
-          </a:p>
-          <a:p>
-            <a:pPr lvl="1">
-              <a:lnSpc>
-                <a:spcPts val="3000"/>
-              </a:lnSpc>
-              <a:buFontTx/>
-              <a:buChar char="-"/>
-            </a:pPr>
-            <a:r>
-              <a:rPr lang="en-GB" sz="3800" dirty="0">
-                <a:solidFill>
-                  <a:schemeClr val="bg2">
-                    <a:lumMod val="25000"/>
-                  </a:schemeClr>
-                </a:solidFill>
-                <a:latin typeface="Segoe UI Light" panose="020B0502040204020203" pitchFamily="34" charset="0"/>
-                <a:cs typeface="Segoe UI Light" panose="020B0502040204020203" pitchFamily="34" charset="0"/>
-              </a:rPr>
-              <a:t>over 40 libraries and compilers </a:t>
-            </a:r>
-          </a:p>
-          <a:p>
-            <a:pPr marL="457200" lvl="1" indent="0">
-              <a:lnSpc>
-                <a:spcPts val="3000"/>
-              </a:lnSpc>
-              <a:buNone/>
-            </a:pPr>
-            <a:r>
-              <a:rPr lang="en-GB" sz="3800" i="1" dirty="0">
-                <a:solidFill>
-                  <a:schemeClr val="bg2">
-                    <a:lumMod val="25000"/>
-                  </a:schemeClr>
-                </a:solidFill>
-                <a:latin typeface="Segoe UI Light" panose="020B0502040204020203" pitchFamily="34" charset="0"/>
-                <a:cs typeface="Segoe UI Light" panose="020B0502040204020203" pitchFamily="34" charset="0"/>
-              </a:rPr>
-              <a:t>let’s see these libraries and compilers…</a:t>
-            </a:r>
-          </a:p>
-          <a:p>
-            <a:pPr lvl="1">
-              <a:lnSpc>
-                <a:spcPts val="4000"/>
-              </a:lnSpc>
             </a:pPr>
             <a:endParaRPr lang="en-GB" sz="3800" dirty="0">
               <a:solidFill>
@@ -29112,17 +28917,100 @@
             </a:endParaRPr>
           </a:p>
           <a:p>
-            <a:pPr marL="0" lvl="0" indent="0">
-              <a:spcBef>
-                <a:spcPct val="0"/>
-              </a:spcBef>
-              <a:spcAft>
-                <a:spcPts val="2000"/>
-              </a:spcAft>
+            <a:pPr marL="1028700" lvl="1" indent="-571500">
+              <a:buFont typeface="Arial" panose="020B0604020202020204" pitchFamily="34" charset="0"/>
+              <a:buChar char="•"/>
+            </a:pPr>
+            <a:r>
+              <a:rPr lang="en-GB" sz="3800" dirty="0">
+                <a:solidFill>
+                  <a:schemeClr val="bg2">
+                    <a:lumMod val="25000"/>
+                  </a:schemeClr>
+                </a:solidFill>
+                <a:latin typeface="Segoe UI Light" panose="020B0502040204020203" pitchFamily="34" charset="0"/>
+                <a:cs typeface="Segoe UI Light" panose="020B0502040204020203" pitchFamily="34" charset="0"/>
+              </a:rPr>
+              <a:t>Fetch requests.</a:t>
+            </a:r>
+          </a:p>
+          <a:p>
+            <a:pPr marL="1028700" lvl="1" indent="-571500">
+              <a:buFont typeface="Arial" panose="020B0604020202020204" pitchFamily="34" charset="0"/>
+              <a:buChar char="•"/>
+            </a:pPr>
+            <a:r>
+              <a:rPr lang="en-GB" sz="3800" dirty="0">
+                <a:solidFill>
+                  <a:schemeClr val="bg2">
+                    <a:lumMod val="25000"/>
+                  </a:schemeClr>
+                </a:solidFill>
+                <a:latin typeface="Segoe UI Light" panose="020B0502040204020203" pitchFamily="34" charset="0"/>
+                <a:cs typeface="Segoe UI Light" panose="020B0502040204020203" pitchFamily="34" charset="0"/>
+              </a:rPr>
+              <a:t>Lazy loading and dynamic loading (scripts/components).</a:t>
+            </a:r>
+          </a:p>
+          <a:p>
+            <a:pPr marL="1028700" lvl="1" indent="-571500">
+              <a:buFont typeface="Arial" panose="020B0604020202020204" pitchFamily="34" charset="0"/>
+              <a:buChar char="•"/>
+            </a:pPr>
+            <a:r>
+              <a:rPr lang="en-GB" sz="3800" dirty="0">
+                <a:solidFill>
+                  <a:schemeClr val="bg2">
+                    <a:lumMod val="25000"/>
+                  </a:schemeClr>
+                </a:solidFill>
+                <a:latin typeface="Segoe UI Light" panose="020B0502040204020203" pitchFamily="34" charset="0"/>
+                <a:cs typeface="Segoe UI Light" panose="020B0502040204020203" pitchFamily="34" charset="0"/>
+              </a:rPr>
+              <a:t>Storing JSON in IndexedDB and rendering it via templates.</a:t>
+            </a:r>
+          </a:p>
+          <a:p>
+            <a:pPr marL="1028700" lvl="1" indent="-571500">
+              <a:buFont typeface="Arial" panose="020B0604020202020204" pitchFamily="34" charset="0"/>
+              <a:buChar char="•"/>
+            </a:pPr>
+            <a:r>
+              <a:rPr lang="en-GB" sz="3800" dirty="0">
+                <a:solidFill>
+                  <a:schemeClr val="bg2">
+                    <a:lumMod val="25000"/>
+                  </a:schemeClr>
+                </a:solidFill>
+                <a:latin typeface="Segoe UI Light" panose="020B0502040204020203" pitchFamily="34" charset="0"/>
+                <a:cs typeface="Segoe UI Light" panose="020B0502040204020203" pitchFamily="34" charset="0"/>
+              </a:rPr>
+              <a:t>Authentication and storage of JSON Web Tokens.</a:t>
+            </a:r>
+          </a:p>
+          <a:p>
+            <a:pPr marL="1028700" lvl="1" indent="-571500">
+              <a:buFont typeface="Arial" panose="020B0604020202020204" pitchFamily="34" charset="0"/>
+              <a:buChar char="•"/>
+            </a:pPr>
+            <a:r>
+              <a:rPr lang="en-GB" sz="3800" dirty="0">
+                <a:solidFill>
+                  <a:schemeClr val="bg2">
+                    <a:lumMod val="25000"/>
+                  </a:schemeClr>
+                </a:solidFill>
+                <a:latin typeface="Segoe UI Light" panose="020B0502040204020203" pitchFamily="34" charset="0"/>
+                <a:cs typeface="Segoe UI Light" panose="020B0502040204020203" pitchFamily="34" charset="0"/>
+              </a:rPr>
+              <a:t>Added offline capability and ‘instant’ pages.</a:t>
+            </a:r>
+          </a:p>
+          <a:p>
+            <a:pPr marL="457200" lvl="1" indent="0">
               <a:buNone/>
-              <a:defRPr/>
             </a:pPr>
-            <a:endParaRPr lang="en-US" sz="3800" dirty="0">
+            <a:endParaRPr lang="en-GB" sz="3800" dirty="0">
               <a:solidFill>
                 <a:schemeClr val="bg2">
                   <a:lumMod val="25000"/>
@@ -29132,12 +29020,26 @@
               <a:cs typeface="Segoe UI Light" panose="020B0502040204020203" pitchFamily="34" charset="0"/>
             </a:endParaRPr>
           </a:p>
+          <a:p>
+            <a:pPr marL="457200" lvl="1" indent="0">
+              <a:buNone/>
+            </a:pPr>
+            <a:endParaRPr lang="en-GB" sz="3800" dirty="0">
+              <a:solidFill>
+                <a:schemeClr val="bg2">
+                  <a:lumMod val="25000"/>
+                </a:schemeClr>
+              </a:solidFill>
+              <a:latin typeface="Segoe UI Light" panose="020B0502040204020203" pitchFamily="34" charset="0"/>
+              <a:cs typeface="Segoe UI Light" panose="020B0502040204020203" pitchFamily="34" charset="0"/>
+            </a:endParaRPr>
+          </a:p>
         </p:txBody>
       </p:sp>
     </p:spTree>
     <p:extLst>
       <p:ext uri="{BB962C8B-B14F-4D97-AF65-F5344CB8AC3E}">
-        <p14:creationId xmlns:p14="http://schemas.microsoft.com/office/powerpoint/2010/main" val="2661540520"/>
+        <p14:creationId xmlns:p14="http://schemas.microsoft.com/office/powerpoint/2010/main" val="1862207496"/>
       </p:ext>
     </p:extLst>
   </p:cSld>
@@ -29191,7 +29093,7 @@
                 <a:latin typeface="Segoe UI Light" panose="020B0502040204020203" pitchFamily="34" charset="0"/>
                 <a:cs typeface="Segoe UI Light" panose="020B0502040204020203" pitchFamily="34" charset="0"/>
               </a:rPr>
-              <a:t>Demo time</a:t>
+              <a:t>Useful references</a:t>
             </a:r>
           </a:p>
         </p:txBody>
@@ -29427,34 +29329,422 @@
       </p:sp>
       <p:sp>
         <p:nvSpPr>
-          <p:cNvPr id="8" name="TextBox 7">
-            <a:extLst>
-              <a:ext uri="{FF2B5EF4-FFF2-40B4-BE49-F238E27FC236}">
-                <a16:creationId xmlns:a16="http://schemas.microsoft.com/office/drawing/2014/main" id="{D4329088-EA16-420B-B145-A30265C6D3B4}"/>
-              </a:ext>
-            </a:extLst>
-          </p:cNvPr>
-          <p:cNvSpPr txBox="1"/>
+          <p:cNvPr id="36" name="Content Placeholder 17"/>
+          <p:cNvSpPr txBox="1">
+            <a:spLocks/>
+          </p:cNvSpPr>
           <p:nvPr/>
         </p:nvSpPr>
         <p:spPr>
           <a:xfrm>
-            <a:off x="610018" y="1102145"/>
-            <a:ext cx="10971964" cy="3753463"/>
+            <a:off x="667892" y="1550741"/>
+            <a:ext cx="10356444" cy="5147658"/>
           </a:xfrm>
           <a:prstGeom prst="rect">
             <a:avLst/>
           </a:prstGeom>
-          <a:noFill/>
         </p:spPr>
         <p:txBody>
-          <a:bodyPr wrap="square">
-            <a:spAutoFit/>
+          <a:bodyPr vert="horz" lIns="91440" tIns="45720" rIns="91440" bIns="45720" rtlCol="0">
+            <a:noAutofit/>
           </a:bodyPr>
-          <a:lstStyle/>
+          <a:lstStyle>
+            <a:lvl1pPr marL="228600" indent="-228600" algn="l" defTabSz="914400" rtl="0" eaLnBrk="1" latinLnBrk="0" hangingPunct="1">
+              <a:lnSpc>
+                <a:spcPts val="1800"/>
+              </a:lnSpc>
+              <a:spcBef>
+                <a:spcPts val="1000"/>
+              </a:spcBef>
+              <a:spcAft>
+                <a:spcPts val="1000"/>
+              </a:spcAft>
+              <a:buFont typeface="Arial" panose="020B0604020202020204" pitchFamily="34" charset="0"/>
+              <a:buChar char="•"/>
+              <a:defRPr lang="en-US" sz="1200" kern="1200" smtClean="0">
+                <a:solidFill>
+                  <a:schemeClr val="tx1">
+                    <a:lumMod val="75000"/>
+                    <a:lumOff val="25000"/>
+                  </a:schemeClr>
+                </a:solidFill>
+                <a:latin typeface="+mn-lt"/>
+                <a:ea typeface="+mn-ea"/>
+                <a:cs typeface="+mn-cs"/>
+              </a:defRPr>
+            </a:lvl1pPr>
+            <a:lvl2pPr marL="685800" indent="-228600" algn="l" defTabSz="914400" rtl="0" eaLnBrk="1" latinLnBrk="0" hangingPunct="1">
+              <a:lnSpc>
+                <a:spcPts val="1800"/>
+              </a:lnSpc>
+              <a:spcBef>
+                <a:spcPts val="1000"/>
+              </a:spcBef>
+              <a:spcAft>
+                <a:spcPts val="1000"/>
+              </a:spcAft>
+              <a:buFont typeface="Arial" panose="020B0604020202020204" pitchFamily="34" charset="0"/>
+              <a:buChar char="•"/>
+              <a:defRPr lang="en-US" sz="1200" kern="1200" smtClean="0">
+                <a:solidFill>
+                  <a:schemeClr val="tx1">
+                    <a:lumMod val="75000"/>
+                    <a:lumOff val="25000"/>
+                  </a:schemeClr>
+                </a:solidFill>
+                <a:latin typeface="+mn-lt"/>
+                <a:ea typeface="+mn-ea"/>
+                <a:cs typeface="+mn-cs"/>
+              </a:defRPr>
+            </a:lvl2pPr>
+            <a:lvl3pPr marL="1143000" indent="-228600" algn="l" defTabSz="914400" rtl="0" eaLnBrk="1" latinLnBrk="0" hangingPunct="1">
+              <a:lnSpc>
+                <a:spcPts val="1800"/>
+              </a:lnSpc>
+              <a:spcBef>
+                <a:spcPts val="1000"/>
+              </a:spcBef>
+              <a:spcAft>
+                <a:spcPts val="1000"/>
+              </a:spcAft>
+              <a:buFont typeface="Arial" panose="020B0604020202020204" pitchFamily="34" charset="0"/>
+              <a:buChar char="•"/>
+              <a:defRPr lang="en-US" sz="1200" kern="1200" smtClean="0">
+                <a:solidFill>
+                  <a:schemeClr val="tx1">
+                    <a:lumMod val="75000"/>
+                    <a:lumOff val="25000"/>
+                  </a:schemeClr>
+                </a:solidFill>
+                <a:latin typeface="+mn-lt"/>
+                <a:ea typeface="+mn-ea"/>
+                <a:cs typeface="+mn-cs"/>
+              </a:defRPr>
+            </a:lvl3pPr>
+            <a:lvl4pPr marL="1600200" indent="-228600" algn="l" defTabSz="914400" rtl="0" eaLnBrk="1" latinLnBrk="0" hangingPunct="1">
+              <a:lnSpc>
+                <a:spcPts val="1800"/>
+              </a:lnSpc>
+              <a:spcBef>
+                <a:spcPts val="1000"/>
+              </a:spcBef>
+              <a:spcAft>
+                <a:spcPts val="1000"/>
+              </a:spcAft>
+              <a:buFont typeface="Arial" panose="020B0604020202020204" pitchFamily="34" charset="0"/>
+              <a:buChar char="•"/>
+              <a:defRPr lang="en-US" sz="1200" kern="1200" smtClean="0">
+                <a:solidFill>
+                  <a:schemeClr val="tx1">
+                    <a:lumMod val="75000"/>
+                    <a:lumOff val="25000"/>
+                  </a:schemeClr>
+                </a:solidFill>
+                <a:latin typeface="+mn-lt"/>
+                <a:ea typeface="+mn-ea"/>
+                <a:cs typeface="+mn-cs"/>
+              </a:defRPr>
+            </a:lvl4pPr>
+            <a:lvl5pPr marL="2057400" indent="-228600" algn="l" defTabSz="914400" rtl="0" eaLnBrk="1" latinLnBrk="0" hangingPunct="1">
+              <a:lnSpc>
+                <a:spcPts val="1800"/>
+              </a:lnSpc>
+              <a:spcBef>
+                <a:spcPts val="1000"/>
+              </a:spcBef>
+              <a:spcAft>
+                <a:spcPts val="1000"/>
+              </a:spcAft>
+              <a:buFont typeface="Arial" panose="020B0604020202020204" pitchFamily="34" charset="0"/>
+              <a:buChar char="•"/>
+              <a:defRPr lang="en-US" sz="1200" kern="1200">
+                <a:solidFill>
+                  <a:schemeClr val="tx1">
+                    <a:lumMod val="75000"/>
+                    <a:lumOff val="25000"/>
+                  </a:schemeClr>
+                </a:solidFill>
+                <a:latin typeface="+mn-lt"/>
+                <a:ea typeface="+mn-ea"/>
+                <a:cs typeface="+mn-cs"/>
+              </a:defRPr>
+            </a:lvl5pPr>
+            <a:lvl6pPr marL="2514600" indent="-228600" algn="l" defTabSz="914400" rtl="0" eaLnBrk="1" latinLnBrk="0" hangingPunct="1">
+              <a:lnSpc>
+                <a:spcPct val="90000"/>
+              </a:lnSpc>
+              <a:spcBef>
+                <a:spcPct val="30000"/>
+              </a:spcBef>
+              <a:buFont typeface="Arial" panose="020B0604020202020204" pitchFamily="34" charset="0"/>
+              <a:buChar char="•"/>
+              <a:defRPr sz="1800" kern="1200">
+                <a:solidFill>
+                  <a:schemeClr val="tx1"/>
+                </a:solidFill>
+                <a:latin typeface="+mn-lt"/>
+                <a:ea typeface="+mn-ea"/>
+                <a:cs typeface="+mn-cs"/>
+              </a:defRPr>
+            </a:lvl6pPr>
+            <a:lvl7pPr marL="2971800" indent="-228600" algn="l" defTabSz="914400" rtl="0" eaLnBrk="1" latinLnBrk="0" hangingPunct="1">
+              <a:lnSpc>
+                <a:spcPct val="90000"/>
+              </a:lnSpc>
+              <a:spcBef>
+                <a:spcPct val="30000"/>
+              </a:spcBef>
+              <a:buFont typeface="Arial" panose="020B0604020202020204" pitchFamily="34" charset="0"/>
+              <a:buChar char="•"/>
+              <a:defRPr sz="1800" kern="1200">
+                <a:solidFill>
+                  <a:schemeClr val="tx1"/>
+                </a:solidFill>
+                <a:latin typeface="+mn-lt"/>
+                <a:ea typeface="+mn-ea"/>
+                <a:cs typeface="+mn-cs"/>
+              </a:defRPr>
+            </a:lvl7pPr>
+            <a:lvl8pPr marL="3429000" indent="-228600" algn="l" defTabSz="914400" rtl="0" eaLnBrk="1" latinLnBrk="0" hangingPunct="1">
+              <a:lnSpc>
+                <a:spcPct val="90000"/>
+              </a:lnSpc>
+              <a:spcBef>
+                <a:spcPct val="30000"/>
+              </a:spcBef>
+              <a:buFont typeface="Arial" panose="020B0604020202020204" pitchFamily="34" charset="0"/>
+              <a:buChar char="•"/>
+              <a:defRPr sz="1800" kern="1200">
+                <a:solidFill>
+                  <a:schemeClr val="tx1"/>
+                </a:solidFill>
+                <a:latin typeface="+mn-lt"/>
+                <a:ea typeface="+mn-ea"/>
+                <a:cs typeface="+mn-cs"/>
+              </a:defRPr>
+            </a:lvl8pPr>
+            <a:lvl9pPr marL="3886200" indent="-228600" algn="l" defTabSz="914400" rtl="0" eaLnBrk="1" latinLnBrk="0" hangingPunct="1">
+              <a:lnSpc>
+                <a:spcPct val="90000"/>
+              </a:lnSpc>
+              <a:spcBef>
+                <a:spcPct val="30000"/>
+              </a:spcBef>
+              <a:buFont typeface="Arial" panose="020B0604020202020204" pitchFamily="34" charset="0"/>
+              <a:buChar char="•"/>
+              <a:defRPr sz="1800" kern="1200">
+                <a:solidFill>
+                  <a:schemeClr val="tx1"/>
+                </a:solidFill>
+                <a:latin typeface="+mn-lt"/>
+                <a:ea typeface="+mn-ea"/>
+                <a:cs typeface="+mn-cs"/>
+              </a:defRPr>
+            </a:lvl9pPr>
+          </a:lstStyle>
           <a:p>
             <a:pPr marL="457200" lvl="1" indent="0">
+              <a:lnSpc>
+                <a:spcPts val="3000"/>
+              </a:lnSpc>
               <a:buNone/>
+            </a:pPr>
+            <a:r>
+              <a:rPr lang="en-GB" sz="3800" b="1" dirty="0">
+                <a:solidFill>
+                  <a:schemeClr val="bg2">
+                    <a:lumMod val="25000"/>
+                  </a:schemeClr>
+                </a:solidFill>
+                <a:latin typeface="Segoe UI Light" panose="020B0502040204020203" pitchFamily="34" charset="0"/>
+                <a:cs typeface="Segoe UI Light" panose="020B0502040204020203" pitchFamily="34" charset="0"/>
+                <a:hlinkClick r:id="rId2">
+                  <a:extLst>
+                    <a:ext uri="{A12FA001-AC4F-418D-AE19-62706E023703}">
+                      <ahyp:hlinkClr xmlns:ahyp="http://schemas.microsoft.com/office/drawing/2018/hyperlinkcolor" val="tx"/>
+                    </a:ext>
+                  </a:extLst>
+                </a:hlinkClick>
+              </a:rPr>
+              <a:t>https://www.webcomponents.org/</a:t>
+            </a:r>
+            <a:r>
+              <a:rPr lang="en-GB" sz="3800" b="1" dirty="0">
+                <a:solidFill>
+                  <a:schemeClr val="bg2">
+                    <a:lumMod val="25000"/>
+                  </a:schemeClr>
+                </a:solidFill>
+                <a:latin typeface="Segoe UI Light" panose="020B0502040204020203" pitchFamily="34" charset="0"/>
+                <a:cs typeface="Segoe UI Light" panose="020B0502040204020203" pitchFamily="34" charset="0"/>
+              </a:rPr>
+              <a:t> </a:t>
+            </a:r>
+          </a:p>
+          <a:p>
+            <a:pPr marL="457200" lvl="1" indent="0">
+              <a:lnSpc>
+                <a:spcPts val="3000"/>
+              </a:lnSpc>
+              <a:buNone/>
+            </a:pPr>
+            <a:r>
+              <a:rPr lang="en-GB" sz="3800" dirty="0">
+                <a:solidFill>
+                  <a:schemeClr val="bg2">
+                    <a:lumMod val="25000"/>
+                  </a:schemeClr>
+                </a:solidFill>
+                <a:latin typeface="Segoe UI Light" panose="020B0502040204020203" pitchFamily="34" charset="0"/>
+                <a:cs typeface="Segoe UI Light" panose="020B0502040204020203" pitchFamily="34" charset="0"/>
+              </a:rPr>
+              <a:t>- main reference site</a:t>
+            </a:r>
+          </a:p>
+          <a:p>
+            <a:pPr marL="457200" lvl="1" indent="0">
+              <a:lnSpc>
+                <a:spcPts val="3000"/>
+              </a:lnSpc>
+              <a:buNone/>
+            </a:pPr>
+            <a:r>
+              <a:rPr lang="en-GB" sz="3800" b="1" dirty="0">
+                <a:solidFill>
+                  <a:schemeClr val="bg2">
+                    <a:lumMod val="25000"/>
+                  </a:schemeClr>
+                </a:solidFill>
+                <a:latin typeface="Segoe UI Light" panose="020B0502040204020203" pitchFamily="34" charset="0"/>
+                <a:cs typeface="Segoe UI Light" panose="020B0502040204020203" pitchFamily="34" charset="0"/>
+                <a:hlinkClick r:id="rId3">
+                  <a:extLst>
+                    <a:ext uri="{A12FA001-AC4F-418D-AE19-62706E023703}">
+                      <ahyp:hlinkClr xmlns:ahyp="http://schemas.microsoft.com/office/drawing/2018/hyperlinkcolor" val="tx"/>
+                    </a:ext>
+                  </a:extLst>
+                </a:hlinkClick>
+              </a:rPr>
+              <a:t>https://custom-elements-everywhere.com/</a:t>
+            </a:r>
+            <a:r>
+              <a:rPr lang="en-GB" sz="3800" b="1" dirty="0">
+                <a:solidFill>
+                  <a:schemeClr val="bg2">
+                    <a:lumMod val="25000"/>
+                  </a:schemeClr>
+                </a:solidFill>
+                <a:latin typeface="Segoe UI Light" panose="020B0502040204020203" pitchFamily="34" charset="0"/>
+                <a:cs typeface="Segoe UI Light" panose="020B0502040204020203" pitchFamily="34" charset="0"/>
+              </a:rPr>
+              <a:t> </a:t>
+            </a:r>
+          </a:p>
+          <a:p>
+            <a:pPr marL="457200" lvl="1" indent="0">
+              <a:lnSpc>
+                <a:spcPts val="3500"/>
+              </a:lnSpc>
+              <a:buNone/>
+            </a:pPr>
+            <a:r>
+              <a:rPr lang="en-GB" sz="3800" dirty="0">
+                <a:solidFill>
+                  <a:schemeClr val="bg2">
+                    <a:lumMod val="25000"/>
+                  </a:schemeClr>
+                </a:solidFill>
+                <a:latin typeface="Segoe UI Light" panose="020B0502040204020203" pitchFamily="34" charset="0"/>
+                <a:cs typeface="Segoe UI Light" panose="020B0502040204020203" pitchFamily="34" charset="0"/>
+              </a:rPr>
+              <a:t>(Making sure frameworks and custom elements can be BFFs )</a:t>
+            </a:r>
+          </a:p>
+          <a:p>
+            <a:pPr marL="457200" lvl="1" indent="0">
+              <a:lnSpc>
+                <a:spcPts val="3000"/>
+              </a:lnSpc>
+              <a:buNone/>
+            </a:pPr>
+            <a:r>
+              <a:rPr lang="en-GB" sz="3800" b="1" dirty="0">
+                <a:solidFill>
+                  <a:schemeClr val="bg2">
+                    <a:lumMod val="25000"/>
+                  </a:schemeClr>
+                </a:solidFill>
+                <a:latin typeface="Segoe UI Light" panose="020B0502040204020203" pitchFamily="34" charset="0"/>
+                <a:cs typeface="Segoe UI Light" panose="020B0502040204020203" pitchFamily="34" charset="0"/>
+                <a:hlinkClick r:id="rId4">
+                  <a:extLst>
+                    <a:ext uri="{A12FA001-AC4F-418D-AE19-62706E023703}">
+                      <ahyp:hlinkClr xmlns:ahyp="http://schemas.microsoft.com/office/drawing/2018/hyperlinkcolor" val="tx"/>
+                    </a:ext>
+                  </a:extLst>
+                </a:hlinkClick>
+              </a:rPr>
+              <a:t>https://webcomponents.dev/</a:t>
+            </a:r>
+            <a:r>
+              <a:rPr lang="en-GB" sz="3800" b="1" dirty="0">
+                <a:solidFill>
+                  <a:schemeClr val="bg2">
+                    <a:lumMod val="25000"/>
+                  </a:schemeClr>
+                </a:solidFill>
+                <a:latin typeface="Segoe UI Light" panose="020B0502040204020203" pitchFamily="34" charset="0"/>
+                <a:cs typeface="Segoe UI Light" panose="020B0502040204020203" pitchFamily="34" charset="0"/>
+              </a:rPr>
+              <a:t> </a:t>
+            </a:r>
+          </a:p>
+          <a:p>
+            <a:pPr lvl="1">
+              <a:lnSpc>
+                <a:spcPts val="3000"/>
+              </a:lnSpc>
+              <a:buFontTx/>
+              <a:buChar char="-"/>
+            </a:pPr>
+            <a:r>
+              <a:rPr lang="en-GB" sz="3800" dirty="0">
+                <a:solidFill>
+                  <a:schemeClr val="bg2">
+                    <a:lumMod val="25000"/>
+                  </a:schemeClr>
+                </a:solidFill>
+                <a:latin typeface="Segoe UI Light" panose="020B0502040204020203" pitchFamily="34" charset="0"/>
+                <a:cs typeface="Segoe UI Light" panose="020B0502040204020203" pitchFamily="34" charset="0"/>
+              </a:rPr>
+              <a:t>over 40 libraries and compilers </a:t>
+            </a:r>
+          </a:p>
+          <a:p>
+            <a:pPr marL="457200" lvl="1" indent="0">
+              <a:lnSpc>
+                <a:spcPts val="3000"/>
+              </a:lnSpc>
+              <a:buNone/>
+            </a:pPr>
+            <a:r>
+              <a:rPr lang="en-GB" sz="3800" i="1" dirty="0">
+                <a:solidFill>
+                  <a:schemeClr val="bg2">
+                    <a:lumMod val="25000"/>
+                  </a:schemeClr>
+                </a:solidFill>
+                <a:latin typeface="Segoe UI Light" panose="020B0502040204020203" pitchFamily="34" charset="0"/>
+                <a:cs typeface="Segoe UI Light" panose="020B0502040204020203" pitchFamily="34" charset="0"/>
+              </a:rPr>
+              <a:t>let’s see these libraries and compilers…</a:t>
+            </a:r>
+          </a:p>
+          <a:p>
+            <a:pPr lvl="1">
+              <a:lnSpc>
+                <a:spcPts val="4000"/>
+              </a:lnSpc>
             </a:pPr>
             <a:endParaRPr lang="en-GB" sz="3800" dirty="0">
               <a:solidFill>
@@ -29467,27 +29757,17 @@
             </a:endParaRPr>
           </a:p>
           <a:p>
-            <a:pPr marL="457200" lvl="1" indent="0">
+            <a:pPr marL="0" lvl="0" indent="0">
+              <a:spcBef>
+                <a:spcPct val="0"/>
+              </a:spcBef>
+              <a:spcAft>
+                <a:spcPts val="2000"/>
+              </a:spcAft>
               <a:buNone/>
+              <a:defRPr/>
             </a:pPr>
-            <a:r>
-              <a:rPr lang="en-GB" sz="3800" dirty="0">
-                <a:solidFill>
-                  <a:schemeClr val="bg2">
-                    <a:lumMod val="25000"/>
-                  </a:schemeClr>
-                </a:solidFill>
-                <a:latin typeface="Segoe UI Light" panose="020B0502040204020203" pitchFamily="34" charset="0"/>
-                <a:cs typeface="Segoe UI Light" panose="020B0502040204020203" pitchFamily="34" charset="0"/>
-              </a:rPr>
-              <a:t>This will help give context to the workshop:</a:t>
-            </a:r>
-          </a:p>
-          <a:p>
-            <a:pPr marL="457200" lvl="1" indent="0">
-              <a:buNone/>
-            </a:pPr>
-            <a:endParaRPr lang="en-GB" sz="1600" dirty="0">
+            <a:endParaRPr lang="en-US" sz="3800" dirty="0">
               <a:solidFill>
                 <a:schemeClr val="bg2">
                   <a:lumMod val="25000"/>
@@ -29497,85 +29777,12 @@
               <a:cs typeface="Segoe UI Light" panose="020B0502040204020203" pitchFamily="34" charset="0"/>
             </a:endParaRPr>
           </a:p>
-          <a:p>
-            <a:pPr marL="457200" lvl="1" indent="0">
-              <a:lnSpc>
-                <a:spcPts val="4500"/>
-              </a:lnSpc>
-              <a:buNone/>
-            </a:pPr>
-            <a:r>
-              <a:rPr lang="en-GB" sz="2800" b="1" dirty="0">
-                <a:solidFill>
-                  <a:schemeClr val="bg2">
-                    <a:lumMod val="25000"/>
-                  </a:schemeClr>
-                </a:solidFill>
-                <a:latin typeface="Segoe UI Light" panose="020B0502040204020203" pitchFamily="34" charset="0"/>
-                <a:cs typeface="Segoe UI Light" panose="020B0502040204020203" pitchFamily="34" charset="0"/>
-              </a:rPr>
-              <a:t>1. Business case (1) site: WordPress converted to Micro Apps.</a:t>
-            </a:r>
-          </a:p>
-          <a:p>
-            <a:pPr lvl="1">
-              <a:lnSpc>
-                <a:spcPts val="4500"/>
-              </a:lnSpc>
-            </a:pPr>
-            <a:r>
-              <a:rPr lang="en-GB" sz="2800" dirty="0">
-                <a:solidFill>
-                  <a:srgbClr val="0070C0"/>
-                </a:solidFill>
-                <a:latin typeface="Segoe UI Light" panose="020B0502040204020203" pitchFamily="34" charset="0"/>
-                <a:cs typeface="Segoe UI Light" panose="020B0502040204020203" pitchFamily="34" charset="0"/>
-                <a:hlinkClick r:id="rId2">
-                  <a:extLst>
-                    <a:ext uri="{A12FA001-AC4F-418D-AE19-62706E023703}">
-                      <ahyp:hlinkClr xmlns:ahyp="http://schemas.microsoft.com/office/drawing/2018/hyperlinkcolor" val="tx"/>
-                    </a:ext>
-                  </a:extLst>
-                </a:hlinkClick>
-              </a:rPr>
-              <a:t>https://wpjs.co.uk/demo1</a:t>
-            </a:r>
-            <a:r>
-              <a:rPr lang="en-GB" sz="2800" dirty="0">
-                <a:solidFill>
-                  <a:srgbClr val="0070C0"/>
-                </a:solidFill>
-                <a:latin typeface="Segoe UI Light" panose="020B0502040204020203" pitchFamily="34" charset="0"/>
-                <a:cs typeface="Segoe UI Light" panose="020B0502040204020203" pitchFamily="34" charset="0"/>
-              </a:rPr>
-              <a:t> (in repo)</a:t>
-            </a:r>
-          </a:p>
-          <a:p>
-            <a:pPr lvl="1">
-              <a:lnSpc>
-                <a:spcPts val="4500"/>
-              </a:lnSpc>
-            </a:pPr>
-            <a:r>
-              <a:rPr lang="en-GB" sz="2800" b="1" dirty="0">
-                <a:solidFill>
-                  <a:schemeClr val="bg2">
-                    <a:lumMod val="25000"/>
-                  </a:schemeClr>
-                </a:solidFill>
-                <a:latin typeface="Segoe UI Light" panose="020B0502040204020203" pitchFamily="34" charset="0"/>
-                <a:cs typeface="Segoe UI Light" panose="020B0502040204020203" pitchFamily="34" charset="0"/>
-              </a:rPr>
-              <a:t>2. Conference app: MVP of many frameworks working together as separate and independent Micro Apps.</a:t>
-            </a:r>
-          </a:p>
         </p:txBody>
       </p:sp>
     </p:spTree>
     <p:extLst>
       <p:ext uri="{BB962C8B-B14F-4D97-AF65-F5344CB8AC3E}">
-        <p14:creationId xmlns:p14="http://schemas.microsoft.com/office/powerpoint/2010/main" val="2710248439"/>
+        <p14:creationId xmlns:p14="http://schemas.microsoft.com/office/powerpoint/2010/main" val="2661540520"/>
       </p:ext>
     </p:extLst>
   </p:cSld>
@@ -29614,8 +29821,8 @@
         </p:nvSpPr>
         <p:spPr>
           <a:xfrm>
-            <a:off x="541608" y="426301"/>
-            <a:ext cx="10293539" cy="749992"/>
+            <a:off x="541609" y="426301"/>
+            <a:ext cx="8578726" cy="749992"/>
           </a:xfrm>
         </p:spPr>
         <p:txBody>
@@ -29629,7 +29836,7 @@
                 <a:latin typeface="Segoe UI Light" panose="020B0502040204020203" pitchFamily="34" charset="0"/>
                 <a:cs typeface="Segoe UI Light" panose="020B0502040204020203" pitchFamily="34" charset="0"/>
               </a:rPr>
-              <a:t>Converting Frameworks to Web Components</a:t>
+              <a:t>Demo time</a:t>
             </a:r>
           </a:p>
         </p:txBody>
@@ -29877,8 +30084,8 @@
         </p:nvSpPr>
         <p:spPr>
           <a:xfrm>
-            <a:off x="610018" y="1290028"/>
-            <a:ext cx="10971964" cy="5863144"/>
+            <a:off x="610018" y="1102145"/>
+            <a:ext cx="10971964" cy="3753463"/>
           </a:xfrm>
           <a:prstGeom prst="rect">
             <a:avLst/>
@@ -29890,173 +30097,6 @@
             <a:spAutoFit/>
           </a:bodyPr>
           <a:lstStyle/>
-          <a:p>
-            <a:pPr marL="914400" lvl="1" indent="-457200">
-              <a:buFont typeface="Arial" panose="020B0604020202020204" pitchFamily="34" charset="0"/>
-              <a:buChar char="•"/>
-            </a:pPr>
-            <a:endParaRPr lang="en-GB" sz="1100" dirty="0">
-              <a:solidFill>
-                <a:schemeClr val="bg2">
-                  <a:lumMod val="25000"/>
-                </a:schemeClr>
-              </a:solidFill>
-              <a:latin typeface="Segoe UI Light" panose="020B0502040204020203" pitchFamily="34" charset="0"/>
-              <a:cs typeface="Segoe UI Light" panose="020B0502040204020203" pitchFamily="34" charset="0"/>
-            </a:endParaRPr>
-          </a:p>
-          <a:p>
-            <a:pPr marL="914400" lvl="1" indent="-457200">
-              <a:buFont typeface="Arial" panose="020B0604020202020204" pitchFamily="34" charset="0"/>
-              <a:buChar char="•"/>
-            </a:pPr>
-            <a:r>
-              <a:rPr lang="en-GB" sz="3200" dirty="0">
-                <a:solidFill>
-                  <a:schemeClr val="bg2">
-                    <a:lumMod val="25000"/>
-                  </a:schemeClr>
-                </a:solidFill>
-                <a:latin typeface="Segoe UI Light" panose="020B0502040204020203" pitchFamily="34" charset="0"/>
-                <a:cs typeface="Segoe UI Light" panose="020B0502040204020203" pitchFamily="34" charset="0"/>
-              </a:rPr>
-              <a:t>Node – JS placed in usual public/js folder.</a:t>
-            </a:r>
-          </a:p>
-          <a:p>
-            <a:pPr marL="914400" lvl="1" indent="-457200">
-              <a:buFont typeface="Arial" panose="020B0604020202020204" pitchFamily="34" charset="0"/>
-              <a:buChar char="•"/>
-            </a:pPr>
-            <a:r>
-              <a:rPr lang="en-GB" sz="3200" dirty="0">
-                <a:solidFill>
-                  <a:schemeClr val="bg2">
-                    <a:lumMod val="25000"/>
-                  </a:schemeClr>
-                </a:solidFill>
-                <a:latin typeface="Segoe UI Light" panose="020B0502040204020203" pitchFamily="34" charset="0"/>
-                <a:cs typeface="Segoe UI Light" panose="020B0502040204020203" pitchFamily="34" charset="0"/>
-              </a:rPr>
-              <a:t>Angular: https://angular.io/guide/elements</a:t>
-            </a:r>
-          </a:p>
-          <a:p>
-            <a:pPr marL="914400" lvl="1" indent="-457200">
-              <a:buFont typeface="Arial" panose="020B0604020202020204" pitchFamily="34" charset="0"/>
-              <a:buChar char="•"/>
-            </a:pPr>
-            <a:r>
-              <a:rPr lang="en-GB" sz="3200" dirty="0">
-                <a:solidFill>
-                  <a:schemeClr val="bg2">
-                    <a:lumMod val="25000"/>
-                  </a:schemeClr>
-                </a:solidFill>
-                <a:latin typeface="Segoe UI Light" panose="020B0502040204020203" pitchFamily="34" charset="0"/>
-                <a:cs typeface="Segoe UI Light" panose="020B0502040204020203" pitchFamily="34" charset="0"/>
-              </a:rPr>
-              <a:t>Vue: https://www.npmjs.com/package/vue-custom-element</a:t>
-            </a:r>
-          </a:p>
-          <a:p>
-            <a:pPr marL="914400" lvl="1" indent="-457200">
-              <a:buFont typeface="Arial" panose="020B0604020202020204" pitchFamily="34" charset="0"/>
-              <a:buChar char="•"/>
-            </a:pPr>
-            <a:r>
-              <a:rPr lang="en-GB" sz="3200" dirty="0">
-                <a:solidFill>
-                  <a:schemeClr val="bg2">
-                    <a:lumMod val="25000"/>
-                  </a:schemeClr>
-                </a:solidFill>
-                <a:latin typeface="Segoe UI Light" panose="020B0502040204020203" pitchFamily="34" charset="0"/>
-                <a:cs typeface="Segoe UI Light" panose="020B0502040204020203" pitchFamily="34" charset="0"/>
-              </a:rPr>
-              <a:t>Vue: https://github.com/karol-f/vue-custom-element#demo</a:t>
-            </a:r>
-          </a:p>
-          <a:p>
-            <a:pPr marL="914400" lvl="1" indent="-457200">
-              <a:buFont typeface="Arial" panose="020B0604020202020204" pitchFamily="34" charset="0"/>
-              <a:buChar char="•"/>
-            </a:pPr>
-            <a:r>
-              <a:rPr lang="en-GB" sz="3200" dirty="0">
-                <a:solidFill>
-                  <a:schemeClr val="bg2">
-                    <a:lumMod val="25000"/>
-                  </a:schemeClr>
-                </a:solidFill>
-                <a:latin typeface="Segoe UI Light" panose="020B0502040204020203" pitchFamily="34" charset="0"/>
-                <a:cs typeface="Segoe UI Light" panose="020B0502040204020203" pitchFamily="34" charset="0"/>
-              </a:rPr>
-              <a:t>React: </a:t>
-            </a:r>
-            <a:r>
-              <a:rPr lang="en-GB" sz="3200" dirty="0">
-                <a:solidFill>
-                  <a:schemeClr val="bg2">
-                    <a:lumMod val="25000"/>
-                  </a:schemeClr>
-                </a:solidFill>
-                <a:latin typeface="Segoe UI Light" panose="020B0502040204020203" pitchFamily="34" charset="0"/>
-                <a:cs typeface="Segoe UI Light" panose="020B0502040204020203" pitchFamily="34" charset="0"/>
-                <a:hlinkClick r:id="rId2"/>
-              </a:rPr>
-              <a:t>https://github.com/LukasBombach/react-web-component</a:t>
-            </a:r>
-            <a:endParaRPr lang="en-GB" sz="3200" dirty="0">
-              <a:solidFill>
-                <a:schemeClr val="bg2">
-                  <a:lumMod val="25000"/>
-                </a:schemeClr>
-              </a:solidFill>
-              <a:latin typeface="Segoe UI Light" panose="020B0502040204020203" pitchFamily="34" charset="0"/>
-              <a:cs typeface="Segoe UI Light" panose="020B0502040204020203" pitchFamily="34" charset="0"/>
-            </a:endParaRPr>
-          </a:p>
-          <a:p>
-            <a:pPr marL="914400" lvl="1" indent="-457200">
-              <a:buFont typeface="Arial" panose="020B0604020202020204" pitchFamily="34" charset="0"/>
-              <a:buChar char="•"/>
-            </a:pPr>
-            <a:r>
-              <a:rPr lang="en-GB" sz="3200" i="1" dirty="0">
-                <a:solidFill>
-                  <a:schemeClr val="bg2">
-                    <a:lumMod val="25000"/>
-                  </a:schemeClr>
-                </a:solidFill>
-                <a:latin typeface="Segoe UI Light" panose="020B0502040204020203" pitchFamily="34" charset="0"/>
-                <a:cs typeface="Segoe UI Light" panose="020B0502040204020203" pitchFamily="34" charset="0"/>
-              </a:rPr>
-              <a:t>Many others: </a:t>
-            </a:r>
-            <a:r>
-              <a:rPr lang="en-GB" sz="3200" i="1" dirty="0">
-                <a:solidFill>
-                  <a:schemeClr val="bg2">
-                    <a:lumMod val="25000"/>
-                  </a:schemeClr>
-                </a:solidFill>
-                <a:latin typeface="Segoe UI Light" panose="020B0502040204020203" pitchFamily="34" charset="0"/>
-                <a:cs typeface="Segoe UI Light" panose="020B0502040204020203" pitchFamily="34" charset="0"/>
-                <a:hlinkClick r:id="rId3"/>
-              </a:rPr>
-              <a:t>https://webcomponents.dev/</a:t>
-            </a:r>
-            <a:endParaRPr lang="en-GB" sz="3200" i="1" dirty="0">
-              <a:solidFill>
-                <a:schemeClr val="bg2">
-                  <a:lumMod val="25000"/>
-                </a:schemeClr>
-              </a:solidFill>
-              <a:latin typeface="Segoe UI Light" panose="020B0502040204020203" pitchFamily="34" charset="0"/>
-              <a:cs typeface="Segoe UI Light" panose="020B0502040204020203" pitchFamily="34" charset="0"/>
-            </a:endParaRPr>
-          </a:p>
           <a:p>
             <a:pPr marL="457200" lvl="1" indent="0">
               <a:buNone/>
@@ -30075,7 +30115,24 @@
             <a:pPr marL="457200" lvl="1" indent="0">
               <a:buNone/>
             </a:pPr>
-            <a:endParaRPr lang="en-GB" sz="3800" dirty="0">
+            <a:r>
+              <a:rPr lang="en-GB" sz="3800" dirty="0">
+                <a:solidFill>
+                  <a:schemeClr val="bg2">
+                    <a:lumMod val="25000"/>
+                  </a:schemeClr>
+                </a:solidFill>
+                <a:latin typeface="Segoe UI Light" panose="020B0502040204020203" pitchFamily="34" charset="0"/>
+                <a:cs typeface="Segoe UI Light" panose="020B0502040204020203" pitchFamily="34" charset="0"/>
+              </a:rPr>
+              <a:t>This will help give context to the workshop:</a:t>
+            </a:r>
+          </a:p>
+          <a:p>
+            <a:pPr marL="457200" lvl="1" indent="0">
+              <a:buNone/>
+            </a:pPr>
+            <a:endParaRPr lang="en-GB" sz="1600" dirty="0">
               <a:solidFill>
                 <a:schemeClr val="bg2">
                   <a:lumMod val="25000"/>
@@ -30085,12 +30142,85 @@
               <a:cs typeface="Segoe UI Light" panose="020B0502040204020203" pitchFamily="34" charset="0"/>
             </a:endParaRPr>
           </a:p>
+          <a:p>
+            <a:pPr marL="457200" lvl="1" indent="0">
+              <a:lnSpc>
+                <a:spcPts val="4500"/>
+              </a:lnSpc>
+              <a:buNone/>
+            </a:pPr>
+            <a:r>
+              <a:rPr lang="en-GB" sz="2800" b="1" dirty="0">
+                <a:solidFill>
+                  <a:schemeClr val="bg2">
+                    <a:lumMod val="25000"/>
+                  </a:schemeClr>
+                </a:solidFill>
+                <a:latin typeface="Segoe UI Light" panose="020B0502040204020203" pitchFamily="34" charset="0"/>
+                <a:cs typeface="Segoe UI Light" panose="020B0502040204020203" pitchFamily="34" charset="0"/>
+              </a:rPr>
+              <a:t>1. Business case (1) site: WordPress converted to Micro Apps.</a:t>
+            </a:r>
+          </a:p>
+          <a:p>
+            <a:pPr lvl="1">
+              <a:lnSpc>
+                <a:spcPts val="4500"/>
+              </a:lnSpc>
+            </a:pPr>
+            <a:r>
+              <a:rPr lang="en-GB" sz="2800" dirty="0">
+                <a:solidFill>
+                  <a:srgbClr val="0070C0"/>
+                </a:solidFill>
+                <a:latin typeface="Segoe UI Light" panose="020B0502040204020203" pitchFamily="34" charset="0"/>
+                <a:cs typeface="Segoe UI Light" panose="020B0502040204020203" pitchFamily="34" charset="0"/>
+                <a:hlinkClick r:id="rId2">
+                  <a:extLst>
+                    <a:ext uri="{A12FA001-AC4F-418D-AE19-62706E023703}">
+                      <ahyp:hlinkClr xmlns:ahyp="http://schemas.microsoft.com/office/drawing/2018/hyperlinkcolor" val="tx"/>
+                    </a:ext>
+                  </a:extLst>
+                </a:hlinkClick>
+              </a:rPr>
+              <a:t>https://wpjs.co.uk/demo1</a:t>
+            </a:r>
+            <a:r>
+              <a:rPr lang="en-GB" sz="2800" dirty="0">
+                <a:solidFill>
+                  <a:srgbClr val="0070C0"/>
+                </a:solidFill>
+                <a:latin typeface="Segoe UI Light" panose="020B0502040204020203" pitchFamily="34" charset="0"/>
+                <a:cs typeface="Segoe UI Light" panose="020B0502040204020203" pitchFamily="34" charset="0"/>
+              </a:rPr>
+              <a:t> (in repo)</a:t>
+            </a:r>
+          </a:p>
+          <a:p>
+            <a:pPr lvl="1">
+              <a:lnSpc>
+                <a:spcPts val="4500"/>
+              </a:lnSpc>
+            </a:pPr>
+            <a:r>
+              <a:rPr lang="en-GB" sz="2800" b="1" dirty="0">
+                <a:solidFill>
+                  <a:schemeClr val="bg2">
+                    <a:lumMod val="25000"/>
+                  </a:schemeClr>
+                </a:solidFill>
+                <a:latin typeface="Segoe UI Light" panose="020B0502040204020203" pitchFamily="34" charset="0"/>
+                <a:cs typeface="Segoe UI Light" panose="020B0502040204020203" pitchFamily="34" charset="0"/>
+              </a:rPr>
+              <a:t>2. Conference app: MVP of many frameworks working together as separate and independent Micro Apps.</a:t>
+            </a:r>
+          </a:p>
         </p:txBody>
       </p:sp>
     </p:spTree>
     <p:extLst>
       <p:ext uri="{BB962C8B-B14F-4D97-AF65-F5344CB8AC3E}">
-        <p14:creationId xmlns:p14="http://schemas.microsoft.com/office/powerpoint/2010/main" val="2544231288"/>
+        <p14:creationId xmlns:p14="http://schemas.microsoft.com/office/powerpoint/2010/main" val="2710248439"/>
       </p:ext>
     </p:extLst>
   </p:cSld>
@@ -31395,6 +31525,521 @@
                 <a:latin typeface="Segoe UI Light" panose="020B0502040204020203" pitchFamily="34" charset="0"/>
                 <a:cs typeface="Segoe UI Light" panose="020B0502040204020203" pitchFamily="34" charset="0"/>
               </a:rPr>
+              <a:t>Converting Frameworks to Web Components</a:t>
+            </a:r>
+          </a:p>
+        </p:txBody>
+      </p:sp>
+      <p:sp>
+        <p:nvSpPr>
+          <p:cNvPr id="25" name="Content Placeholder 17"/>
+          <p:cNvSpPr txBox="1">
+            <a:spLocks/>
+          </p:cNvSpPr>
+          <p:nvPr/>
+        </p:nvSpPr>
+        <p:spPr>
+          <a:xfrm>
+            <a:off x="541609" y="1455491"/>
+            <a:ext cx="5110161" cy="471149"/>
+          </a:xfrm>
+          <a:prstGeom prst="rect">
+            <a:avLst/>
+          </a:prstGeom>
+        </p:spPr>
+        <p:txBody>
+          <a:bodyPr vert="horz" lIns="91440" tIns="45720" rIns="91440" bIns="45720" rtlCol="0">
+            <a:normAutofit/>
+          </a:bodyPr>
+          <a:lstStyle>
+            <a:lvl1pPr marL="228600" indent="-228600" algn="l" defTabSz="914400" rtl="0" eaLnBrk="1" latinLnBrk="0" hangingPunct="1">
+              <a:lnSpc>
+                <a:spcPts val="1800"/>
+              </a:lnSpc>
+              <a:spcBef>
+                <a:spcPts val="1000"/>
+              </a:spcBef>
+              <a:spcAft>
+                <a:spcPts val="1000"/>
+              </a:spcAft>
+              <a:buFont typeface="Arial" panose="020B0604020202020204" pitchFamily="34" charset="0"/>
+              <a:buChar char="•"/>
+              <a:defRPr lang="en-US" sz="1200" kern="1200" smtClean="0">
+                <a:solidFill>
+                  <a:schemeClr val="tx1">
+                    <a:lumMod val="75000"/>
+                    <a:lumOff val="25000"/>
+                  </a:schemeClr>
+                </a:solidFill>
+                <a:latin typeface="+mn-lt"/>
+                <a:ea typeface="+mn-ea"/>
+                <a:cs typeface="+mn-cs"/>
+              </a:defRPr>
+            </a:lvl1pPr>
+            <a:lvl2pPr marL="685800" indent="-228600" algn="l" defTabSz="914400" rtl="0" eaLnBrk="1" latinLnBrk="0" hangingPunct="1">
+              <a:lnSpc>
+                <a:spcPts val="1800"/>
+              </a:lnSpc>
+              <a:spcBef>
+                <a:spcPts val="1000"/>
+              </a:spcBef>
+              <a:spcAft>
+                <a:spcPts val="1000"/>
+              </a:spcAft>
+              <a:buFont typeface="Arial" panose="020B0604020202020204" pitchFamily="34" charset="0"/>
+              <a:buChar char="•"/>
+              <a:defRPr lang="en-US" sz="1200" kern="1200" smtClean="0">
+                <a:solidFill>
+                  <a:schemeClr val="tx1">
+                    <a:lumMod val="75000"/>
+                    <a:lumOff val="25000"/>
+                  </a:schemeClr>
+                </a:solidFill>
+                <a:latin typeface="+mn-lt"/>
+                <a:ea typeface="+mn-ea"/>
+                <a:cs typeface="+mn-cs"/>
+              </a:defRPr>
+            </a:lvl2pPr>
+            <a:lvl3pPr marL="1143000" indent="-228600" algn="l" defTabSz="914400" rtl="0" eaLnBrk="1" latinLnBrk="0" hangingPunct="1">
+              <a:lnSpc>
+                <a:spcPts val="1800"/>
+              </a:lnSpc>
+              <a:spcBef>
+                <a:spcPts val="1000"/>
+              </a:spcBef>
+              <a:spcAft>
+                <a:spcPts val="1000"/>
+              </a:spcAft>
+              <a:buFont typeface="Arial" panose="020B0604020202020204" pitchFamily="34" charset="0"/>
+              <a:buChar char="•"/>
+              <a:defRPr lang="en-US" sz="1200" kern="1200" smtClean="0">
+                <a:solidFill>
+                  <a:schemeClr val="tx1">
+                    <a:lumMod val="75000"/>
+                    <a:lumOff val="25000"/>
+                  </a:schemeClr>
+                </a:solidFill>
+                <a:latin typeface="+mn-lt"/>
+                <a:ea typeface="+mn-ea"/>
+                <a:cs typeface="+mn-cs"/>
+              </a:defRPr>
+            </a:lvl3pPr>
+            <a:lvl4pPr marL="1600200" indent="-228600" algn="l" defTabSz="914400" rtl="0" eaLnBrk="1" latinLnBrk="0" hangingPunct="1">
+              <a:lnSpc>
+                <a:spcPts val="1800"/>
+              </a:lnSpc>
+              <a:spcBef>
+                <a:spcPts val="1000"/>
+              </a:spcBef>
+              <a:spcAft>
+                <a:spcPts val="1000"/>
+              </a:spcAft>
+              <a:buFont typeface="Arial" panose="020B0604020202020204" pitchFamily="34" charset="0"/>
+              <a:buChar char="•"/>
+              <a:defRPr lang="en-US" sz="1200" kern="1200" smtClean="0">
+                <a:solidFill>
+                  <a:schemeClr val="tx1">
+                    <a:lumMod val="75000"/>
+                    <a:lumOff val="25000"/>
+                  </a:schemeClr>
+                </a:solidFill>
+                <a:latin typeface="+mn-lt"/>
+                <a:ea typeface="+mn-ea"/>
+                <a:cs typeface="+mn-cs"/>
+              </a:defRPr>
+            </a:lvl4pPr>
+            <a:lvl5pPr marL="2057400" indent="-228600" algn="l" defTabSz="914400" rtl="0" eaLnBrk="1" latinLnBrk="0" hangingPunct="1">
+              <a:lnSpc>
+                <a:spcPts val="1800"/>
+              </a:lnSpc>
+              <a:spcBef>
+                <a:spcPts val="1000"/>
+              </a:spcBef>
+              <a:spcAft>
+                <a:spcPts val="1000"/>
+              </a:spcAft>
+              <a:buFont typeface="Arial" panose="020B0604020202020204" pitchFamily="34" charset="0"/>
+              <a:buChar char="•"/>
+              <a:defRPr lang="en-US" sz="1200" kern="1200">
+                <a:solidFill>
+                  <a:schemeClr val="tx1">
+                    <a:lumMod val="75000"/>
+                    <a:lumOff val="25000"/>
+                  </a:schemeClr>
+                </a:solidFill>
+                <a:latin typeface="+mn-lt"/>
+                <a:ea typeface="+mn-ea"/>
+                <a:cs typeface="+mn-cs"/>
+              </a:defRPr>
+            </a:lvl5pPr>
+            <a:lvl6pPr marL="2514600" indent="-228600" algn="l" defTabSz="914400" rtl="0" eaLnBrk="1" latinLnBrk="0" hangingPunct="1">
+              <a:lnSpc>
+                <a:spcPct val="90000"/>
+              </a:lnSpc>
+              <a:spcBef>
+                <a:spcPct val="30000"/>
+              </a:spcBef>
+              <a:buFont typeface="Arial" panose="020B0604020202020204" pitchFamily="34" charset="0"/>
+              <a:buChar char="•"/>
+              <a:defRPr sz="1800" kern="1200">
+                <a:solidFill>
+                  <a:schemeClr val="tx1"/>
+                </a:solidFill>
+                <a:latin typeface="+mn-lt"/>
+                <a:ea typeface="+mn-ea"/>
+                <a:cs typeface="+mn-cs"/>
+              </a:defRPr>
+            </a:lvl6pPr>
+            <a:lvl7pPr marL="2971800" indent="-228600" algn="l" defTabSz="914400" rtl="0" eaLnBrk="1" latinLnBrk="0" hangingPunct="1">
+              <a:lnSpc>
+                <a:spcPct val="90000"/>
+              </a:lnSpc>
+              <a:spcBef>
+                <a:spcPct val="30000"/>
+              </a:spcBef>
+              <a:buFont typeface="Arial" panose="020B0604020202020204" pitchFamily="34" charset="0"/>
+              <a:buChar char="•"/>
+              <a:defRPr sz="1800" kern="1200">
+                <a:solidFill>
+                  <a:schemeClr val="tx1"/>
+                </a:solidFill>
+                <a:latin typeface="+mn-lt"/>
+                <a:ea typeface="+mn-ea"/>
+                <a:cs typeface="+mn-cs"/>
+              </a:defRPr>
+            </a:lvl7pPr>
+            <a:lvl8pPr marL="3429000" indent="-228600" algn="l" defTabSz="914400" rtl="0" eaLnBrk="1" latinLnBrk="0" hangingPunct="1">
+              <a:lnSpc>
+                <a:spcPct val="90000"/>
+              </a:lnSpc>
+              <a:spcBef>
+                <a:spcPct val="30000"/>
+              </a:spcBef>
+              <a:buFont typeface="Arial" panose="020B0604020202020204" pitchFamily="34" charset="0"/>
+              <a:buChar char="•"/>
+              <a:defRPr sz="1800" kern="1200">
+                <a:solidFill>
+                  <a:schemeClr val="tx1"/>
+                </a:solidFill>
+                <a:latin typeface="+mn-lt"/>
+                <a:ea typeface="+mn-ea"/>
+                <a:cs typeface="+mn-cs"/>
+              </a:defRPr>
+            </a:lvl8pPr>
+            <a:lvl9pPr marL="3886200" indent="-228600" algn="l" defTabSz="914400" rtl="0" eaLnBrk="1" latinLnBrk="0" hangingPunct="1">
+              <a:lnSpc>
+                <a:spcPct val="90000"/>
+              </a:lnSpc>
+              <a:spcBef>
+                <a:spcPct val="30000"/>
+              </a:spcBef>
+              <a:buFont typeface="Arial" panose="020B0604020202020204" pitchFamily="34" charset="0"/>
+              <a:buChar char="•"/>
+              <a:defRPr sz="1800" kern="1200">
+                <a:solidFill>
+                  <a:schemeClr val="tx1"/>
+                </a:solidFill>
+                <a:latin typeface="+mn-lt"/>
+                <a:ea typeface="+mn-ea"/>
+                <a:cs typeface="+mn-cs"/>
+              </a:defRPr>
+            </a:lvl9pPr>
+          </a:lstStyle>
+          <a:p>
+            <a:pPr marL="0" indent="0">
+              <a:spcAft>
+                <a:spcPts val="2000"/>
+              </a:spcAft>
+              <a:buNone/>
+            </a:pPr>
+            <a:endParaRPr lang="en-US" sz="1800" dirty="0">
+              <a:latin typeface="Segoe UI" panose="020B0502040204020203" pitchFamily="34" charset="0"/>
+              <a:cs typeface="Segoe UI" panose="020B0502040204020203" pitchFamily="34" charset="0"/>
+            </a:endParaRPr>
+          </a:p>
+        </p:txBody>
+      </p:sp>
+      <p:sp>
+        <p:nvSpPr>
+          <p:cNvPr id="8" name="TextBox 7">
+            <a:extLst>
+              <a:ext uri="{FF2B5EF4-FFF2-40B4-BE49-F238E27FC236}">
+                <a16:creationId xmlns:a16="http://schemas.microsoft.com/office/drawing/2014/main" id="{D4329088-EA16-420B-B145-A30265C6D3B4}"/>
+              </a:ext>
+            </a:extLst>
+          </p:cNvPr>
+          <p:cNvSpPr txBox="1"/>
+          <p:nvPr/>
+        </p:nvSpPr>
+        <p:spPr>
+          <a:xfrm>
+            <a:off x="610018" y="1290028"/>
+            <a:ext cx="10971964" cy="5863144"/>
+          </a:xfrm>
+          <a:prstGeom prst="rect">
+            <a:avLst/>
+          </a:prstGeom>
+          <a:noFill/>
+        </p:spPr>
+        <p:txBody>
+          <a:bodyPr wrap="square">
+            <a:spAutoFit/>
+          </a:bodyPr>
+          <a:lstStyle/>
+          <a:p>
+            <a:pPr marL="914400" lvl="1" indent="-457200">
+              <a:buFont typeface="Arial" panose="020B0604020202020204" pitchFamily="34" charset="0"/>
+              <a:buChar char="•"/>
+            </a:pPr>
+            <a:endParaRPr lang="en-GB" sz="1100" dirty="0">
+              <a:solidFill>
+                <a:schemeClr val="bg2">
+                  <a:lumMod val="25000"/>
+                </a:schemeClr>
+              </a:solidFill>
+              <a:latin typeface="Segoe UI Light" panose="020B0502040204020203" pitchFamily="34" charset="0"/>
+              <a:cs typeface="Segoe UI Light" panose="020B0502040204020203" pitchFamily="34" charset="0"/>
+            </a:endParaRPr>
+          </a:p>
+          <a:p>
+            <a:pPr marL="914400" lvl="1" indent="-457200">
+              <a:buFont typeface="Arial" panose="020B0604020202020204" pitchFamily="34" charset="0"/>
+              <a:buChar char="•"/>
+            </a:pPr>
+            <a:r>
+              <a:rPr lang="en-GB" sz="3200" dirty="0">
+                <a:solidFill>
+                  <a:schemeClr val="bg2">
+                    <a:lumMod val="25000"/>
+                  </a:schemeClr>
+                </a:solidFill>
+                <a:latin typeface="Segoe UI Light" panose="020B0502040204020203" pitchFamily="34" charset="0"/>
+                <a:cs typeface="Segoe UI Light" panose="020B0502040204020203" pitchFamily="34" charset="0"/>
+              </a:rPr>
+              <a:t>Node – JS placed in usual public/js folder.</a:t>
+            </a:r>
+          </a:p>
+          <a:p>
+            <a:pPr marL="914400" lvl="1" indent="-457200">
+              <a:buFont typeface="Arial" panose="020B0604020202020204" pitchFamily="34" charset="0"/>
+              <a:buChar char="•"/>
+            </a:pPr>
+            <a:r>
+              <a:rPr lang="en-GB" sz="3200" dirty="0">
+                <a:solidFill>
+                  <a:schemeClr val="bg2">
+                    <a:lumMod val="25000"/>
+                  </a:schemeClr>
+                </a:solidFill>
+                <a:latin typeface="Segoe UI Light" panose="020B0502040204020203" pitchFamily="34" charset="0"/>
+                <a:cs typeface="Segoe UI Light" panose="020B0502040204020203" pitchFamily="34" charset="0"/>
+              </a:rPr>
+              <a:t>Angular: https://angular.io/guide/elements</a:t>
+            </a:r>
+          </a:p>
+          <a:p>
+            <a:pPr marL="914400" lvl="1" indent="-457200">
+              <a:buFont typeface="Arial" panose="020B0604020202020204" pitchFamily="34" charset="0"/>
+              <a:buChar char="•"/>
+            </a:pPr>
+            <a:r>
+              <a:rPr lang="en-GB" sz="3200" dirty="0">
+                <a:solidFill>
+                  <a:schemeClr val="bg2">
+                    <a:lumMod val="25000"/>
+                  </a:schemeClr>
+                </a:solidFill>
+                <a:latin typeface="Segoe UI Light" panose="020B0502040204020203" pitchFamily="34" charset="0"/>
+                <a:cs typeface="Segoe UI Light" panose="020B0502040204020203" pitchFamily="34" charset="0"/>
+              </a:rPr>
+              <a:t>Vue: https://www.npmjs.com/package/vue-custom-element</a:t>
+            </a:r>
+          </a:p>
+          <a:p>
+            <a:pPr marL="914400" lvl="1" indent="-457200">
+              <a:buFont typeface="Arial" panose="020B0604020202020204" pitchFamily="34" charset="0"/>
+              <a:buChar char="•"/>
+            </a:pPr>
+            <a:r>
+              <a:rPr lang="en-GB" sz="3200" dirty="0">
+                <a:solidFill>
+                  <a:schemeClr val="bg2">
+                    <a:lumMod val="25000"/>
+                  </a:schemeClr>
+                </a:solidFill>
+                <a:latin typeface="Segoe UI Light" panose="020B0502040204020203" pitchFamily="34" charset="0"/>
+                <a:cs typeface="Segoe UI Light" panose="020B0502040204020203" pitchFamily="34" charset="0"/>
+              </a:rPr>
+              <a:t>Vue: https://github.com/karol-f/vue-custom-element#demo</a:t>
+            </a:r>
+          </a:p>
+          <a:p>
+            <a:pPr marL="914400" lvl="1" indent="-457200">
+              <a:buFont typeface="Arial" panose="020B0604020202020204" pitchFamily="34" charset="0"/>
+              <a:buChar char="•"/>
+            </a:pPr>
+            <a:r>
+              <a:rPr lang="en-GB" sz="3200" dirty="0">
+                <a:solidFill>
+                  <a:schemeClr val="bg2">
+                    <a:lumMod val="25000"/>
+                  </a:schemeClr>
+                </a:solidFill>
+                <a:latin typeface="Segoe UI Light" panose="020B0502040204020203" pitchFamily="34" charset="0"/>
+                <a:cs typeface="Segoe UI Light" panose="020B0502040204020203" pitchFamily="34" charset="0"/>
+              </a:rPr>
+              <a:t>React: </a:t>
+            </a:r>
+            <a:r>
+              <a:rPr lang="en-GB" sz="3200" dirty="0">
+                <a:solidFill>
+                  <a:schemeClr val="bg2">
+                    <a:lumMod val="25000"/>
+                  </a:schemeClr>
+                </a:solidFill>
+                <a:latin typeface="Segoe UI Light" panose="020B0502040204020203" pitchFamily="34" charset="0"/>
+                <a:cs typeface="Segoe UI Light" panose="020B0502040204020203" pitchFamily="34" charset="0"/>
+                <a:hlinkClick r:id="rId2"/>
+              </a:rPr>
+              <a:t>https://github.com/LukasBombach/react-web-component</a:t>
+            </a:r>
+            <a:endParaRPr lang="en-GB" sz="3200" dirty="0">
+              <a:solidFill>
+                <a:schemeClr val="bg2">
+                  <a:lumMod val="25000"/>
+                </a:schemeClr>
+              </a:solidFill>
+              <a:latin typeface="Segoe UI Light" panose="020B0502040204020203" pitchFamily="34" charset="0"/>
+              <a:cs typeface="Segoe UI Light" panose="020B0502040204020203" pitchFamily="34" charset="0"/>
+            </a:endParaRPr>
+          </a:p>
+          <a:p>
+            <a:pPr marL="914400" lvl="1" indent="-457200">
+              <a:buFont typeface="Arial" panose="020B0604020202020204" pitchFamily="34" charset="0"/>
+              <a:buChar char="•"/>
+            </a:pPr>
+            <a:r>
+              <a:rPr lang="en-GB" sz="3200" i="1" dirty="0">
+                <a:solidFill>
+                  <a:schemeClr val="bg2">
+                    <a:lumMod val="25000"/>
+                  </a:schemeClr>
+                </a:solidFill>
+                <a:latin typeface="Segoe UI Light" panose="020B0502040204020203" pitchFamily="34" charset="0"/>
+                <a:cs typeface="Segoe UI Light" panose="020B0502040204020203" pitchFamily="34" charset="0"/>
+              </a:rPr>
+              <a:t>Many others: </a:t>
+            </a:r>
+            <a:r>
+              <a:rPr lang="en-GB" sz="3200" i="1" dirty="0">
+                <a:solidFill>
+                  <a:schemeClr val="bg2">
+                    <a:lumMod val="25000"/>
+                  </a:schemeClr>
+                </a:solidFill>
+                <a:latin typeface="Segoe UI Light" panose="020B0502040204020203" pitchFamily="34" charset="0"/>
+                <a:cs typeface="Segoe UI Light" panose="020B0502040204020203" pitchFamily="34" charset="0"/>
+                <a:hlinkClick r:id="rId3"/>
+              </a:rPr>
+              <a:t>https://webcomponents.dev/</a:t>
+            </a:r>
+            <a:endParaRPr lang="en-GB" sz="3200" i="1" dirty="0">
+              <a:solidFill>
+                <a:schemeClr val="bg2">
+                  <a:lumMod val="25000"/>
+                </a:schemeClr>
+              </a:solidFill>
+              <a:latin typeface="Segoe UI Light" panose="020B0502040204020203" pitchFamily="34" charset="0"/>
+              <a:cs typeface="Segoe UI Light" panose="020B0502040204020203" pitchFamily="34" charset="0"/>
+            </a:endParaRPr>
+          </a:p>
+          <a:p>
+            <a:pPr marL="457200" lvl="1" indent="0">
+              <a:buNone/>
+            </a:pPr>
+            <a:endParaRPr lang="en-GB" sz="3800" dirty="0">
+              <a:solidFill>
+                <a:schemeClr val="bg2">
+                  <a:lumMod val="25000"/>
+                </a:schemeClr>
+              </a:solidFill>
+              <a:latin typeface="Segoe UI Light" panose="020B0502040204020203" pitchFamily="34" charset="0"/>
+              <a:cs typeface="Segoe UI Light" panose="020B0502040204020203" pitchFamily="34" charset="0"/>
+            </a:endParaRPr>
+          </a:p>
+          <a:p>
+            <a:pPr marL="457200" lvl="1" indent="0">
+              <a:buNone/>
+            </a:pPr>
+            <a:endParaRPr lang="en-GB" sz="3800" dirty="0">
+              <a:solidFill>
+                <a:schemeClr val="bg2">
+                  <a:lumMod val="25000"/>
+                </a:schemeClr>
+              </a:solidFill>
+              <a:latin typeface="Segoe UI Light" panose="020B0502040204020203" pitchFamily="34" charset="0"/>
+              <a:cs typeface="Segoe UI Light" panose="020B0502040204020203" pitchFamily="34" charset="0"/>
+            </a:endParaRPr>
+          </a:p>
+        </p:txBody>
+      </p:sp>
+    </p:spTree>
+    <p:extLst>
+      <p:ext uri="{BB962C8B-B14F-4D97-AF65-F5344CB8AC3E}">
+        <p14:creationId xmlns:p14="http://schemas.microsoft.com/office/powerpoint/2010/main" val="2544231288"/>
+      </p:ext>
+    </p:extLst>
+  </p:cSld>
+  <p:clrMapOvr>
+    <a:masterClrMapping/>
+  </p:clrMapOvr>
+</p:sld>
+</file>
+
+<file path=ppt/slides/slide51.xml><?xml version="1.0" encoding="utf-8"?>
+<p:sld xmlns:a="http://schemas.openxmlformats.org/drawingml/2006/main" xmlns:r="http://schemas.openxmlformats.org/officeDocument/2006/relationships" xmlns:p="http://schemas.openxmlformats.org/presentationml/2006/main">
+  <p:cSld>
+    <p:spTree>
+      <p:nvGrpSpPr>
+        <p:cNvPr id="1" name=""/>
+        <p:cNvGrpSpPr/>
+        <p:nvPr/>
+      </p:nvGrpSpPr>
+      <p:grpSpPr>
+        <a:xfrm>
+          <a:off x="0" y="0"/>
+          <a:ext cx="0" cy="0"/>
+          <a:chOff x="0" y="0"/>
+          <a:chExt cx="0" cy="0"/>
+        </a:xfrm>
+      </p:grpSpPr>
+      <p:sp>
+        <p:nvSpPr>
+          <p:cNvPr id="4" name="Title 3"/>
+          <p:cNvSpPr>
+            <a:spLocks noGrp="1"/>
+          </p:cNvSpPr>
+          <p:nvPr>
+            <p:ph type="title"/>
+          </p:nvPr>
+        </p:nvSpPr>
+        <p:spPr>
+          <a:xfrm>
+            <a:off x="541608" y="426301"/>
+            <a:ext cx="10293539" cy="749992"/>
+          </a:xfrm>
+        </p:spPr>
+        <p:txBody>
+          <a:bodyPr>
+            <a:noAutofit/>
+          </a:bodyPr>
+          <a:lstStyle/>
+          <a:p>
+            <a:r>
+              <a:rPr lang="en-US" sz="4000" dirty="0">
+                <a:latin typeface="Segoe UI Light" panose="020B0502040204020203" pitchFamily="34" charset="0"/>
+                <a:cs typeface="Segoe UI Light" panose="020B0502040204020203" pitchFamily="34" charset="0"/>
+              </a:rPr>
               <a:t>Deployment</a:t>
             </a:r>
           </a:p>
@@ -31813,7 +32458,7 @@
 </p:sld>
 </file>
 
-<file path=ppt/slides/slide51.xml><?xml version="1.0" encoding="utf-8"?>
+<file path=ppt/slides/slide52.xml><?xml version="1.0" encoding="utf-8"?>
 <p:sld xmlns:a="http://schemas.openxmlformats.org/drawingml/2006/main" xmlns:r="http://schemas.openxmlformats.org/officeDocument/2006/relationships" xmlns:p="http://schemas.openxmlformats.org/presentationml/2006/main">
   <p:cSld>
     <p:spTree>
@@ -35276,6 +35921,24 @@
 </file>
 
 <file path=customXml/item1.xml><?xml version="1.0" encoding="utf-8"?>
+<p:properties xmlns:p="http://schemas.microsoft.com/office/2006/metadata/properties" xmlns:xsi="http://www.w3.org/2001/XMLSchema-instance" xmlns:pc="http://schemas.microsoft.com/office/infopath/2007/PartnerControls">
+  <documentManagement>
+    <Status xmlns="71af3243-3dd4-4a8d-8c0d-dd76da1f02a5">Not started</Status>
+    <MediaServiceKeyPoints xmlns="71af3243-3dd4-4a8d-8c0d-dd76da1f02a5" xsi:nil="true"/>
+  </documentManagement>
+</p:properties>
+</file>
+
+<file path=customXml/item2.xml><?xml version="1.0" encoding="utf-8"?>
+<?mso-contentType ?>
+<FormTemplates xmlns="http://schemas.microsoft.com/sharepoint/v3/contenttype/forms">
+  <Display>DocumentLibraryForm</Display>
+  <Edit>DocumentLibraryForm</Edit>
+  <New>DocumentLibraryForm</New>
+</FormTemplates>
+</file>
+
+<file path=customXml/item3.xml><?xml version="1.0" encoding="utf-8"?>
 <ct:contentTypeSchema xmlns:ct="http://schemas.microsoft.com/office/2006/metadata/contentType" xmlns:ma="http://schemas.microsoft.com/office/2006/metadata/properties/metaAttributes" ct:_="" ma:_="" ma:contentTypeName="Document" ma:contentTypeID="0x01010079F111ED35F8CC479449609E8A0923A6" ma:contentTypeVersion="12" ma:contentTypeDescription="Create a new document." ma:contentTypeScope="" ma:versionID="a8a52e8c320b9a064ae3583ae3861c92">
   <xsd:schema xmlns:xsd="http://www.w3.org/2001/XMLSchema" xmlns:xs="http://www.w3.org/2001/XMLSchema" xmlns:p="http://schemas.microsoft.com/office/2006/metadata/properties" xmlns:ns2="71af3243-3dd4-4a8d-8c0d-dd76da1f02a5" xmlns:ns3="16c05727-aa75-4e4a-9b5f-8a80a1165891" targetNamespace="http://schemas.microsoft.com/office/2006/metadata/properties" ma:root="true" ma:fieldsID="88020cb39231a0945110f9cd888b521a" ns2:_="" ns3:_="">
     <xsd:import namespace="71af3243-3dd4-4a8d-8c0d-dd76da1f02a5"/>
@@ -35496,25 +36159,32 @@
 </ct:contentTypeSchema>
 </file>
 
-<file path=customXml/item2.xml><?xml version="1.0" encoding="utf-8"?>
-<p:properties xmlns:p="http://schemas.microsoft.com/office/2006/metadata/properties" xmlns:xsi="http://www.w3.org/2001/XMLSchema-instance" xmlns:pc="http://schemas.microsoft.com/office/infopath/2007/PartnerControls">
-  <documentManagement>
-    <Status xmlns="71af3243-3dd4-4a8d-8c0d-dd76da1f02a5">Not started</Status>
-    <MediaServiceKeyPoints xmlns="71af3243-3dd4-4a8d-8c0d-dd76da1f02a5" xsi:nil="true"/>
-  </documentManagement>
-</p:properties>
+<file path=customXml/itemProps1.xml><?xml version="1.0" encoding="utf-8"?>
+<ds:datastoreItem xmlns:ds="http://schemas.openxmlformats.org/officeDocument/2006/customXml" ds:itemID="{950072C5-DDE0-4258-BA7A-4D4B80DFA632}">
+  <ds:schemaRefs>
+    <ds:schemaRef ds:uri="http://purl.org/dc/elements/1.1/"/>
+    <ds:schemaRef ds:uri="http://schemas.openxmlformats.org/package/2006/metadata/core-properties"/>
+    <ds:schemaRef ds:uri="http://schemas.microsoft.com/office/2006/documentManagement/types"/>
+    <ds:schemaRef ds:uri="http://schemas.microsoft.com/office/infopath/2007/PartnerControls"/>
+    <ds:schemaRef ds:uri="http://schemas.microsoft.com/office/2006/metadata/properties"/>
+    <ds:schemaRef ds:uri="71af3243-3dd4-4a8d-8c0d-dd76da1f02a5"/>
+    <ds:schemaRef ds:uri="http://purl.org/dc/dcmitype/"/>
+    <ds:schemaRef ds:uri="16c05727-aa75-4e4a-9b5f-8a80a1165891"/>
+    <ds:schemaRef ds:uri="http://www.w3.org/XML/1998/namespace"/>
+    <ds:schemaRef ds:uri="http://purl.org/dc/terms/"/>
+  </ds:schemaRefs>
+</ds:datastoreItem>
 </file>
 
-<file path=customXml/item3.xml><?xml version="1.0" encoding="utf-8"?>
-<?mso-contentType ?>
-<FormTemplates xmlns="http://schemas.microsoft.com/sharepoint/v3/contenttype/forms">
-  <Display>DocumentLibraryForm</Display>
-  <Edit>DocumentLibraryForm</Edit>
-  <New>DocumentLibraryForm</New>
-</FormTemplates>
+<file path=customXml/itemProps2.xml><?xml version="1.0" encoding="utf-8"?>
+<ds:datastoreItem xmlns:ds="http://schemas.openxmlformats.org/officeDocument/2006/customXml" ds:itemID="{7EE8C63A-4744-4DE4-BB49-0FF0B5375C60}">
+  <ds:schemaRefs>
+    <ds:schemaRef ds:uri="http://schemas.microsoft.com/sharepoint/v3/contenttype/forms"/>
+  </ds:schemaRefs>
+</ds:datastoreItem>
 </file>
 
-<file path=customXml/itemProps1.xml><?xml version="1.0" encoding="utf-8"?>
+<file path=customXml/itemProps3.xml><?xml version="1.0" encoding="utf-8"?>
 <ds:datastoreItem xmlns:ds="http://schemas.openxmlformats.org/officeDocument/2006/customXml" ds:itemID="{FD7FC771-7DFE-49DA-B577-71181BFBCB2E}">
   <ds:schemaRefs>
     <ds:schemaRef ds:uri="http://schemas.microsoft.com/office/2006/metadata/contentType"/>
@@ -35531,29 +36201,4 @@
     <ds:schemaRef ds:uri="http://schemas.microsoft.com/internal/obd"/>
   </ds:schemaRefs>
 </ds:datastoreItem>
-</file>
-
-<file path=customXml/itemProps2.xml><?xml version="1.0" encoding="utf-8"?>
-<ds:datastoreItem xmlns:ds="http://schemas.openxmlformats.org/officeDocument/2006/customXml" ds:itemID="{950072C5-DDE0-4258-BA7A-4D4B80DFA632}">
-  <ds:schemaRefs>
-    <ds:schemaRef ds:uri="http://purl.org/dc/elements/1.1/"/>
-    <ds:schemaRef ds:uri="http://schemas.openxmlformats.org/package/2006/metadata/core-properties"/>
-    <ds:schemaRef ds:uri="http://schemas.microsoft.com/office/2006/documentManagement/types"/>
-    <ds:schemaRef ds:uri="http://schemas.microsoft.com/office/infopath/2007/PartnerControls"/>
-    <ds:schemaRef ds:uri="http://schemas.microsoft.com/office/2006/metadata/properties"/>
-    <ds:schemaRef ds:uri="71af3243-3dd4-4a8d-8c0d-dd76da1f02a5"/>
-    <ds:schemaRef ds:uri="http://purl.org/dc/dcmitype/"/>
-    <ds:schemaRef ds:uri="16c05727-aa75-4e4a-9b5f-8a80a1165891"/>
-    <ds:schemaRef ds:uri="http://www.w3.org/XML/1998/namespace"/>
-    <ds:schemaRef ds:uri="http://purl.org/dc/terms/"/>
-  </ds:schemaRefs>
-</ds:datastoreItem>
-</file>
-
-<file path=customXml/itemProps3.xml><?xml version="1.0" encoding="utf-8"?>
-<ds:datastoreItem xmlns:ds="http://schemas.openxmlformats.org/officeDocument/2006/customXml" ds:itemID="{7EE8C63A-4744-4DE4-BB49-0FF0B5375C60}">
-  <ds:schemaRefs>
-    <ds:schemaRef ds:uri="http://schemas.microsoft.com/sharepoint/v3/contenttype/forms"/>
-  </ds:schemaRefs>
-</ds:datastoreItem>
 </file>